--- a/DAY17 ASSIGNMENT/Presentation3.pptx
+++ b/DAY17 ASSIGNMENT/Presentation3.pptx
@@ -2,7 +2,7 @@
 <file path=ppt/presentation.xml><?xml version="1.0" encoding="utf-8"?>
 <p:presentation xmlns:a="http://schemas.openxmlformats.org/drawingml/2006/main" xmlns:r="http://schemas.openxmlformats.org/officeDocument/2006/relationships" xmlns:p="http://schemas.openxmlformats.org/presentationml/2006/main" saveSubsetFonts="1">
   <p:sldMasterIdLst>
-    <p:sldMasterId id="2147483852" r:id="rId1"/>
+    <p:sldMasterId id="2147483870" r:id="rId1"/>
   </p:sldMasterIdLst>
   <p:sldIdLst>
     <p:sldId id="256" r:id="rId2"/>
@@ -110,7 +110,7 @@
   </p:defaultTextStyle>
   <p:extLst>
     <p:ext uri="{EFAFB233-063F-42B5-8137-9DF3F51BA10A}">
-      <p15:sldGuideLst xmlns:p15="http://schemas.microsoft.com/office/powerpoint/2012/main"/>
+      <p15:sldGuideLst xmlns:p15="http://schemas.microsoft.com/office/powerpoint/2012/main" xmlns=""/>
     </p:ext>
   </p:extLst>
 </p:presentation>
@@ -2018,6 +2018,11 @@
 <file path=ppt/slideLayouts/slideLayout1.xml><?xml version="1.0" encoding="utf-8"?>
 <p:sldLayout xmlns:a="http://schemas.openxmlformats.org/drawingml/2006/main" xmlns:r="http://schemas.openxmlformats.org/officeDocument/2006/relationships" xmlns:p="http://schemas.openxmlformats.org/presentationml/2006/main" type="title" preserve="1">
   <p:cSld name="Title Slide">
+    <p:bg>
+      <p:bgRef idx="1002">
+        <a:schemeClr val="bg2"/>
+      </p:bgRef>
+    </p:bg>
     <p:spTree>
       <p:nvGrpSpPr>
         <p:cNvPr id="1" name=""/>
@@ -2034,7 +2039,7 @@
       </p:grpSpPr>
       <p:sp>
         <p:nvSpPr>
-          <p:cNvPr id="2" name="Title 1"/>
+          <p:cNvPr id="9" name="Title 8"/>
           <p:cNvSpPr>
             <a:spLocks noGrp="1"/>
           </p:cNvSpPr>
@@ -2044,45 +2049,70 @@
         </p:nvSpPr>
         <p:spPr>
           <a:xfrm>
-            <a:off x="1751012" y="609601"/>
-            <a:ext cx="8676222" cy="3200400"/>
+            <a:off x="711200" y="1371600"/>
+            <a:ext cx="10468864" cy="1828800"/>
           </a:xfrm>
+          <a:ln>
+            <a:noFill/>
+          </a:ln>
         </p:spPr>
         <p:txBody>
-          <a:bodyPr anchor="b">
+          <a:bodyPr vert="horz" tIns="0" rIns="18288" bIns="0" anchor="b">
             <a:normAutofit/>
+            <a:scene3d>
+              <a:camera prst="orthographicFront"/>
+              <a:lightRig rig="freezing" dir="t">
+                <a:rot lat="0" lon="0" rev="5640000"/>
+              </a:lightRig>
+            </a:scene3d>
+            <a:sp3d prstMaterial="flat">
+              <a:bevelT w="38100" h="38100"/>
+              <a:contourClr>
+                <a:schemeClr val="tx2"/>
+              </a:contourClr>
+            </a:sp3d>
           </a:bodyPr>
           <a:lstStyle>
-            <a:lvl1pPr algn="ctr">
-              <a:defRPr sz="4800">
+            <a:lvl1pPr algn="r" rtl="0">
+              <a:spcBef>
+                <a:spcPct val="0"/>
+              </a:spcBef>
+              <a:buNone/>
+              <a:defRPr sz="5600" b="1">
+                <a:ln>
+                  <a:noFill/>
+                </a:ln>
+                <a:solidFill>
+                  <a:schemeClr val="accent3">
+                    <a:tint val="90000"/>
+                    <a:satMod val="120000"/>
+                  </a:schemeClr>
+                </a:solidFill>
                 <a:effectLst>
-                  <a:glow rad="38100">
-                    <a:schemeClr val="bg1">
-                      <a:lumMod val="65000"/>
-                      <a:lumOff val="35000"/>
-                      <a:alpha val="50000"/>
-                    </a:schemeClr>
-                  </a:glow>
-                  <a:outerShdw blurRad="28575" dist="31750" dir="13200000" algn="tl" rotWithShape="0">
+                  <a:outerShdw blurRad="38100" dist="25400" dir="5400000" algn="tl" rotWithShape="0">
                     <a:srgbClr val="000000">
-                      <a:alpha val="25000"/>
+                      <a:alpha val="43000"/>
                     </a:srgbClr>
                   </a:outerShdw>
                 </a:effectLst>
+                <a:latin typeface="+mj-lt"/>
+                <a:ea typeface="+mj-ea"/>
+                <a:cs typeface="+mj-cs"/>
               </a:defRPr>
             </a:lvl1pPr>
           </a:lstStyle>
           <a:p>
             <a:r>
-              <a:rPr lang="en-US" dirty="0"/>
+              <a:rPr kumimoji="0" lang="en-US" smtClean="0"/>
               <a:t>Click to edit Master title style</a:t>
             </a:r>
-          </a:p>
-        </p:txBody>
-      </p:sp>
-      <p:sp>
-        <p:nvSpPr>
-          <p:cNvPr id="3" name="Subtitle 2"/>
+            <a:endParaRPr kumimoji="0" lang="en-US"/>
+          </a:p>
+        </p:txBody>
+      </p:sp>
+      <p:sp>
+        <p:nvSpPr>
+          <p:cNvPr id="17" name="Subtitle 16"/>
           <p:cNvSpPr>
             <a:spLocks noGrp="1"/>
           </p:cNvSpPr>
@@ -2092,126 +2122,58 @@
         </p:nvSpPr>
         <p:spPr>
           <a:xfrm>
-            <a:off x="1751012" y="3886200"/>
-            <a:ext cx="8676222" cy="1905000"/>
+            <a:off x="711200" y="3228536"/>
+            <a:ext cx="10472928" cy="1752600"/>
           </a:xfrm>
         </p:spPr>
         <p:txBody>
-          <a:bodyPr anchor="t">
-            <a:normAutofit/>
-          </a:bodyPr>
+          <a:bodyPr lIns="0" rIns="18288"/>
           <a:lstStyle>
-            <a:lvl1pPr marL="0" indent="0" algn="ctr">
+            <a:lvl1pPr marL="0" marR="45720" indent="0" algn="r">
               <a:buNone/>
-              <a:defRPr sz="2100">
-                <a:gradFill flip="none" rotWithShape="1">
-                  <a:gsLst>
-                    <a:gs pos="0">
-                      <a:schemeClr val="tx1"/>
-                    </a:gs>
-                    <a:gs pos="100000">
-                      <a:schemeClr val="tx1">
-                        <a:lumMod val="75000"/>
-                      </a:schemeClr>
-                    </a:gs>
-                  </a:gsLst>
-                  <a:lin ang="5400000" scaled="0"/>
-                  <a:tileRect/>
-                </a:gradFill>
+              <a:defRPr>
+                <a:solidFill>
+                  <a:schemeClr val="tx1"/>
+                </a:solidFill>
               </a:defRPr>
             </a:lvl1pPr>
             <a:lvl2pPr marL="457200" indent="0" algn="ctr">
               <a:buNone/>
-              <a:defRPr>
-                <a:solidFill>
-                  <a:schemeClr val="tx1">
-                    <a:tint val="75000"/>
-                  </a:schemeClr>
-                </a:solidFill>
-              </a:defRPr>
             </a:lvl2pPr>
             <a:lvl3pPr marL="914400" indent="0" algn="ctr">
               <a:buNone/>
-              <a:defRPr>
-                <a:solidFill>
-                  <a:schemeClr val="tx1">
-                    <a:tint val="75000"/>
-                  </a:schemeClr>
-                </a:solidFill>
-              </a:defRPr>
             </a:lvl3pPr>
             <a:lvl4pPr marL="1371600" indent="0" algn="ctr">
               <a:buNone/>
-              <a:defRPr>
-                <a:solidFill>
-                  <a:schemeClr val="tx1">
-                    <a:tint val="75000"/>
-                  </a:schemeClr>
-                </a:solidFill>
-              </a:defRPr>
             </a:lvl4pPr>
             <a:lvl5pPr marL="1828800" indent="0" algn="ctr">
               <a:buNone/>
-              <a:defRPr>
-                <a:solidFill>
-                  <a:schemeClr val="tx1">
-                    <a:tint val="75000"/>
-                  </a:schemeClr>
-                </a:solidFill>
-              </a:defRPr>
             </a:lvl5pPr>
             <a:lvl6pPr marL="2286000" indent="0" algn="ctr">
               <a:buNone/>
-              <a:defRPr>
-                <a:solidFill>
-                  <a:schemeClr val="tx1">
-                    <a:tint val="75000"/>
-                  </a:schemeClr>
-                </a:solidFill>
-              </a:defRPr>
             </a:lvl6pPr>
             <a:lvl7pPr marL="2743200" indent="0" algn="ctr">
               <a:buNone/>
-              <a:defRPr>
-                <a:solidFill>
-                  <a:schemeClr val="tx1">
-                    <a:tint val="75000"/>
-                  </a:schemeClr>
-                </a:solidFill>
-              </a:defRPr>
             </a:lvl7pPr>
             <a:lvl8pPr marL="3200400" indent="0" algn="ctr">
               <a:buNone/>
-              <a:defRPr>
-                <a:solidFill>
-                  <a:schemeClr val="tx1">
-                    <a:tint val="75000"/>
-                  </a:schemeClr>
-                </a:solidFill>
-              </a:defRPr>
             </a:lvl8pPr>
             <a:lvl9pPr marL="3657600" indent="0" algn="ctr">
               <a:buNone/>
-              <a:defRPr>
-                <a:solidFill>
-                  <a:schemeClr val="tx1">
-                    <a:tint val="75000"/>
-                  </a:schemeClr>
-                </a:solidFill>
-              </a:defRPr>
             </a:lvl9pPr>
           </a:lstStyle>
           <a:p>
             <a:r>
-              <a:rPr lang="en-US" dirty="0"/>
+              <a:rPr kumimoji="0" lang="en-US" smtClean="0"/>
               <a:t>Click to edit Master subtitle style</a:t>
             </a:r>
-          </a:p>
-        </p:txBody>
-      </p:sp>
-      <p:sp>
-        <p:nvSpPr>
-          <p:cNvPr id="4" name="Date Placeholder 3"/>
+            <a:endParaRPr kumimoji="0" lang="en-US"/>
+          </a:p>
+        </p:txBody>
+      </p:sp>
+      <p:sp>
+        <p:nvSpPr>
+          <p:cNvPr id="30" name="Date Placeholder 29"/>
           <p:cNvSpPr>
             <a:spLocks noGrp="1"/>
           </p:cNvSpPr>
@@ -2225,9 +2187,9 @@
           <a:lstStyle/>
           <a:p>
             <a:fld id="{B61BEF0D-F0BB-DE4B-95CE-6DB70DBA9567}" type="datetimeFigureOut">
-              <a:rPr lang="en-US" dirty="0"/>
+              <a:rPr lang="en-US" smtClean="0"/>
               <a:pPr/>
-              <a:t>2/15/2022</a:t>
+              <a:t>2/16/2022</a:t>
             </a:fld>
             <a:endParaRPr lang="en-US" dirty="0"/>
           </a:p>
@@ -2235,7 +2197,7 @@
       </p:sp>
       <p:sp>
         <p:nvSpPr>
-          <p:cNvPr id="5" name="Footer Placeholder 4"/>
+          <p:cNvPr id="19" name="Footer Placeholder 18"/>
           <p:cNvSpPr>
             <a:spLocks noGrp="1"/>
           </p:cNvSpPr>
@@ -2254,7 +2216,7 @@
       </p:sp>
       <p:sp>
         <p:nvSpPr>
-          <p:cNvPr id="6" name="Slide Number Placeholder 5"/>
+          <p:cNvPr id="27" name="Slide Number Placeholder 26"/>
           <p:cNvSpPr>
             <a:spLocks noGrp="1"/>
           </p:cNvSpPr>
@@ -2268,7 +2230,7 @@
           <a:lstStyle/>
           <a:p>
             <a:fld id="{D57F1E4F-1CFF-5643-939E-217C01CDF565}" type="slidenum">
-              <a:rPr lang="en-US" dirty="0"/>
+              <a:rPr lang="en-US" smtClean="0"/>
               <a:pPr/>
               <a:t>‹#›</a:t>
             </a:fld>
@@ -2277,2128 +2239,14 @@
         </p:txBody>
       </p:sp>
     </p:spTree>
-    <p:extLst>
-      <p:ext uri="{BB962C8B-B14F-4D97-AF65-F5344CB8AC3E}">
-        <p14:creationId xmlns:p14="http://schemas.microsoft.com/office/powerpoint/2010/main" val="2628517944"/>
-      </p:ext>
-    </p:extLst>
   </p:cSld>
   <p:clrMapOvr>
-    <a:masterClrMapping/>
+    <a:overrideClrMapping bg1="dk1" tx1="lt1" bg2="dk2" tx2="lt2" accent1="accent1" accent2="accent2" accent3="accent3" accent4="accent4" accent5="accent5" accent6="accent6" hlink="hlink" folHlink="folHlink"/>
   </p:clrMapOvr>
 </p:sldLayout>
 </file>
 
 <file path=ppt/slideLayouts/slideLayout10.xml><?xml version="1.0" encoding="utf-8"?>
-<p:sldLayout xmlns:a="http://schemas.openxmlformats.org/drawingml/2006/main" xmlns:r="http://schemas.openxmlformats.org/officeDocument/2006/relationships" xmlns:p="http://schemas.openxmlformats.org/presentationml/2006/main" preserve="1">
-  <p:cSld name="Panoramic Picture with Caption">
-    <p:spTree>
-      <p:nvGrpSpPr>
-        <p:cNvPr id="1" name=""/>
-        <p:cNvGrpSpPr/>
-        <p:nvPr/>
-      </p:nvGrpSpPr>
-      <p:grpSpPr>
-        <a:xfrm>
-          <a:off x="0" y="0"/>
-          <a:ext cx="0" cy="0"/>
-          <a:chOff x="0" y="0"/>
-          <a:chExt cx="0" cy="0"/>
-        </a:xfrm>
-      </p:grpSpPr>
-      <p:sp>
-        <p:nvSpPr>
-          <p:cNvPr id="2" name="Title 1"/>
-          <p:cNvSpPr>
-            <a:spLocks noGrp="1"/>
-          </p:cNvSpPr>
-          <p:nvPr>
-            <p:ph type="title"/>
-          </p:nvPr>
-        </p:nvSpPr>
-        <p:spPr>
-          <a:xfrm>
-            <a:off x="1141413" y="4732865"/>
-            <a:ext cx="9906000" cy="566738"/>
-          </a:xfrm>
-        </p:spPr>
-        <p:txBody>
-          <a:bodyPr anchor="b">
-            <a:normAutofit/>
-          </a:bodyPr>
-          <a:lstStyle>
-            <a:lvl1pPr algn="l">
-              <a:defRPr sz="2400" b="0"/>
-            </a:lvl1pPr>
-          </a:lstStyle>
-          <a:p>
-            <a:r>
-              <a:rPr lang="en-US" dirty="0"/>
-              <a:t>Click to edit Master title style</a:t>
-            </a:r>
-          </a:p>
-        </p:txBody>
-      </p:sp>
-      <p:sp>
-        <p:nvSpPr>
-          <p:cNvPr id="3" name="Picture Placeholder 2"/>
-          <p:cNvSpPr>
-            <a:spLocks noGrp="1" noChangeAspect="1"/>
-          </p:cNvSpPr>
-          <p:nvPr>
-            <p:ph type="pic" idx="1"/>
-          </p:nvPr>
-        </p:nvSpPr>
-        <p:spPr>
-          <a:xfrm>
-            <a:off x="1979612" y="932112"/>
-            <a:ext cx="8225944" cy="3164976"/>
-          </a:xfrm>
-          <a:prstGeom prst="roundRect">
-            <a:avLst>
-              <a:gd name="adj" fmla="val 4380"/>
-            </a:avLst>
-          </a:prstGeom>
-          <a:ln w="38100">
-            <a:gradFill flip="none" rotWithShape="1">
-              <a:gsLst>
-                <a:gs pos="0">
-                  <a:schemeClr val="bg2"/>
-                </a:gs>
-                <a:gs pos="100000">
-                  <a:schemeClr val="bg2">
-                    <a:lumMod val="75000"/>
-                  </a:schemeClr>
-                </a:gs>
-              </a:gsLst>
-              <a:lin ang="5400000" scaled="0"/>
-              <a:tileRect/>
-            </a:gradFill>
-          </a:ln>
-          <a:effectLst>
-            <a:innerShdw blurRad="57150" dist="38100" dir="14460000">
-              <a:srgbClr val="000000">
-                <a:alpha val="70000"/>
-              </a:srgbClr>
-            </a:innerShdw>
-          </a:effectLst>
-        </p:spPr>
-        <p:txBody>
-          <a:bodyPr anchor="t">
-            <a:normAutofit/>
-          </a:bodyPr>
-          <a:lstStyle>
-            <a:lvl1pPr marL="0" indent="0" algn="ctr">
-              <a:buNone/>
-              <a:defRPr sz="1600"/>
-            </a:lvl1pPr>
-            <a:lvl2pPr marL="457200" indent="0">
-              <a:buNone/>
-              <a:defRPr sz="1600"/>
-            </a:lvl2pPr>
-            <a:lvl3pPr marL="914400" indent="0">
-              <a:buNone/>
-              <a:defRPr sz="1600"/>
-            </a:lvl3pPr>
-            <a:lvl4pPr marL="1371600" indent="0">
-              <a:buNone/>
-              <a:defRPr sz="1600"/>
-            </a:lvl4pPr>
-            <a:lvl5pPr marL="1828800" indent="0">
-              <a:buNone/>
-              <a:defRPr sz="1600"/>
-            </a:lvl5pPr>
-            <a:lvl6pPr marL="2286000" indent="0">
-              <a:buNone/>
-              <a:defRPr sz="1600"/>
-            </a:lvl6pPr>
-            <a:lvl7pPr marL="2743200" indent="0">
-              <a:buNone/>
-              <a:defRPr sz="1600"/>
-            </a:lvl7pPr>
-            <a:lvl8pPr marL="3200400" indent="0">
-              <a:buNone/>
-              <a:defRPr sz="1600"/>
-            </a:lvl8pPr>
-            <a:lvl9pPr marL="3657600" indent="0">
-              <a:buNone/>
-              <a:defRPr sz="1600"/>
-            </a:lvl9pPr>
-          </a:lstStyle>
-          <a:p>
-            <a:endParaRPr lang="en-US" dirty="0"/>
-          </a:p>
-        </p:txBody>
-      </p:sp>
-      <p:sp>
-        <p:nvSpPr>
-          <p:cNvPr id="4" name="Text Placeholder 3"/>
-          <p:cNvSpPr>
-            <a:spLocks noGrp="1"/>
-          </p:cNvSpPr>
-          <p:nvPr>
-            <p:ph type="body" sz="half" idx="2"/>
-          </p:nvPr>
-        </p:nvSpPr>
-        <p:spPr>
-          <a:xfrm>
-            <a:off x="1141413" y="5299603"/>
-            <a:ext cx="9906000" cy="493712"/>
-          </a:xfrm>
-        </p:spPr>
-        <p:txBody>
-          <a:bodyPr>
-            <a:normAutofit/>
-          </a:bodyPr>
-          <a:lstStyle>
-            <a:lvl1pPr marL="0" indent="0">
-              <a:buNone/>
-              <a:defRPr sz="1400"/>
-            </a:lvl1pPr>
-            <a:lvl2pPr marL="457200" indent="0">
-              <a:buNone/>
-              <a:defRPr sz="1200"/>
-            </a:lvl2pPr>
-            <a:lvl3pPr marL="914400" indent="0">
-              <a:buNone/>
-              <a:defRPr sz="1000"/>
-            </a:lvl3pPr>
-            <a:lvl4pPr marL="1371600" indent="0">
-              <a:buNone/>
-              <a:defRPr sz="900"/>
-            </a:lvl4pPr>
-            <a:lvl5pPr marL="1828800" indent="0">
-              <a:buNone/>
-              <a:defRPr sz="900"/>
-            </a:lvl5pPr>
-            <a:lvl6pPr marL="2286000" indent="0">
-              <a:buNone/>
-              <a:defRPr sz="900"/>
-            </a:lvl6pPr>
-            <a:lvl7pPr marL="2743200" indent="0">
-              <a:buNone/>
-              <a:defRPr sz="900"/>
-            </a:lvl7pPr>
-            <a:lvl8pPr marL="3200400" indent="0">
-              <a:buNone/>
-              <a:defRPr sz="900"/>
-            </a:lvl8pPr>
-            <a:lvl9pPr marL="3657600" indent="0">
-              <a:buNone/>
-              <a:defRPr sz="900"/>
-            </a:lvl9pPr>
-          </a:lstStyle>
-          <a:p>
-            <a:pPr lvl="0"/>
-            <a:r>
-              <a:rPr lang="en-US" dirty="0"/>
-              <a:t>Click to edit Master text styles</a:t>
-            </a:r>
-          </a:p>
-        </p:txBody>
-      </p:sp>
-      <p:sp>
-        <p:nvSpPr>
-          <p:cNvPr id="5" name="Date Placeholder 4"/>
-          <p:cNvSpPr>
-            <a:spLocks noGrp="1"/>
-          </p:cNvSpPr>
-          <p:nvPr>
-            <p:ph type="dt" sz="half" idx="10"/>
-          </p:nvPr>
-        </p:nvSpPr>
-        <p:spPr/>
-        <p:txBody>
-          <a:bodyPr/>
-          <a:lstStyle/>
-          <a:p>
-            <a:fld id="{B61BEF0D-F0BB-DE4B-95CE-6DB70DBA9567}" type="datetimeFigureOut">
-              <a:rPr lang="en-US" dirty="0"/>
-              <a:pPr/>
-              <a:t>2/15/2022</a:t>
-            </a:fld>
-            <a:endParaRPr lang="en-US" dirty="0"/>
-          </a:p>
-        </p:txBody>
-      </p:sp>
-      <p:sp>
-        <p:nvSpPr>
-          <p:cNvPr id="6" name="Footer Placeholder 5"/>
-          <p:cNvSpPr>
-            <a:spLocks noGrp="1"/>
-          </p:cNvSpPr>
-          <p:nvPr>
-            <p:ph type="ftr" sz="quarter" idx="11"/>
-          </p:nvPr>
-        </p:nvSpPr>
-        <p:spPr/>
-        <p:txBody>
-          <a:bodyPr/>
-          <a:lstStyle/>
-          <a:p>
-            <a:endParaRPr lang="en-US" dirty="0"/>
-          </a:p>
-        </p:txBody>
-      </p:sp>
-      <p:sp>
-        <p:nvSpPr>
-          <p:cNvPr id="7" name="Slide Number Placeholder 6"/>
-          <p:cNvSpPr>
-            <a:spLocks noGrp="1"/>
-          </p:cNvSpPr>
-          <p:nvPr>
-            <p:ph type="sldNum" sz="quarter" idx="12"/>
-          </p:nvPr>
-        </p:nvSpPr>
-        <p:spPr/>
-        <p:txBody>
-          <a:bodyPr/>
-          <a:lstStyle/>
-          <a:p>
-            <a:fld id="{D57F1E4F-1CFF-5643-939E-217C01CDF565}" type="slidenum">
-              <a:rPr lang="en-US" dirty="0"/>
-              <a:pPr/>
-              <a:t>‹#›</a:t>
-            </a:fld>
-            <a:endParaRPr lang="en-US" dirty="0"/>
-          </a:p>
-        </p:txBody>
-      </p:sp>
-    </p:spTree>
-    <p:extLst>
-      <p:ext uri="{BB962C8B-B14F-4D97-AF65-F5344CB8AC3E}">
-        <p14:creationId xmlns:p14="http://schemas.microsoft.com/office/powerpoint/2010/main" val="3970026183"/>
-      </p:ext>
-    </p:extLst>
-  </p:cSld>
-  <p:clrMapOvr>
-    <a:masterClrMapping/>
-  </p:clrMapOvr>
-</p:sldLayout>
-</file>
-
-<file path=ppt/slideLayouts/slideLayout11.xml><?xml version="1.0" encoding="utf-8"?>
-<p:sldLayout xmlns:a="http://schemas.openxmlformats.org/drawingml/2006/main" xmlns:r="http://schemas.openxmlformats.org/officeDocument/2006/relationships" xmlns:p="http://schemas.openxmlformats.org/presentationml/2006/main" preserve="1">
-  <p:cSld name="Title and Caption">
-    <p:spTree>
-      <p:nvGrpSpPr>
-        <p:cNvPr id="1" name=""/>
-        <p:cNvGrpSpPr/>
-        <p:nvPr/>
-      </p:nvGrpSpPr>
-      <p:grpSpPr>
-        <a:xfrm>
-          <a:off x="0" y="0"/>
-          <a:ext cx="0" cy="0"/>
-          <a:chOff x="0" y="0"/>
-          <a:chExt cx="0" cy="0"/>
-        </a:xfrm>
-      </p:grpSpPr>
-      <p:sp>
-        <p:nvSpPr>
-          <p:cNvPr id="2" name="Title 1"/>
-          <p:cNvSpPr>
-            <a:spLocks noGrp="1"/>
-          </p:cNvSpPr>
-          <p:nvPr>
-            <p:ph type="title"/>
-          </p:nvPr>
-        </p:nvSpPr>
-        <p:spPr>
-          <a:xfrm>
-            <a:off x="1141412" y="609601"/>
-            <a:ext cx="9905999" cy="3124199"/>
-          </a:xfrm>
-        </p:spPr>
-        <p:txBody>
-          <a:bodyPr anchor="ctr">
-            <a:normAutofit/>
-          </a:bodyPr>
-          <a:lstStyle>
-            <a:lvl1pPr algn="l">
-              <a:defRPr sz="3200" b="0" cap="all"/>
-            </a:lvl1pPr>
-          </a:lstStyle>
-          <a:p>
-            <a:r>
-              <a:rPr lang="en-US" dirty="0"/>
-              <a:t>Click to edit Master title style</a:t>
-            </a:r>
-          </a:p>
-        </p:txBody>
-      </p:sp>
-      <p:sp>
-        <p:nvSpPr>
-          <p:cNvPr id="3" name="Text Placeholder 2"/>
-          <p:cNvSpPr>
-            <a:spLocks noGrp="1"/>
-          </p:cNvSpPr>
-          <p:nvPr>
-            <p:ph type="body" idx="1"/>
-          </p:nvPr>
-        </p:nvSpPr>
-        <p:spPr>
-          <a:xfrm>
-            <a:off x="1141411" y="4343400"/>
-            <a:ext cx="9906000" cy="1447800"/>
-          </a:xfrm>
-        </p:spPr>
-        <p:txBody>
-          <a:bodyPr anchor="ctr">
-            <a:normAutofit/>
-          </a:bodyPr>
-          <a:lstStyle>
-            <a:lvl1pPr marL="0" indent="0" algn="l">
-              <a:buNone/>
-              <a:defRPr sz="2000">
-                <a:gradFill flip="none" rotWithShape="1">
-                  <a:gsLst>
-                    <a:gs pos="0">
-                      <a:schemeClr val="tx1"/>
-                    </a:gs>
-                    <a:gs pos="100000">
-                      <a:schemeClr val="tx1">
-                        <a:lumMod val="75000"/>
-                      </a:schemeClr>
-                    </a:gs>
-                  </a:gsLst>
-                  <a:lin ang="5400000" scaled="0"/>
-                  <a:tileRect/>
-                </a:gradFill>
-              </a:defRPr>
-            </a:lvl1pPr>
-            <a:lvl2pPr marL="457200" indent="0">
-              <a:buNone/>
-              <a:defRPr sz="1800">
-                <a:solidFill>
-                  <a:schemeClr val="tx1">
-                    <a:tint val="75000"/>
-                  </a:schemeClr>
-                </a:solidFill>
-              </a:defRPr>
-            </a:lvl2pPr>
-            <a:lvl3pPr marL="914400" indent="0">
-              <a:buNone/>
-              <a:defRPr sz="1600">
-                <a:solidFill>
-                  <a:schemeClr val="tx1">
-                    <a:tint val="75000"/>
-                  </a:schemeClr>
-                </a:solidFill>
-              </a:defRPr>
-            </a:lvl3pPr>
-            <a:lvl4pPr marL="1371600" indent="0">
-              <a:buNone/>
-              <a:defRPr sz="1400">
-                <a:solidFill>
-                  <a:schemeClr val="tx1">
-                    <a:tint val="75000"/>
-                  </a:schemeClr>
-                </a:solidFill>
-              </a:defRPr>
-            </a:lvl4pPr>
-            <a:lvl5pPr marL="1828800" indent="0">
-              <a:buNone/>
-              <a:defRPr sz="1400">
-                <a:solidFill>
-                  <a:schemeClr val="tx1">
-                    <a:tint val="75000"/>
-                  </a:schemeClr>
-                </a:solidFill>
-              </a:defRPr>
-            </a:lvl5pPr>
-            <a:lvl6pPr marL="2286000" indent="0">
-              <a:buNone/>
-              <a:defRPr sz="1400">
-                <a:solidFill>
-                  <a:schemeClr val="tx1">
-                    <a:tint val="75000"/>
-                  </a:schemeClr>
-                </a:solidFill>
-              </a:defRPr>
-            </a:lvl6pPr>
-            <a:lvl7pPr marL="2743200" indent="0">
-              <a:buNone/>
-              <a:defRPr sz="1400">
-                <a:solidFill>
-                  <a:schemeClr val="tx1">
-                    <a:tint val="75000"/>
-                  </a:schemeClr>
-                </a:solidFill>
-              </a:defRPr>
-            </a:lvl7pPr>
-            <a:lvl8pPr marL="3200400" indent="0">
-              <a:buNone/>
-              <a:defRPr sz="1400">
-                <a:solidFill>
-                  <a:schemeClr val="tx1">
-                    <a:tint val="75000"/>
-                  </a:schemeClr>
-                </a:solidFill>
-              </a:defRPr>
-            </a:lvl8pPr>
-            <a:lvl9pPr marL="3657600" indent="0">
-              <a:buNone/>
-              <a:defRPr sz="1400">
-                <a:solidFill>
-                  <a:schemeClr val="tx1">
-                    <a:tint val="75000"/>
-                  </a:schemeClr>
-                </a:solidFill>
-              </a:defRPr>
-            </a:lvl9pPr>
-          </a:lstStyle>
-          <a:p>
-            <a:pPr lvl="0"/>
-            <a:r>
-              <a:rPr lang="en-US" dirty="0"/>
-              <a:t>Click to edit Master text styles</a:t>
-            </a:r>
-          </a:p>
-        </p:txBody>
-      </p:sp>
-      <p:sp>
-        <p:nvSpPr>
-          <p:cNvPr id="4" name="Date Placeholder 3"/>
-          <p:cNvSpPr>
-            <a:spLocks noGrp="1"/>
-          </p:cNvSpPr>
-          <p:nvPr>
-            <p:ph type="dt" sz="half" idx="10"/>
-          </p:nvPr>
-        </p:nvSpPr>
-        <p:spPr/>
-        <p:txBody>
-          <a:bodyPr/>
-          <a:lstStyle/>
-          <a:p>
-            <a:fld id="{B61BEF0D-F0BB-DE4B-95CE-6DB70DBA9567}" type="datetimeFigureOut">
-              <a:rPr lang="en-US" dirty="0"/>
-              <a:pPr/>
-              <a:t>2/15/2022</a:t>
-            </a:fld>
-            <a:endParaRPr lang="en-US" dirty="0"/>
-          </a:p>
-        </p:txBody>
-      </p:sp>
-      <p:sp>
-        <p:nvSpPr>
-          <p:cNvPr id="5" name="Footer Placeholder 4"/>
-          <p:cNvSpPr>
-            <a:spLocks noGrp="1"/>
-          </p:cNvSpPr>
-          <p:nvPr>
-            <p:ph type="ftr" sz="quarter" idx="11"/>
-          </p:nvPr>
-        </p:nvSpPr>
-        <p:spPr/>
-        <p:txBody>
-          <a:bodyPr/>
-          <a:lstStyle/>
-          <a:p>
-            <a:endParaRPr lang="en-US" dirty="0"/>
-          </a:p>
-        </p:txBody>
-      </p:sp>
-      <p:sp>
-        <p:nvSpPr>
-          <p:cNvPr id="6" name="Slide Number Placeholder 5"/>
-          <p:cNvSpPr>
-            <a:spLocks noGrp="1"/>
-          </p:cNvSpPr>
-          <p:nvPr>
-            <p:ph type="sldNum" sz="quarter" idx="12"/>
-          </p:nvPr>
-        </p:nvSpPr>
-        <p:spPr/>
-        <p:txBody>
-          <a:bodyPr/>
-          <a:lstStyle/>
-          <a:p>
-            <a:fld id="{D57F1E4F-1CFF-5643-939E-217C01CDF565}" type="slidenum">
-              <a:rPr lang="en-US" dirty="0"/>
-              <a:pPr/>
-              <a:t>‹#›</a:t>
-            </a:fld>
-            <a:endParaRPr lang="en-US" dirty="0"/>
-          </a:p>
-        </p:txBody>
-      </p:sp>
-    </p:spTree>
-    <p:extLst>
-      <p:ext uri="{BB962C8B-B14F-4D97-AF65-F5344CB8AC3E}">
-        <p14:creationId xmlns:p14="http://schemas.microsoft.com/office/powerpoint/2010/main" val="1046730100"/>
-      </p:ext>
-    </p:extLst>
-  </p:cSld>
-  <p:clrMapOvr>
-    <a:masterClrMapping/>
-  </p:clrMapOvr>
-</p:sldLayout>
-</file>
-
-<file path=ppt/slideLayouts/slideLayout12.xml><?xml version="1.0" encoding="utf-8"?>
-<p:sldLayout xmlns:a="http://schemas.openxmlformats.org/drawingml/2006/main" xmlns:r="http://schemas.openxmlformats.org/officeDocument/2006/relationships" xmlns:p="http://schemas.openxmlformats.org/presentationml/2006/main" preserve="1">
-  <p:cSld name="Quote with Caption">
-    <p:spTree>
-      <p:nvGrpSpPr>
-        <p:cNvPr id="1" name=""/>
-        <p:cNvGrpSpPr/>
-        <p:nvPr/>
-      </p:nvGrpSpPr>
-      <p:grpSpPr>
-        <a:xfrm>
-          <a:off x="0" y="0"/>
-          <a:ext cx="0" cy="0"/>
-          <a:chOff x="0" y="0"/>
-          <a:chExt cx="0" cy="0"/>
-        </a:xfrm>
-      </p:grpSpPr>
-      <p:sp>
-        <p:nvSpPr>
-          <p:cNvPr id="14" name="TextBox 13"/>
-          <p:cNvSpPr txBox="1"/>
-          <p:nvPr/>
-        </p:nvSpPr>
-        <p:spPr>
-          <a:xfrm>
-            <a:off x="836612" y="786824"/>
-            <a:ext cx="609600" cy="584776"/>
-          </a:xfrm>
-          <a:prstGeom prst="rect">
-            <a:avLst/>
-          </a:prstGeom>
-        </p:spPr>
-        <p:txBody>
-          <a:bodyPr vert="horz" lIns="91440" tIns="45720" rIns="91440" bIns="45720" rtlCol="0" anchor="ctr">
-            <a:noAutofit/>
-          </a:bodyPr>
-          <a:lstStyle>
-            <a:lvl1pPr>
-              <a:spcBef>
-                <a:spcPct val="0"/>
-              </a:spcBef>
-              <a:buNone/>
-              <a:defRPr sz="3200" b="0" cap="all">
-                <a:ln w="3175" cmpd="sng">
-                  <a:noFill/>
-                </a:ln>
-                <a:effectLst>
-                  <a:glow rad="38100">
-                    <a:schemeClr val="bg1">
-                      <a:lumMod val="65000"/>
-                      <a:lumOff val="35000"/>
-                      <a:alpha val="40000"/>
-                    </a:schemeClr>
-                  </a:glow>
-                  <a:outerShdw blurRad="28575" dist="38100" dir="14040000" algn="tl" rotWithShape="0">
-                    <a:srgbClr val="000000">
-                      <a:alpha val="25000"/>
-                    </a:srgbClr>
-                  </a:outerShdw>
-                </a:effectLst>
-              </a:defRPr>
-            </a:lvl1pPr>
-            <a:lvl2pPr>
-              <a:defRPr>
-                <a:solidFill>
-                  <a:schemeClr val="tx2"/>
-                </a:solidFill>
-              </a:defRPr>
-            </a:lvl2pPr>
-            <a:lvl3pPr>
-              <a:defRPr>
-                <a:solidFill>
-                  <a:schemeClr val="tx2"/>
-                </a:solidFill>
-              </a:defRPr>
-            </a:lvl3pPr>
-            <a:lvl4pPr>
-              <a:defRPr>
-                <a:solidFill>
-                  <a:schemeClr val="tx2"/>
-                </a:solidFill>
-              </a:defRPr>
-            </a:lvl4pPr>
-            <a:lvl5pPr>
-              <a:defRPr>
-                <a:solidFill>
-                  <a:schemeClr val="tx2"/>
-                </a:solidFill>
-              </a:defRPr>
-            </a:lvl5pPr>
-            <a:lvl6pPr>
-              <a:defRPr>
-                <a:solidFill>
-                  <a:schemeClr val="tx2"/>
-                </a:solidFill>
-              </a:defRPr>
-            </a:lvl6pPr>
-            <a:lvl7pPr>
-              <a:defRPr>
-                <a:solidFill>
-                  <a:schemeClr val="tx2"/>
-                </a:solidFill>
-              </a:defRPr>
-            </a:lvl7pPr>
-            <a:lvl8pPr>
-              <a:defRPr>
-                <a:solidFill>
-                  <a:schemeClr val="tx2"/>
-                </a:solidFill>
-              </a:defRPr>
-            </a:lvl8pPr>
-            <a:lvl9pPr>
-              <a:defRPr>
-                <a:solidFill>
-                  <a:schemeClr val="tx2"/>
-                </a:solidFill>
-              </a:defRPr>
-            </a:lvl9pPr>
-          </a:lstStyle>
-          <a:p>
-            <a:pPr lvl="0"/>
-            <a:r>
-              <a:rPr lang="en-US" sz="8000" dirty="0">
-                <a:solidFill>
-                  <a:schemeClr val="accent1"/>
-                </a:solidFill>
-              </a:rPr>
-              <a:t>“</a:t>
-            </a:r>
-          </a:p>
-        </p:txBody>
-      </p:sp>
-      <p:sp>
-        <p:nvSpPr>
-          <p:cNvPr id="15" name="TextBox 14"/>
-          <p:cNvSpPr txBox="1"/>
-          <p:nvPr/>
-        </p:nvSpPr>
-        <p:spPr>
-          <a:xfrm>
-            <a:off x="10437812" y="2743200"/>
-            <a:ext cx="609600" cy="584776"/>
-          </a:xfrm>
-          <a:prstGeom prst="rect">
-            <a:avLst/>
-          </a:prstGeom>
-        </p:spPr>
-        <p:txBody>
-          <a:bodyPr vert="horz" lIns="91440" tIns="45720" rIns="91440" bIns="45720" rtlCol="0" anchor="ctr">
-            <a:noAutofit/>
-          </a:bodyPr>
-          <a:lstStyle>
-            <a:lvl1pPr>
-              <a:spcBef>
-                <a:spcPct val="0"/>
-              </a:spcBef>
-              <a:buNone/>
-              <a:defRPr sz="3200" b="0" cap="all">
-                <a:ln w="3175" cmpd="sng">
-                  <a:noFill/>
-                </a:ln>
-                <a:effectLst>
-                  <a:glow rad="38100">
-                    <a:schemeClr val="bg1">
-                      <a:lumMod val="65000"/>
-                      <a:lumOff val="35000"/>
-                      <a:alpha val="40000"/>
-                    </a:schemeClr>
-                  </a:glow>
-                  <a:outerShdw blurRad="28575" dist="38100" dir="14040000" algn="tl" rotWithShape="0">
-                    <a:srgbClr val="000000">
-                      <a:alpha val="25000"/>
-                    </a:srgbClr>
-                  </a:outerShdw>
-                </a:effectLst>
-              </a:defRPr>
-            </a:lvl1pPr>
-            <a:lvl2pPr>
-              <a:defRPr>
-                <a:solidFill>
-                  <a:schemeClr val="tx2"/>
-                </a:solidFill>
-              </a:defRPr>
-            </a:lvl2pPr>
-            <a:lvl3pPr>
-              <a:defRPr>
-                <a:solidFill>
-                  <a:schemeClr val="tx2"/>
-                </a:solidFill>
-              </a:defRPr>
-            </a:lvl3pPr>
-            <a:lvl4pPr>
-              <a:defRPr>
-                <a:solidFill>
-                  <a:schemeClr val="tx2"/>
-                </a:solidFill>
-              </a:defRPr>
-            </a:lvl4pPr>
-            <a:lvl5pPr>
-              <a:defRPr>
-                <a:solidFill>
-                  <a:schemeClr val="tx2"/>
-                </a:solidFill>
-              </a:defRPr>
-            </a:lvl5pPr>
-            <a:lvl6pPr>
-              <a:defRPr>
-                <a:solidFill>
-                  <a:schemeClr val="tx2"/>
-                </a:solidFill>
-              </a:defRPr>
-            </a:lvl6pPr>
-            <a:lvl7pPr>
-              <a:defRPr>
-                <a:solidFill>
-                  <a:schemeClr val="tx2"/>
-                </a:solidFill>
-              </a:defRPr>
-            </a:lvl7pPr>
-            <a:lvl8pPr>
-              <a:defRPr>
-                <a:solidFill>
-                  <a:schemeClr val="tx2"/>
-                </a:solidFill>
-              </a:defRPr>
-            </a:lvl8pPr>
-            <a:lvl9pPr>
-              <a:defRPr>
-                <a:solidFill>
-                  <a:schemeClr val="tx2"/>
-                </a:solidFill>
-              </a:defRPr>
-            </a:lvl9pPr>
-          </a:lstStyle>
-          <a:p>
-            <a:pPr lvl="0" algn="r"/>
-            <a:r>
-              <a:rPr lang="en-US" sz="8000" dirty="0">
-                <a:solidFill>
-                  <a:schemeClr val="accent1"/>
-                </a:solidFill>
-              </a:rPr>
-              <a:t>”</a:t>
-            </a:r>
-          </a:p>
-        </p:txBody>
-      </p:sp>
-      <p:sp>
-        <p:nvSpPr>
-          <p:cNvPr id="2" name="Title 1"/>
-          <p:cNvSpPr>
-            <a:spLocks noGrp="1"/>
-          </p:cNvSpPr>
-          <p:nvPr>
-            <p:ph type="title"/>
-          </p:nvPr>
-        </p:nvSpPr>
-        <p:spPr>
-          <a:xfrm>
-            <a:off x="1446213" y="609601"/>
-            <a:ext cx="9296398" cy="2743199"/>
-          </a:xfrm>
-        </p:spPr>
-        <p:txBody>
-          <a:bodyPr anchor="ctr">
-            <a:normAutofit/>
-          </a:bodyPr>
-          <a:lstStyle>
-            <a:lvl1pPr algn="l">
-              <a:defRPr sz="3200" b="0" cap="all">
-                <a:solidFill>
-                  <a:schemeClr val="tx1"/>
-                </a:solidFill>
-              </a:defRPr>
-            </a:lvl1pPr>
-          </a:lstStyle>
-          <a:p>
-            <a:r>
-              <a:rPr lang="en-US" dirty="0"/>
-              <a:t>Click to edit Master title style</a:t>
-            </a:r>
-          </a:p>
-        </p:txBody>
-      </p:sp>
-      <p:sp>
-        <p:nvSpPr>
-          <p:cNvPr id="10" name="Text Placeholder 9"/>
-          <p:cNvSpPr>
-            <a:spLocks noGrp="1"/>
-          </p:cNvSpPr>
-          <p:nvPr>
-            <p:ph type="body" sz="quarter" idx="13"/>
-          </p:nvPr>
-        </p:nvSpPr>
-        <p:spPr>
-          <a:xfrm>
-            <a:off x="1674812" y="3352800"/>
-            <a:ext cx="8839202" cy="381000"/>
-          </a:xfrm>
-        </p:spPr>
-        <p:txBody>
-          <a:bodyPr anchor="ctr"/>
-          <a:lstStyle>
-            <a:lvl1pPr marL="0" indent="0">
-              <a:buFontTx/>
-              <a:buNone/>
-              <a:defRPr/>
-            </a:lvl1pPr>
-            <a:lvl2pPr marL="457200" indent="0">
-              <a:buFontTx/>
-              <a:buNone/>
-              <a:defRPr/>
-            </a:lvl2pPr>
-            <a:lvl3pPr marL="914400" indent="0">
-              <a:buFontTx/>
-              <a:buNone/>
-              <a:defRPr/>
-            </a:lvl3pPr>
-            <a:lvl4pPr marL="1371600" indent="0">
-              <a:buFontTx/>
-              <a:buNone/>
-              <a:defRPr/>
-            </a:lvl4pPr>
-            <a:lvl5pPr marL="1828800" indent="0">
-              <a:buFontTx/>
-              <a:buNone/>
-              <a:defRPr/>
-            </a:lvl5pPr>
-          </a:lstStyle>
-          <a:p>
-            <a:pPr lvl="0"/>
-            <a:r>
-              <a:rPr lang="en-US" dirty="0"/>
-              <a:t>Click to edit Master text styles</a:t>
-            </a:r>
-          </a:p>
-        </p:txBody>
-      </p:sp>
-      <p:sp>
-        <p:nvSpPr>
-          <p:cNvPr id="3" name="Text Placeholder 2"/>
-          <p:cNvSpPr>
-            <a:spLocks noGrp="1"/>
-          </p:cNvSpPr>
-          <p:nvPr>
-            <p:ph type="body" idx="1"/>
-          </p:nvPr>
-        </p:nvSpPr>
-        <p:spPr>
-          <a:xfrm>
-            <a:off x="1141411" y="4343400"/>
-            <a:ext cx="9906000" cy="1447800"/>
-          </a:xfrm>
-        </p:spPr>
-        <p:txBody>
-          <a:bodyPr vert="horz" lIns="91440" tIns="45720" rIns="91440" bIns="45720" rtlCol="0" anchor="ctr">
-            <a:normAutofit/>
-          </a:bodyPr>
-          <a:lstStyle>
-            <a:lvl1pPr>
-              <a:buNone/>
-              <a:defRPr lang="en-US" sz="2000">
-                <a:gradFill flip="none" rotWithShape="1">
-                  <a:gsLst>
-                    <a:gs pos="0">
-                      <a:schemeClr val="tx1"/>
-                    </a:gs>
-                    <a:gs pos="100000">
-                      <a:schemeClr val="tx1">
-                        <a:lumMod val="75000"/>
-                      </a:schemeClr>
-                    </a:gs>
-                  </a:gsLst>
-                  <a:lin ang="5400000" scaled="0"/>
-                  <a:tileRect/>
-                </a:gradFill>
-              </a:defRPr>
-            </a:lvl1pPr>
-          </a:lstStyle>
-          <a:p>
-            <a:pPr marL="0" lvl="0" indent="0">
-              <a:buNone/>
-            </a:pPr>
-            <a:r>
-              <a:rPr lang="en-US" dirty="0"/>
-              <a:t>Click to edit Master text styles</a:t>
-            </a:r>
-          </a:p>
-        </p:txBody>
-      </p:sp>
-      <p:sp>
-        <p:nvSpPr>
-          <p:cNvPr id="4" name="Date Placeholder 3"/>
-          <p:cNvSpPr>
-            <a:spLocks noGrp="1"/>
-          </p:cNvSpPr>
-          <p:nvPr>
-            <p:ph type="dt" sz="half" idx="10"/>
-          </p:nvPr>
-        </p:nvSpPr>
-        <p:spPr/>
-        <p:txBody>
-          <a:bodyPr/>
-          <a:lstStyle/>
-          <a:p>
-            <a:fld id="{B61BEF0D-F0BB-DE4B-95CE-6DB70DBA9567}" type="datetimeFigureOut">
-              <a:rPr lang="en-US" dirty="0"/>
-              <a:pPr/>
-              <a:t>2/15/2022</a:t>
-            </a:fld>
-            <a:endParaRPr lang="en-US" dirty="0"/>
-          </a:p>
-        </p:txBody>
-      </p:sp>
-      <p:sp>
-        <p:nvSpPr>
-          <p:cNvPr id="5" name="Footer Placeholder 4"/>
-          <p:cNvSpPr>
-            <a:spLocks noGrp="1"/>
-          </p:cNvSpPr>
-          <p:nvPr>
-            <p:ph type="ftr" sz="quarter" idx="11"/>
-          </p:nvPr>
-        </p:nvSpPr>
-        <p:spPr/>
-        <p:txBody>
-          <a:bodyPr/>
-          <a:lstStyle/>
-          <a:p>
-            <a:endParaRPr lang="en-US" dirty="0"/>
-          </a:p>
-        </p:txBody>
-      </p:sp>
-      <p:sp>
-        <p:nvSpPr>
-          <p:cNvPr id="6" name="Slide Number Placeholder 5"/>
-          <p:cNvSpPr>
-            <a:spLocks noGrp="1"/>
-          </p:cNvSpPr>
-          <p:nvPr>
-            <p:ph type="sldNum" sz="quarter" idx="12"/>
-          </p:nvPr>
-        </p:nvSpPr>
-        <p:spPr/>
-        <p:txBody>
-          <a:bodyPr/>
-          <a:lstStyle/>
-          <a:p>
-            <a:fld id="{D57F1E4F-1CFF-5643-939E-217C01CDF565}" type="slidenum">
-              <a:rPr lang="en-US" dirty="0"/>
-              <a:pPr/>
-              <a:t>‹#›</a:t>
-            </a:fld>
-            <a:endParaRPr lang="en-US" dirty="0"/>
-          </a:p>
-        </p:txBody>
-      </p:sp>
-    </p:spTree>
-    <p:extLst>
-      <p:ext uri="{BB962C8B-B14F-4D97-AF65-F5344CB8AC3E}">
-        <p14:creationId xmlns:p14="http://schemas.microsoft.com/office/powerpoint/2010/main" val="4054630753"/>
-      </p:ext>
-    </p:extLst>
-  </p:cSld>
-  <p:clrMapOvr>
-    <a:masterClrMapping/>
-  </p:clrMapOvr>
-</p:sldLayout>
-</file>
-
-<file path=ppt/slideLayouts/slideLayout13.xml><?xml version="1.0" encoding="utf-8"?>
-<p:sldLayout xmlns:a="http://schemas.openxmlformats.org/drawingml/2006/main" xmlns:r="http://schemas.openxmlformats.org/officeDocument/2006/relationships" xmlns:p="http://schemas.openxmlformats.org/presentationml/2006/main" preserve="1">
-  <p:cSld name="Name Card">
-    <p:spTree>
-      <p:nvGrpSpPr>
-        <p:cNvPr id="1" name=""/>
-        <p:cNvGrpSpPr/>
-        <p:nvPr/>
-      </p:nvGrpSpPr>
-      <p:grpSpPr>
-        <a:xfrm>
-          <a:off x="0" y="0"/>
-          <a:ext cx="0" cy="0"/>
-          <a:chOff x="0" y="0"/>
-          <a:chExt cx="0" cy="0"/>
-        </a:xfrm>
-      </p:grpSpPr>
-      <p:sp>
-        <p:nvSpPr>
-          <p:cNvPr id="2" name="Title 1"/>
-          <p:cNvSpPr>
-            <a:spLocks noGrp="1"/>
-          </p:cNvSpPr>
-          <p:nvPr>
-            <p:ph type="title"/>
-          </p:nvPr>
-        </p:nvSpPr>
-        <p:spPr>
-          <a:xfrm>
-            <a:off x="1141412" y="3308581"/>
-            <a:ext cx="9906000" cy="1468800"/>
-          </a:xfrm>
-        </p:spPr>
-        <p:txBody>
-          <a:bodyPr anchor="b">
-            <a:normAutofit/>
-          </a:bodyPr>
-          <a:lstStyle>
-            <a:lvl1pPr algn="l">
-              <a:defRPr sz="3200" b="0" cap="all"/>
-            </a:lvl1pPr>
-          </a:lstStyle>
-          <a:p>
-            <a:r>
-              <a:rPr lang="en-US" dirty="0"/>
-              <a:t>Click to edit Master title style</a:t>
-            </a:r>
-          </a:p>
-        </p:txBody>
-      </p:sp>
-      <p:sp>
-        <p:nvSpPr>
-          <p:cNvPr id="3" name="Text Placeholder 2"/>
-          <p:cNvSpPr>
-            <a:spLocks noGrp="1"/>
-          </p:cNvSpPr>
-          <p:nvPr>
-            <p:ph type="body" idx="1"/>
-          </p:nvPr>
-        </p:nvSpPr>
-        <p:spPr>
-          <a:xfrm>
-            <a:off x="1141410" y="4777381"/>
-            <a:ext cx="9906001" cy="860400"/>
-          </a:xfrm>
-        </p:spPr>
-        <p:txBody>
-          <a:bodyPr vert="horz" lIns="91440" tIns="45720" rIns="91440" bIns="45720" rtlCol="0" anchor="t">
-            <a:normAutofit/>
-          </a:bodyPr>
-          <a:lstStyle>
-            <a:lvl1pPr>
-              <a:defRPr lang="en-US" sz="2000">
-                <a:gradFill flip="none" rotWithShape="1">
-                  <a:gsLst>
-                    <a:gs pos="0">
-                      <a:schemeClr val="tx1"/>
-                    </a:gs>
-                    <a:gs pos="100000">
-                      <a:schemeClr val="tx1">
-                        <a:lumMod val="75000"/>
-                      </a:schemeClr>
-                    </a:gs>
-                  </a:gsLst>
-                  <a:lin ang="5400000" scaled="0"/>
-                  <a:tileRect/>
-                </a:gradFill>
-              </a:defRPr>
-            </a:lvl1pPr>
-          </a:lstStyle>
-          <a:p>
-            <a:pPr marL="0" lvl="0" indent="0">
-              <a:buNone/>
-            </a:pPr>
-            <a:r>
-              <a:rPr lang="en-US" dirty="0"/>
-              <a:t>Click to edit Master text styles</a:t>
-            </a:r>
-          </a:p>
-        </p:txBody>
-      </p:sp>
-      <p:sp>
-        <p:nvSpPr>
-          <p:cNvPr id="4" name="Date Placeholder 3"/>
-          <p:cNvSpPr>
-            <a:spLocks noGrp="1"/>
-          </p:cNvSpPr>
-          <p:nvPr>
-            <p:ph type="dt" sz="half" idx="10"/>
-          </p:nvPr>
-        </p:nvSpPr>
-        <p:spPr/>
-        <p:txBody>
-          <a:bodyPr/>
-          <a:lstStyle/>
-          <a:p>
-            <a:fld id="{B61BEF0D-F0BB-DE4B-95CE-6DB70DBA9567}" type="datetimeFigureOut">
-              <a:rPr lang="en-US" dirty="0"/>
-              <a:pPr/>
-              <a:t>2/15/2022</a:t>
-            </a:fld>
-            <a:endParaRPr lang="en-US" dirty="0"/>
-          </a:p>
-        </p:txBody>
-      </p:sp>
-      <p:sp>
-        <p:nvSpPr>
-          <p:cNvPr id="5" name="Footer Placeholder 4"/>
-          <p:cNvSpPr>
-            <a:spLocks noGrp="1"/>
-          </p:cNvSpPr>
-          <p:nvPr>
-            <p:ph type="ftr" sz="quarter" idx="11"/>
-          </p:nvPr>
-        </p:nvSpPr>
-        <p:spPr/>
-        <p:txBody>
-          <a:bodyPr/>
-          <a:lstStyle/>
-          <a:p>
-            <a:endParaRPr lang="en-US" dirty="0"/>
-          </a:p>
-        </p:txBody>
-      </p:sp>
-      <p:sp>
-        <p:nvSpPr>
-          <p:cNvPr id="6" name="Slide Number Placeholder 5"/>
-          <p:cNvSpPr>
-            <a:spLocks noGrp="1"/>
-          </p:cNvSpPr>
-          <p:nvPr>
-            <p:ph type="sldNum" sz="quarter" idx="12"/>
-          </p:nvPr>
-        </p:nvSpPr>
-        <p:spPr/>
-        <p:txBody>
-          <a:bodyPr/>
-          <a:lstStyle/>
-          <a:p>
-            <a:fld id="{D57F1E4F-1CFF-5643-939E-217C01CDF565}" type="slidenum">
-              <a:rPr lang="en-US" dirty="0"/>
-              <a:pPr/>
-              <a:t>‹#›</a:t>
-            </a:fld>
-            <a:endParaRPr lang="en-US" dirty="0"/>
-          </a:p>
-        </p:txBody>
-      </p:sp>
-    </p:spTree>
-    <p:extLst>
-      <p:ext uri="{BB962C8B-B14F-4D97-AF65-F5344CB8AC3E}">
-        <p14:creationId xmlns:p14="http://schemas.microsoft.com/office/powerpoint/2010/main" val="2579666316"/>
-      </p:ext>
-    </p:extLst>
-  </p:cSld>
-  <p:clrMapOvr>
-    <a:masterClrMapping/>
-  </p:clrMapOvr>
-</p:sldLayout>
-</file>
-
-<file path=ppt/slideLayouts/slideLayout14.xml><?xml version="1.0" encoding="utf-8"?>
-<p:sldLayout xmlns:a="http://schemas.openxmlformats.org/drawingml/2006/main" xmlns:r="http://schemas.openxmlformats.org/officeDocument/2006/relationships" xmlns:p="http://schemas.openxmlformats.org/presentationml/2006/main" preserve="1">
-  <p:cSld name="Quote Name Card">
-    <p:spTree>
-      <p:nvGrpSpPr>
-        <p:cNvPr id="1" name=""/>
-        <p:cNvGrpSpPr/>
-        <p:nvPr/>
-      </p:nvGrpSpPr>
-      <p:grpSpPr>
-        <a:xfrm>
-          <a:off x="0" y="0"/>
-          <a:ext cx="0" cy="0"/>
-          <a:chOff x="0" y="0"/>
-          <a:chExt cx="0" cy="0"/>
-        </a:xfrm>
-      </p:grpSpPr>
-      <p:sp>
-        <p:nvSpPr>
-          <p:cNvPr id="14" name="TextBox 13"/>
-          <p:cNvSpPr txBox="1"/>
-          <p:nvPr/>
-        </p:nvSpPr>
-        <p:spPr>
-          <a:xfrm>
-            <a:off x="836612" y="786824"/>
-            <a:ext cx="609600" cy="584776"/>
-          </a:xfrm>
-          <a:prstGeom prst="rect">
-            <a:avLst/>
-          </a:prstGeom>
-        </p:spPr>
-        <p:txBody>
-          <a:bodyPr vert="horz" lIns="91440" tIns="45720" rIns="91440" bIns="45720" rtlCol="0" anchor="ctr">
-            <a:noAutofit/>
-          </a:bodyPr>
-          <a:lstStyle>
-            <a:lvl1pPr>
-              <a:spcBef>
-                <a:spcPct val="0"/>
-              </a:spcBef>
-              <a:buNone/>
-              <a:defRPr sz="3200" b="0" cap="all">
-                <a:ln w="3175" cmpd="sng">
-                  <a:noFill/>
-                </a:ln>
-                <a:effectLst>
-                  <a:glow rad="38100">
-                    <a:schemeClr val="bg1">
-                      <a:lumMod val="65000"/>
-                      <a:lumOff val="35000"/>
-                      <a:alpha val="40000"/>
-                    </a:schemeClr>
-                  </a:glow>
-                  <a:outerShdw blurRad="28575" dist="38100" dir="14040000" algn="tl" rotWithShape="0">
-                    <a:srgbClr val="000000">
-                      <a:alpha val="25000"/>
-                    </a:srgbClr>
-                  </a:outerShdw>
-                </a:effectLst>
-              </a:defRPr>
-            </a:lvl1pPr>
-            <a:lvl2pPr>
-              <a:defRPr>
-                <a:solidFill>
-                  <a:schemeClr val="tx2"/>
-                </a:solidFill>
-              </a:defRPr>
-            </a:lvl2pPr>
-            <a:lvl3pPr>
-              <a:defRPr>
-                <a:solidFill>
-                  <a:schemeClr val="tx2"/>
-                </a:solidFill>
-              </a:defRPr>
-            </a:lvl3pPr>
-            <a:lvl4pPr>
-              <a:defRPr>
-                <a:solidFill>
-                  <a:schemeClr val="tx2"/>
-                </a:solidFill>
-              </a:defRPr>
-            </a:lvl4pPr>
-            <a:lvl5pPr>
-              <a:defRPr>
-                <a:solidFill>
-                  <a:schemeClr val="tx2"/>
-                </a:solidFill>
-              </a:defRPr>
-            </a:lvl5pPr>
-            <a:lvl6pPr>
-              <a:defRPr>
-                <a:solidFill>
-                  <a:schemeClr val="tx2"/>
-                </a:solidFill>
-              </a:defRPr>
-            </a:lvl6pPr>
-            <a:lvl7pPr>
-              <a:defRPr>
-                <a:solidFill>
-                  <a:schemeClr val="tx2"/>
-                </a:solidFill>
-              </a:defRPr>
-            </a:lvl7pPr>
-            <a:lvl8pPr>
-              <a:defRPr>
-                <a:solidFill>
-                  <a:schemeClr val="tx2"/>
-                </a:solidFill>
-              </a:defRPr>
-            </a:lvl8pPr>
-            <a:lvl9pPr>
-              <a:defRPr>
-                <a:solidFill>
-                  <a:schemeClr val="tx2"/>
-                </a:solidFill>
-              </a:defRPr>
-            </a:lvl9pPr>
-          </a:lstStyle>
-          <a:p>
-            <a:pPr lvl="0"/>
-            <a:r>
-              <a:rPr lang="en-US" sz="8000" dirty="0">
-                <a:solidFill>
-                  <a:schemeClr val="accent1"/>
-                </a:solidFill>
-              </a:rPr>
-              <a:t>“</a:t>
-            </a:r>
-          </a:p>
-        </p:txBody>
-      </p:sp>
-      <p:sp>
-        <p:nvSpPr>
-          <p:cNvPr id="15" name="TextBox 14"/>
-          <p:cNvSpPr txBox="1"/>
-          <p:nvPr/>
-        </p:nvSpPr>
-        <p:spPr>
-          <a:xfrm>
-            <a:off x="10437812" y="2743200"/>
-            <a:ext cx="609600" cy="584776"/>
-          </a:xfrm>
-          <a:prstGeom prst="rect">
-            <a:avLst/>
-          </a:prstGeom>
-        </p:spPr>
-        <p:txBody>
-          <a:bodyPr vert="horz" lIns="91440" tIns="45720" rIns="91440" bIns="45720" rtlCol="0" anchor="ctr">
-            <a:noAutofit/>
-          </a:bodyPr>
-          <a:lstStyle>
-            <a:lvl1pPr>
-              <a:spcBef>
-                <a:spcPct val="0"/>
-              </a:spcBef>
-              <a:buNone/>
-              <a:defRPr sz="3200" b="0" cap="all">
-                <a:ln w="3175" cmpd="sng">
-                  <a:noFill/>
-                </a:ln>
-                <a:effectLst>
-                  <a:glow rad="38100">
-                    <a:schemeClr val="bg1">
-                      <a:lumMod val="65000"/>
-                      <a:lumOff val="35000"/>
-                      <a:alpha val="40000"/>
-                    </a:schemeClr>
-                  </a:glow>
-                  <a:outerShdw blurRad="28575" dist="38100" dir="14040000" algn="tl" rotWithShape="0">
-                    <a:srgbClr val="000000">
-                      <a:alpha val="25000"/>
-                    </a:srgbClr>
-                  </a:outerShdw>
-                </a:effectLst>
-              </a:defRPr>
-            </a:lvl1pPr>
-            <a:lvl2pPr>
-              <a:defRPr>
-                <a:solidFill>
-                  <a:schemeClr val="tx2"/>
-                </a:solidFill>
-              </a:defRPr>
-            </a:lvl2pPr>
-            <a:lvl3pPr>
-              <a:defRPr>
-                <a:solidFill>
-                  <a:schemeClr val="tx2"/>
-                </a:solidFill>
-              </a:defRPr>
-            </a:lvl3pPr>
-            <a:lvl4pPr>
-              <a:defRPr>
-                <a:solidFill>
-                  <a:schemeClr val="tx2"/>
-                </a:solidFill>
-              </a:defRPr>
-            </a:lvl4pPr>
-            <a:lvl5pPr>
-              <a:defRPr>
-                <a:solidFill>
-                  <a:schemeClr val="tx2"/>
-                </a:solidFill>
-              </a:defRPr>
-            </a:lvl5pPr>
-            <a:lvl6pPr>
-              <a:defRPr>
-                <a:solidFill>
-                  <a:schemeClr val="tx2"/>
-                </a:solidFill>
-              </a:defRPr>
-            </a:lvl6pPr>
-            <a:lvl7pPr>
-              <a:defRPr>
-                <a:solidFill>
-                  <a:schemeClr val="tx2"/>
-                </a:solidFill>
-              </a:defRPr>
-            </a:lvl7pPr>
-            <a:lvl8pPr>
-              <a:defRPr>
-                <a:solidFill>
-                  <a:schemeClr val="tx2"/>
-                </a:solidFill>
-              </a:defRPr>
-            </a:lvl8pPr>
-            <a:lvl9pPr>
-              <a:defRPr>
-                <a:solidFill>
-                  <a:schemeClr val="tx2"/>
-                </a:solidFill>
-              </a:defRPr>
-            </a:lvl9pPr>
-          </a:lstStyle>
-          <a:p>
-            <a:pPr lvl="0" algn="r"/>
-            <a:r>
-              <a:rPr lang="en-US" sz="8000" dirty="0">
-                <a:solidFill>
-                  <a:schemeClr val="accent1"/>
-                </a:solidFill>
-              </a:rPr>
-              <a:t>”</a:t>
-            </a:r>
-          </a:p>
-        </p:txBody>
-      </p:sp>
-      <p:sp>
-        <p:nvSpPr>
-          <p:cNvPr id="2" name="Title 1"/>
-          <p:cNvSpPr>
-            <a:spLocks noGrp="1"/>
-          </p:cNvSpPr>
-          <p:nvPr>
-            <p:ph type="title"/>
-          </p:nvPr>
-        </p:nvSpPr>
-        <p:spPr>
-          <a:xfrm>
-            <a:off x="1446213" y="609601"/>
-            <a:ext cx="9296398" cy="2743199"/>
-          </a:xfrm>
-        </p:spPr>
-        <p:txBody>
-          <a:bodyPr anchor="ctr">
-            <a:normAutofit/>
-          </a:bodyPr>
-          <a:lstStyle>
-            <a:lvl1pPr algn="l">
-              <a:defRPr sz="3200" b="0" cap="all">
-                <a:gradFill flip="none" rotWithShape="1">
-                  <a:gsLst>
-                    <a:gs pos="0">
-                      <a:schemeClr val="tx1"/>
-                    </a:gs>
-                    <a:gs pos="100000">
-                      <a:schemeClr val="tx1">
-                        <a:lumMod val="75000"/>
-                      </a:schemeClr>
-                    </a:gs>
-                  </a:gsLst>
-                  <a:lin ang="5400000" scaled="0"/>
-                  <a:tileRect/>
-                </a:gradFill>
-              </a:defRPr>
-            </a:lvl1pPr>
-          </a:lstStyle>
-          <a:p>
-            <a:r>
-              <a:rPr lang="en-US" dirty="0"/>
-              <a:t>Click to edit Master title style</a:t>
-            </a:r>
-          </a:p>
-        </p:txBody>
-      </p:sp>
-      <p:sp>
-        <p:nvSpPr>
-          <p:cNvPr id="10" name="Text Placeholder 9"/>
-          <p:cNvSpPr>
-            <a:spLocks noGrp="1"/>
-          </p:cNvSpPr>
-          <p:nvPr>
-            <p:ph type="body" sz="quarter" idx="13"/>
-          </p:nvPr>
-        </p:nvSpPr>
-        <p:spPr>
-          <a:xfrm>
-            <a:off x="1141412" y="3886200"/>
-            <a:ext cx="9906000" cy="889000"/>
-          </a:xfrm>
-        </p:spPr>
-        <p:txBody>
-          <a:bodyPr vert="horz" lIns="91440" tIns="45720" rIns="91440" bIns="45720" rtlCol="0" anchor="b">
-            <a:normAutofit/>
-          </a:bodyPr>
-          <a:lstStyle>
-            <a:lvl1pPr>
-              <a:buNone/>
-              <a:defRPr lang="en-US" sz="2400" b="0" cap="all" dirty="0">
-                <a:ln w="3175" cmpd="sng">
-                  <a:noFill/>
-                </a:ln>
-                <a:gradFill flip="none" rotWithShape="1">
-                  <a:gsLst>
-                    <a:gs pos="0">
-                      <a:schemeClr val="tx1"/>
-                    </a:gs>
-                    <a:gs pos="100000">
-                      <a:schemeClr val="tx1">
-                        <a:lumMod val="75000"/>
-                      </a:schemeClr>
-                    </a:gs>
-                  </a:gsLst>
-                  <a:lin ang="5400000" scaled="0"/>
-                  <a:tileRect/>
-                </a:gradFill>
-                <a:effectLst>
-                  <a:glow rad="38100">
-                    <a:schemeClr val="bg1">
-                      <a:lumMod val="65000"/>
-                      <a:lumOff val="35000"/>
-                      <a:alpha val="40000"/>
-                    </a:schemeClr>
-                  </a:glow>
-                  <a:outerShdw blurRad="28575" dist="38100" dir="14040000" algn="tl" rotWithShape="0">
-                    <a:srgbClr val="000000">
-                      <a:alpha val="25000"/>
-                    </a:srgbClr>
-                  </a:outerShdw>
-                </a:effectLst>
-              </a:defRPr>
-            </a:lvl1pPr>
-          </a:lstStyle>
-          <a:p>
-            <a:pPr marL="0" lvl="0">
-              <a:spcBef>
-                <a:spcPct val="0"/>
-              </a:spcBef>
-              <a:buNone/>
-            </a:pPr>
-            <a:r>
-              <a:rPr lang="en-US" dirty="0"/>
-              <a:t>Click to edit Master text styles</a:t>
-            </a:r>
-          </a:p>
-        </p:txBody>
-      </p:sp>
-      <p:sp>
-        <p:nvSpPr>
-          <p:cNvPr id="3" name="Text Placeholder 2"/>
-          <p:cNvSpPr>
-            <a:spLocks noGrp="1"/>
-          </p:cNvSpPr>
-          <p:nvPr>
-            <p:ph type="body" idx="1"/>
-          </p:nvPr>
-        </p:nvSpPr>
-        <p:spPr>
-          <a:xfrm>
-            <a:off x="1141411" y="4775200"/>
-            <a:ext cx="9906000" cy="1016000"/>
-          </a:xfrm>
-        </p:spPr>
-        <p:txBody>
-          <a:bodyPr anchor="t">
-            <a:normAutofit/>
-          </a:bodyPr>
-          <a:lstStyle>
-            <a:lvl1pPr marL="0" indent="0" algn="l">
-              <a:buNone/>
-              <a:defRPr sz="1800">
-                <a:gradFill flip="none" rotWithShape="1">
-                  <a:gsLst>
-                    <a:gs pos="0">
-                      <a:schemeClr val="tx1"/>
-                    </a:gs>
-                    <a:gs pos="100000">
-                      <a:schemeClr val="tx1">
-                        <a:lumMod val="75000"/>
-                      </a:schemeClr>
-                    </a:gs>
-                  </a:gsLst>
-                  <a:lin ang="5400000" scaled="0"/>
-                  <a:tileRect/>
-                </a:gradFill>
-              </a:defRPr>
-            </a:lvl1pPr>
-            <a:lvl2pPr marL="457200" indent="0">
-              <a:buNone/>
-              <a:defRPr sz="1800">
-                <a:solidFill>
-                  <a:schemeClr val="tx1">
-                    <a:tint val="75000"/>
-                  </a:schemeClr>
-                </a:solidFill>
-              </a:defRPr>
-            </a:lvl2pPr>
-            <a:lvl3pPr marL="914400" indent="0">
-              <a:buNone/>
-              <a:defRPr sz="1600">
-                <a:solidFill>
-                  <a:schemeClr val="tx1">
-                    <a:tint val="75000"/>
-                  </a:schemeClr>
-                </a:solidFill>
-              </a:defRPr>
-            </a:lvl3pPr>
-            <a:lvl4pPr marL="1371600" indent="0">
-              <a:buNone/>
-              <a:defRPr sz="1400">
-                <a:solidFill>
-                  <a:schemeClr val="tx1">
-                    <a:tint val="75000"/>
-                  </a:schemeClr>
-                </a:solidFill>
-              </a:defRPr>
-            </a:lvl4pPr>
-            <a:lvl5pPr marL="1828800" indent="0">
-              <a:buNone/>
-              <a:defRPr sz="1400">
-                <a:solidFill>
-                  <a:schemeClr val="tx1">
-                    <a:tint val="75000"/>
-                  </a:schemeClr>
-                </a:solidFill>
-              </a:defRPr>
-            </a:lvl5pPr>
-            <a:lvl6pPr marL="2286000" indent="0">
-              <a:buNone/>
-              <a:defRPr sz="1400">
-                <a:solidFill>
-                  <a:schemeClr val="tx1">
-                    <a:tint val="75000"/>
-                  </a:schemeClr>
-                </a:solidFill>
-              </a:defRPr>
-            </a:lvl6pPr>
-            <a:lvl7pPr marL="2743200" indent="0">
-              <a:buNone/>
-              <a:defRPr sz="1400">
-                <a:solidFill>
-                  <a:schemeClr val="tx1">
-                    <a:tint val="75000"/>
-                  </a:schemeClr>
-                </a:solidFill>
-              </a:defRPr>
-            </a:lvl7pPr>
-            <a:lvl8pPr marL="3200400" indent="0">
-              <a:buNone/>
-              <a:defRPr sz="1400">
-                <a:solidFill>
-                  <a:schemeClr val="tx1">
-                    <a:tint val="75000"/>
-                  </a:schemeClr>
-                </a:solidFill>
-              </a:defRPr>
-            </a:lvl8pPr>
-            <a:lvl9pPr marL="3657600" indent="0">
-              <a:buNone/>
-              <a:defRPr sz="1400">
-                <a:solidFill>
-                  <a:schemeClr val="tx1">
-                    <a:tint val="75000"/>
-                  </a:schemeClr>
-                </a:solidFill>
-              </a:defRPr>
-            </a:lvl9pPr>
-          </a:lstStyle>
-          <a:p>
-            <a:pPr lvl="0"/>
-            <a:r>
-              <a:rPr lang="en-US" dirty="0"/>
-              <a:t>Click to edit Master text styles</a:t>
-            </a:r>
-          </a:p>
-        </p:txBody>
-      </p:sp>
-      <p:sp>
-        <p:nvSpPr>
-          <p:cNvPr id="4" name="Date Placeholder 3"/>
-          <p:cNvSpPr>
-            <a:spLocks noGrp="1"/>
-          </p:cNvSpPr>
-          <p:nvPr>
-            <p:ph type="dt" sz="half" idx="10"/>
-          </p:nvPr>
-        </p:nvSpPr>
-        <p:spPr/>
-        <p:txBody>
-          <a:bodyPr/>
-          <a:lstStyle/>
-          <a:p>
-            <a:fld id="{B61BEF0D-F0BB-DE4B-95CE-6DB70DBA9567}" type="datetimeFigureOut">
-              <a:rPr lang="en-US" dirty="0"/>
-              <a:pPr/>
-              <a:t>2/15/2022</a:t>
-            </a:fld>
-            <a:endParaRPr lang="en-US" dirty="0"/>
-          </a:p>
-        </p:txBody>
-      </p:sp>
-      <p:sp>
-        <p:nvSpPr>
-          <p:cNvPr id="5" name="Footer Placeholder 4"/>
-          <p:cNvSpPr>
-            <a:spLocks noGrp="1"/>
-          </p:cNvSpPr>
-          <p:nvPr>
-            <p:ph type="ftr" sz="quarter" idx="11"/>
-          </p:nvPr>
-        </p:nvSpPr>
-        <p:spPr/>
-        <p:txBody>
-          <a:bodyPr/>
-          <a:lstStyle/>
-          <a:p>
-            <a:endParaRPr lang="en-US" dirty="0"/>
-          </a:p>
-        </p:txBody>
-      </p:sp>
-      <p:sp>
-        <p:nvSpPr>
-          <p:cNvPr id="6" name="Slide Number Placeholder 5"/>
-          <p:cNvSpPr>
-            <a:spLocks noGrp="1"/>
-          </p:cNvSpPr>
-          <p:nvPr>
-            <p:ph type="sldNum" sz="quarter" idx="12"/>
-          </p:nvPr>
-        </p:nvSpPr>
-        <p:spPr/>
-        <p:txBody>
-          <a:bodyPr/>
-          <a:lstStyle/>
-          <a:p>
-            <a:fld id="{D57F1E4F-1CFF-5643-939E-217C01CDF565}" type="slidenum">
-              <a:rPr lang="en-US" dirty="0"/>
-              <a:pPr/>
-              <a:t>‹#›</a:t>
-            </a:fld>
-            <a:endParaRPr lang="en-US" dirty="0"/>
-          </a:p>
-        </p:txBody>
-      </p:sp>
-    </p:spTree>
-    <p:extLst>
-      <p:ext uri="{BB962C8B-B14F-4D97-AF65-F5344CB8AC3E}">
-        <p14:creationId xmlns:p14="http://schemas.microsoft.com/office/powerpoint/2010/main" val="3740033500"/>
-      </p:ext>
-    </p:extLst>
-  </p:cSld>
-  <p:clrMapOvr>
-    <a:masterClrMapping/>
-  </p:clrMapOvr>
-</p:sldLayout>
-</file>
-
-<file path=ppt/slideLayouts/slideLayout15.xml><?xml version="1.0" encoding="utf-8"?>
-<p:sldLayout xmlns:a="http://schemas.openxmlformats.org/drawingml/2006/main" xmlns:r="http://schemas.openxmlformats.org/officeDocument/2006/relationships" xmlns:p="http://schemas.openxmlformats.org/presentationml/2006/main" preserve="1">
-  <p:cSld name="True or False">
-    <p:spTree>
-      <p:nvGrpSpPr>
-        <p:cNvPr id="1" name=""/>
-        <p:cNvGrpSpPr/>
-        <p:nvPr/>
-      </p:nvGrpSpPr>
-      <p:grpSpPr>
-        <a:xfrm>
-          <a:off x="0" y="0"/>
-          <a:ext cx="0" cy="0"/>
-          <a:chOff x="0" y="0"/>
-          <a:chExt cx="0" cy="0"/>
-        </a:xfrm>
-      </p:grpSpPr>
-      <p:sp>
-        <p:nvSpPr>
-          <p:cNvPr id="2" name="Title 1"/>
-          <p:cNvSpPr>
-            <a:spLocks noGrp="1"/>
-          </p:cNvSpPr>
-          <p:nvPr>
-            <p:ph type="title"/>
-          </p:nvPr>
-        </p:nvSpPr>
-        <p:spPr>
-          <a:xfrm>
-            <a:off x="1141412" y="609601"/>
-            <a:ext cx="9905999" cy="2743199"/>
-          </a:xfrm>
-        </p:spPr>
-        <p:txBody>
-          <a:bodyPr vert="horz" lIns="91440" tIns="45720" rIns="91440" bIns="45720" rtlCol="0" anchor="ctr">
-            <a:normAutofit/>
-          </a:bodyPr>
-          <a:lstStyle>
-            <a:lvl1pPr>
-              <a:defRPr lang="en-US" b="0" dirty="0"/>
-            </a:lvl1pPr>
-          </a:lstStyle>
-          <a:p>
-            <a:pPr marL="0" lvl="0"/>
-            <a:r>
-              <a:rPr lang="en-US" dirty="0"/>
-              <a:t>Click to edit Master title style</a:t>
-            </a:r>
-          </a:p>
-        </p:txBody>
-      </p:sp>
-      <p:sp>
-        <p:nvSpPr>
-          <p:cNvPr id="10" name="Text Placeholder 9"/>
-          <p:cNvSpPr>
-            <a:spLocks noGrp="1"/>
-          </p:cNvSpPr>
-          <p:nvPr>
-            <p:ph type="body" sz="quarter" idx="13"/>
-          </p:nvPr>
-        </p:nvSpPr>
-        <p:spPr>
-          <a:xfrm>
-            <a:off x="1141412" y="3505200"/>
-            <a:ext cx="9906000" cy="838200"/>
-          </a:xfrm>
-        </p:spPr>
-        <p:txBody>
-          <a:bodyPr vert="horz" lIns="91440" tIns="45720" rIns="91440" bIns="45720" rtlCol="0" anchor="b">
-            <a:normAutofit/>
-          </a:bodyPr>
-          <a:lstStyle>
-            <a:lvl1pPr>
-              <a:buNone/>
-              <a:defRPr lang="en-US" sz="2800" b="0" cap="all" dirty="0">
-                <a:ln w="3175" cmpd="sng">
-                  <a:noFill/>
-                </a:ln>
-                <a:gradFill flip="none" rotWithShape="1">
-                  <a:gsLst>
-                    <a:gs pos="0">
-                      <a:schemeClr val="tx1"/>
-                    </a:gs>
-                    <a:gs pos="100000">
-                      <a:schemeClr val="tx1">
-                        <a:lumMod val="75000"/>
-                      </a:schemeClr>
-                    </a:gs>
-                  </a:gsLst>
-                  <a:lin ang="5400000" scaled="0"/>
-                  <a:tileRect/>
-                </a:gradFill>
-                <a:effectLst>
-                  <a:glow rad="38100">
-                    <a:schemeClr val="bg1">
-                      <a:lumMod val="65000"/>
-                      <a:lumOff val="35000"/>
-                      <a:alpha val="40000"/>
-                    </a:schemeClr>
-                  </a:glow>
-                  <a:outerShdw blurRad="28575" dist="38100" dir="14040000" algn="tl" rotWithShape="0">
-                    <a:srgbClr val="000000">
-                      <a:alpha val="25000"/>
-                    </a:srgbClr>
-                  </a:outerShdw>
-                </a:effectLst>
-              </a:defRPr>
-            </a:lvl1pPr>
-          </a:lstStyle>
-          <a:p>
-            <a:pPr marL="0" lvl="0">
-              <a:spcBef>
-                <a:spcPct val="0"/>
-              </a:spcBef>
-              <a:buNone/>
-            </a:pPr>
-            <a:r>
-              <a:rPr lang="en-US" dirty="0"/>
-              <a:t>Click to edit Master text styles</a:t>
-            </a:r>
-          </a:p>
-        </p:txBody>
-      </p:sp>
-      <p:sp>
-        <p:nvSpPr>
-          <p:cNvPr id="3" name="Text Placeholder 2"/>
-          <p:cNvSpPr>
-            <a:spLocks noGrp="1"/>
-          </p:cNvSpPr>
-          <p:nvPr>
-            <p:ph type="body" idx="1"/>
-          </p:nvPr>
-        </p:nvSpPr>
-        <p:spPr>
-          <a:xfrm>
-            <a:off x="1141411" y="4343400"/>
-            <a:ext cx="9906000" cy="1447800"/>
-          </a:xfrm>
-        </p:spPr>
-        <p:txBody>
-          <a:bodyPr anchor="t">
-            <a:normAutofit/>
-          </a:bodyPr>
-          <a:lstStyle>
-            <a:lvl1pPr marL="0" indent="0" algn="l">
-              <a:buNone/>
-              <a:defRPr sz="1800">
-                <a:gradFill flip="none" rotWithShape="1">
-                  <a:gsLst>
-                    <a:gs pos="0">
-                      <a:schemeClr val="tx1"/>
-                    </a:gs>
-                    <a:gs pos="100000">
-                      <a:schemeClr val="tx1">
-                        <a:lumMod val="75000"/>
-                      </a:schemeClr>
-                    </a:gs>
-                  </a:gsLst>
-                  <a:lin ang="5400000" scaled="0"/>
-                  <a:tileRect/>
-                </a:gradFill>
-              </a:defRPr>
-            </a:lvl1pPr>
-            <a:lvl2pPr marL="457200" indent="0">
-              <a:buNone/>
-              <a:defRPr sz="1800">
-                <a:solidFill>
-                  <a:schemeClr val="tx1">
-                    <a:tint val="75000"/>
-                  </a:schemeClr>
-                </a:solidFill>
-              </a:defRPr>
-            </a:lvl2pPr>
-            <a:lvl3pPr marL="914400" indent="0">
-              <a:buNone/>
-              <a:defRPr sz="1600">
-                <a:solidFill>
-                  <a:schemeClr val="tx1">
-                    <a:tint val="75000"/>
-                  </a:schemeClr>
-                </a:solidFill>
-              </a:defRPr>
-            </a:lvl3pPr>
-            <a:lvl4pPr marL="1371600" indent="0">
-              <a:buNone/>
-              <a:defRPr sz="1400">
-                <a:solidFill>
-                  <a:schemeClr val="tx1">
-                    <a:tint val="75000"/>
-                  </a:schemeClr>
-                </a:solidFill>
-              </a:defRPr>
-            </a:lvl4pPr>
-            <a:lvl5pPr marL="1828800" indent="0">
-              <a:buNone/>
-              <a:defRPr sz="1400">
-                <a:solidFill>
-                  <a:schemeClr val="tx1">
-                    <a:tint val="75000"/>
-                  </a:schemeClr>
-                </a:solidFill>
-              </a:defRPr>
-            </a:lvl5pPr>
-            <a:lvl6pPr marL="2286000" indent="0">
-              <a:buNone/>
-              <a:defRPr sz="1400">
-                <a:solidFill>
-                  <a:schemeClr val="tx1">
-                    <a:tint val="75000"/>
-                  </a:schemeClr>
-                </a:solidFill>
-              </a:defRPr>
-            </a:lvl6pPr>
-            <a:lvl7pPr marL="2743200" indent="0">
-              <a:buNone/>
-              <a:defRPr sz="1400">
-                <a:solidFill>
-                  <a:schemeClr val="tx1">
-                    <a:tint val="75000"/>
-                  </a:schemeClr>
-                </a:solidFill>
-              </a:defRPr>
-            </a:lvl7pPr>
-            <a:lvl8pPr marL="3200400" indent="0">
-              <a:buNone/>
-              <a:defRPr sz="1400">
-                <a:solidFill>
-                  <a:schemeClr val="tx1">
-                    <a:tint val="75000"/>
-                  </a:schemeClr>
-                </a:solidFill>
-              </a:defRPr>
-            </a:lvl8pPr>
-            <a:lvl9pPr marL="3657600" indent="0">
-              <a:buNone/>
-              <a:defRPr sz="1400">
-                <a:solidFill>
-                  <a:schemeClr val="tx1">
-                    <a:tint val="75000"/>
-                  </a:schemeClr>
-                </a:solidFill>
-              </a:defRPr>
-            </a:lvl9pPr>
-          </a:lstStyle>
-          <a:p>
-            <a:pPr lvl="0"/>
-            <a:r>
-              <a:rPr lang="en-US" dirty="0"/>
-              <a:t>Click to edit Master text styles</a:t>
-            </a:r>
-          </a:p>
-        </p:txBody>
-      </p:sp>
-      <p:sp>
-        <p:nvSpPr>
-          <p:cNvPr id="4" name="Date Placeholder 3"/>
-          <p:cNvSpPr>
-            <a:spLocks noGrp="1"/>
-          </p:cNvSpPr>
-          <p:nvPr>
-            <p:ph type="dt" sz="half" idx="10"/>
-          </p:nvPr>
-        </p:nvSpPr>
-        <p:spPr/>
-        <p:txBody>
-          <a:bodyPr/>
-          <a:lstStyle/>
-          <a:p>
-            <a:fld id="{B61BEF0D-F0BB-DE4B-95CE-6DB70DBA9567}" type="datetimeFigureOut">
-              <a:rPr lang="en-US" dirty="0"/>
-              <a:pPr/>
-              <a:t>2/15/2022</a:t>
-            </a:fld>
-            <a:endParaRPr lang="en-US" dirty="0"/>
-          </a:p>
-        </p:txBody>
-      </p:sp>
-      <p:sp>
-        <p:nvSpPr>
-          <p:cNvPr id="5" name="Footer Placeholder 4"/>
-          <p:cNvSpPr>
-            <a:spLocks noGrp="1"/>
-          </p:cNvSpPr>
-          <p:nvPr>
-            <p:ph type="ftr" sz="quarter" idx="11"/>
-          </p:nvPr>
-        </p:nvSpPr>
-        <p:spPr/>
-        <p:txBody>
-          <a:bodyPr/>
-          <a:lstStyle/>
-          <a:p>
-            <a:endParaRPr lang="en-US" dirty="0"/>
-          </a:p>
-        </p:txBody>
-      </p:sp>
-      <p:sp>
-        <p:nvSpPr>
-          <p:cNvPr id="6" name="Slide Number Placeholder 5"/>
-          <p:cNvSpPr>
-            <a:spLocks noGrp="1"/>
-          </p:cNvSpPr>
-          <p:nvPr>
-            <p:ph type="sldNum" sz="quarter" idx="12"/>
-          </p:nvPr>
-        </p:nvSpPr>
-        <p:spPr/>
-        <p:txBody>
-          <a:bodyPr/>
-          <a:lstStyle/>
-          <a:p>
-            <a:fld id="{D57F1E4F-1CFF-5643-939E-217C01CDF565}" type="slidenum">
-              <a:rPr lang="en-US" dirty="0"/>
-              <a:pPr/>
-              <a:t>‹#›</a:t>
-            </a:fld>
-            <a:endParaRPr lang="en-US" dirty="0"/>
-          </a:p>
-        </p:txBody>
-      </p:sp>
-    </p:spTree>
-    <p:extLst>
-      <p:ext uri="{BB962C8B-B14F-4D97-AF65-F5344CB8AC3E}">
-        <p14:creationId xmlns:p14="http://schemas.microsoft.com/office/powerpoint/2010/main" val="2993250120"/>
-      </p:ext>
-    </p:extLst>
-  </p:cSld>
-  <p:clrMapOvr>
-    <a:masterClrMapping/>
-  </p:clrMapOvr>
-</p:sldLayout>
-</file>
-
-<file path=ppt/slideLayouts/slideLayout16.xml><?xml version="1.0" encoding="utf-8"?>
 <p:sldLayout xmlns:a="http://schemas.openxmlformats.org/drawingml/2006/main" xmlns:r="http://schemas.openxmlformats.org/officeDocument/2006/relationships" xmlns:p="http://schemas.openxmlformats.org/presentationml/2006/main" type="vertTx" preserve="1">
   <p:cSld name="Title and Vertical Text">
     <p:spTree>
@@ -4417,7 +2265,7 @@
       </p:grpSpPr>
       <p:sp>
         <p:nvSpPr>
-          <p:cNvPr id="7" name="Title 1"/>
+          <p:cNvPr id="2" name="Title 1"/>
           <p:cNvSpPr>
             <a:spLocks noGrp="1"/>
           </p:cNvSpPr>
@@ -4425,20 +2273,16 @@
             <p:ph type="title"/>
           </p:nvPr>
         </p:nvSpPr>
-        <p:spPr>
-          <a:xfrm>
-            <a:off x="1141413" y="609600"/>
-            <a:ext cx="9905998" cy="1905000"/>
-          </a:xfrm>
-        </p:spPr>
+        <p:spPr/>
         <p:txBody>
           <a:bodyPr/>
           <a:lstStyle/>
           <a:p>
             <a:r>
-              <a:rPr lang="en-US" dirty="0"/>
+              <a:rPr kumimoji="0" lang="en-US" smtClean="0"/>
               <a:t>Click to edit Master title style</a:t>
             </a:r>
+            <a:endParaRPr kumimoji="0" lang="en-US"/>
           </a:p>
         </p:txBody>
       </p:sp>
@@ -4454,42 +2298,43 @@
         </p:nvSpPr>
         <p:spPr/>
         <p:txBody>
-          <a:bodyPr vert="eaVert" anchor="t"/>
+          <a:bodyPr vert="eaVert"/>
           <a:lstStyle/>
           <a:p>
-            <a:pPr lvl="0"/>
-            <a:r>
-              <a:rPr lang="en-US" dirty="0"/>
+            <a:pPr lvl="0" eaLnBrk="1" latinLnBrk="0" hangingPunct="1"/>
+            <a:r>
+              <a:rPr lang="en-US" smtClean="0"/>
               <a:t>Click to edit Master text styles</a:t>
             </a:r>
           </a:p>
           <a:p>
-            <a:pPr lvl="1"/>
-            <a:r>
-              <a:rPr lang="en-US" dirty="0"/>
+            <a:pPr lvl="1" eaLnBrk="1" latinLnBrk="0" hangingPunct="1"/>
+            <a:r>
+              <a:rPr lang="en-US" smtClean="0"/>
               <a:t>Second level</a:t>
             </a:r>
           </a:p>
           <a:p>
-            <a:pPr lvl="2"/>
-            <a:r>
-              <a:rPr lang="en-US" dirty="0"/>
+            <a:pPr lvl="2" eaLnBrk="1" latinLnBrk="0" hangingPunct="1"/>
+            <a:r>
+              <a:rPr lang="en-US" smtClean="0"/>
               <a:t>Third level</a:t>
             </a:r>
           </a:p>
           <a:p>
-            <a:pPr lvl="3"/>
-            <a:r>
-              <a:rPr lang="en-US" dirty="0"/>
+            <a:pPr lvl="3" eaLnBrk="1" latinLnBrk="0" hangingPunct="1"/>
+            <a:r>
+              <a:rPr lang="en-US" smtClean="0"/>
               <a:t>Fourth level</a:t>
             </a:r>
           </a:p>
           <a:p>
-            <a:pPr lvl="4"/>
-            <a:r>
-              <a:rPr lang="en-US" dirty="0"/>
+            <a:pPr lvl="4" eaLnBrk="1" latinLnBrk="0" hangingPunct="1"/>
+            <a:r>
+              <a:rPr lang="en-US" smtClean="0"/>
               <a:t>Fifth level</a:t>
             </a:r>
+            <a:endParaRPr kumimoji="0" lang="en-US"/>
           </a:p>
         </p:txBody>
       </p:sp>
@@ -4509,9 +2354,9 @@
           <a:lstStyle/>
           <a:p>
             <a:fld id="{B61BEF0D-F0BB-DE4B-95CE-6DB70DBA9567}" type="datetimeFigureOut">
-              <a:rPr lang="en-US" dirty="0"/>
+              <a:rPr lang="en-US" smtClean="0"/>
               <a:pPr/>
-              <a:t>2/15/2022</a:t>
+              <a:t>2/16/2022</a:t>
             </a:fld>
             <a:endParaRPr lang="en-US" dirty="0"/>
           </a:p>
@@ -4552,7 +2397,7 @@
           <a:lstStyle/>
           <a:p>
             <a:fld id="{D57F1E4F-1CFF-5643-939E-217C01CDF565}" type="slidenum">
-              <a:rPr lang="en-US" dirty="0"/>
+              <a:rPr lang="en-US" smtClean="0"/>
               <a:pPr/>
               <a:t>‹#›</a:t>
             </a:fld>
@@ -4561,11 +2406,6 @@
         </p:txBody>
       </p:sp>
     </p:spTree>
-    <p:extLst>
-      <p:ext uri="{BB962C8B-B14F-4D97-AF65-F5344CB8AC3E}">
-        <p14:creationId xmlns:p14="http://schemas.microsoft.com/office/powerpoint/2010/main" val="529037059"/>
-      </p:ext>
-    </p:extLst>
   </p:cSld>
   <p:clrMapOvr>
     <a:masterClrMapping/>
@@ -4573,7 +2413,7 @@
 </p:sldLayout>
 </file>
 
-<file path=ppt/slideLayouts/slideLayout17.xml><?xml version="1.0" encoding="utf-8"?>
+<file path=ppt/slideLayouts/slideLayout11.xml><?xml version="1.0" encoding="utf-8"?>
 <p:sldLayout xmlns:a="http://schemas.openxmlformats.org/drawingml/2006/main" xmlns:r="http://schemas.openxmlformats.org/officeDocument/2006/relationships" xmlns:p="http://schemas.openxmlformats.org/presentationml/2006/main" type="vertTitleAndTx" preserve="1">
   <p:cSld name="Vertical Title and Text">
     <p:spTree>
@@ -4602,8 +2442,8 @@
         </p:nvSpPr>
         <p:spPr>
           <a:xfrm>
-            <a:off x="8836898" y="609599"/>
-            <a:ext cx="2210514" cy="5181601"/>
+            <a:off x="8839200" y="914402"/>
+            <a:ext cx="2743200" cy="5211763"/>
           </a:xfrm>
         </p:spPr>
         <p:txBody>
@@ -4611,9 +2451,10 @@
           <a:lstStyle/>
           <a:p>
             <a:r>
-              <a:rPr lang="en-US" dirty="0"/>
+              <a:rPr kumimoji="0" lang="en-US" smtClean="0"/>
               <a:t>Click to edit Master title style</a:t>
             </a:r>
+            <a:endParaRPr kumimoji="0" lang="en-US"/>
           </a:p>
         </p:txBody>
       </p:sp>
@@ -4629,47 +2470,48 @@
         </p:nvSpPr>
         <p:spPr>
           <a:xfrm>
-            <a:off x="1141412" y="609600"/>
-            <a:ext cx="7543800" cy="5181600"/>
+            <a:off x="609600" y="914402"/>
+            <a:ext cx="8026400" cy="5211763"/>
           </a:xfrm>
         </p:spPr>
         <p:txBody>
-          <a:bodyPr vert="eaVert" anchor="t"/>
+          <a:bodyPr vert="eaVert"/>
           <a:lstStyle/>
           <a:p>
-            <a:pPr lvl="0"/>
-            <a:r>
-              <a:rPr lang="en-US" dirty="0"/>
+            <a:pPr lvl="0" eaLnBrk="1" latinLnBrk="0" hangingPunct="1"/>
+            <a:r>
+              <a:rPr lang="en-US" smtClean="0"/>
               <a:t>Click to edit Master text styles</a:t>
             </a:r>
           </a:p>
           <a:p>
-            <a:pPr lvl="1"/>
-            <a:r>
-              <a:rPr lang="en-US" dirty="0"/>
+            <a:pPr lvl="1" eaLnBrk="1" latinLnBrk="0" hangingPunct="1"/>
+            <a:r>
+              <a:rPr lang="en-US" smtClean="0"/>
               <a:t>Second level</a:t>
             </a:r>
           </a:p>
           <a:p>
-            <a:pPr lvl="2"/>
-            <a:r>
-              <a:rPr lang="en-US" dirty="0"/>
+            <a:pPr lvl="2" eaLnBrk="1" latinLnBrk="0" hangingPunct="1"/>
+            <a:r>
+              <a:rPr lang="en-US" smtClean="0"/>
               <a:t>Third level</a:t>
             </a:r>
           </a:p>
           <a:p>
-            <a:pPr lvl="3"/>
-            <a:r>
-              <a:rPr lang="en-US" dirty="0"/>
+            <a:pPr lvl="3" eaLnBrk="1" latinLnBrk="0" hangingPunct="1"/>
+            <a:r>
+              <a:rPr lang="en-US" smtClean="0"/>
               <a:t>Fourth level</a:t>
             </a:r>
           </a:p>
           <a:p>
-            <a:pPr lvl="4"/>
-            <a:r>
-              <a:rPr lang="en-US" dirty="0"/>
+            <a:pPr lvl="4" eaLnBrk="1" latinLnBrk="0" hangingPunct="1"/>
+            <a:r>
+              <a:rPr lang="en-US" smtClean="0"/>
               <a:t>Fifth level</a:t>
             </a:r>
+            <a:endParaRPr kumimoji="0" lang="en-US"/>
           </a:p>
         </p:txBody>
       </p:sp>
@@ -4689,9 +2531,9 @@
           <a:lstStyle/>
           <a:p>
             <a:fld id="{B61BEF0D-F0BB-DE4B-95CE-6DB70DBA9567}" type="datetimeFigureOut">
-              <a:rPr lang="en-US" dirty="0"/>
+              <a:rPr lang="en-US" smtClean="0"/>
               <a:pPr/>
-              <a:t>2/15/2022</a:t>
+              <a:t>2/16/2022</a:t>
             </a:fld>
             <a:endParaRPr lang="en-US" dirty="0"/>
           </a:p>
@@ -4732,7 +2574,7 @@
           <a:lstStyle/>
           <a:p>
             <a:fld id="{D57F1E4F-1CFF-5643-939E-217C01CDF565}" type="slidenum">
-              <a:rPr lang="en-US" dirty="0"/>
+              <a:rPr lang="en-US" smtClean="0"/>
               <a:pPr/>
               <a:t>‹#›</a:t>
             </a:fld>
@@ -4741,11 +2583,6 @@
         </p:txBody>
       </p:sp>
     </p:spTree>
-    <p:extLst>
-      <p:ext uri="{BB962C8B-B14F-4D97-AF65-F5344CB8AC3E}">
-        <p14:creationId xmlns:p14="http://schemas.microsoft.com/office/powerpoint/2010/main" val="2380931298"/>
-      </p:ext>
-    </p:extLst>
   </p:cSld>
   <p:clrMapOvr>
     <a:masterClrMapping/>
@@ -4786,9 +2623,10 @@
           <a:lstStyle/>
           <a:p>
             <a:r>
-              <a:rPr lang="en-US" dirty="0"/>
+              <a:rPr kumimoji="0" lang="en-US" smtClean="0"/>
               <a:t>Click to edit Master title style</a:t>
             </a:r>
+            <a:endParaRPr kumimoji="0" lang="en-US"/>
           </a:p>
         </p:txBody>
       </p:sp>
@@ -4804,42 +2642,43 @@
         </p:nvSpPr>
         <p:spPr/>
         <p:txBody>
-          <a:bodyPr anchor="ctr"/>
+          <a:bodyPr/>
           <a:lstStyle/>
           <a:p>
-            <a:pPr lvl="0"/>
-            <a:r>
-              <a:rPr lang="en-US" dirty="0"/>
+            <a:pPr lvl="0" eaLnBrk="1" latinLnBrk="0" hangingPunct="1"/>
+            <a:r>
+              <a:rPr lang="en-US" smtClean="0"/>
               <a:t>Click to edit Master text styles</a:t>
             </a:r>
           </a:p>
           <a:p>
-            <a:pPr lvl="1"/>
-            <a:r>
-              <a:rPr lang="en-US" dirty="0"/>
+            <a:pPr lvl="1" eaLnBrk="1" latinLnBrk="0" hangingPunct="1"/>
+            <a:r>
+              <a:rPr lang="en-US" smtClean="0"/>
               <a:t>Second level</a:t>
             </a:r>
           </a:p>
           <a:p>
-            <a:pPr lvl="2"/>
-            <a:r>
-              <a:rPr lang="en-US" dirty="0"/>
+            <a:pPr lvl="2" eaLnBrk="1" latinLnBrk="0" hangingPunct="1"/>
+            <a:r>
+              <a:rPr lang="en-US" smtClean="0"/>
               <a:t>Third level</a:t>
             </a:r>
           </a:p>
           <a:p>
-            <a:pPr lvl="3"/>
-            <a:r>
-              <a:rPr lang="en-US" dirty="0"/>
+            <a:pPr lvl="3" eaLnBrk="1" latinLnBrk="0" hangingPunct="1"/>
+            <a:r>
+              <a:rPr lang="en-US" smtClean="0"/>
               <a:t>Fourth level</a:t>
             </a:r>
           </a:p>
           <a:p>
-            <a:pPr lvl="4"/>
-            <a:r>
-              <a:rPr lang="en-US" dirty="0"/>
+            <a:pPr lvl="4" eaLnBrk="1" latinLnBrk="0" hangingPunct="1"/>
+            <a:r>
+              <a:rPr lang="en-US" smtClean="0"/>
               <a:t>Fifth level</a:t>
             </a:r>
+            <a:endParaRPr kumimoji="0" lang="en-US"/>
           </a:p>
         </p:txBody>
       </p:sp>
@@ -4859,9 +2698,9 @@
           <a:lstStyle/>
           <a:p>
             <a:fld id="{B61BEF0D-F0BB-DE4B-95CE-6DB70DBA9567}" type="datetimeFigureOut">
-              <a:rPr lang="en-US" dirty="0"/>
+              <a:rPr lang="en-US" smtClean="0"/>
               <a:pPr/>
-              <a:t>2/15/2022</a:t>
+              <a:t>2/16/2022</a:t>
             </a:fld>
             <a:endParaRPr lang="en-US" dirty="0"/>
           </a:p>
@@ -4902,7 +2741,7 @@
           <a:lstStyle/>
           <a:p>
             <a:fld id="{D57F1E4F-1CFF-5643-939E-217C01CDF565}" type="slidenum">
-              <a:rPr lang="en-US" dirty="0"/>
+              <a:rPr lang="en-US" smtClean="0"/>
               <a:pPr/>
               <a:t>‹#›</a:t>
             </a:fld>
@@ -4911,11 +2750,6 @@
         </p:txBody>
       </p:sp>
     </p:spTree>
-    <p:extLst>
-      <p:ext uri="{BB962C8B-B14F-4D97-AF65-F5344CB8AC3E}">
-        <p14:creationId xmlns:p14="http://schemas.microsoft.com/office/powerpoint/2010/main" val="2801473664"/>
-      </p:ext>
-    </p:extLst>
   </p:cSld>
   <p:clrMapOvr>
     <a:masterClrMapping/>
@@ -4926,6 +2760,11 @@
 <file path=ppt/slideLayouts/slideLayout3.xml><?xml version="1.0" encoding="utf-8"?>
 <p:sldLayout xmlns:a="http://schemas.openxmlformats.org/drawingml/2006/main" xmlns:r="http://schemas.openxmlformats.org/officeDocument/2006/relationships" xmlns:p="http://schemas.openxmlformats.org/presentationml/2006/main" type="secHead" preserve="1">
   <p:cSld name="Section Header">
+    <p:bg>
+      <p:bgRef idx="1002">
+        <a:schemeClr val="bg2"/>
+      </p:bgRef>
+    </p:bg>
     <p:spTree>
       <p:nvGrpSpPr>
         <p:cNvPr id="1" name=""/>
@@ -4952,22 +2791,61 @@
         </p:nvSpPr>
         <p:spPr>
           <a:xfrm>
-            <a:off x="1751013" y="3308581"/>
-            <a:ext cx="8686800" cy="1468800"/>
+            <a:off x="707136" y="1316736"/>
+            <a:ext cx="10363200" cy="1362456"/>
           </a:xfrm>
+          <a:ln>
+            <a:noFill/>
+          </a:ln>
         </p:spPr>
         <p:txBody>
-          <a:bodyPr anchor="b"/>
+          <a:bodyPr vert="horz" tIns="0" bIns="0" anchor="b">
+            <a:noAutofit/>
+            <a:scene3d>
+              <a:camera prst="orthographicFront"/>
+              <a:lightRig rig="freezing" dir="t">
+                <a:rot lat="0" lon="0" rev="5640000"/>
+              </a:lightRig>
+            </a:scene3d>
+            <a:sp3d prstMaterial="flat">
+              <a:bevelT w="38100" h="38100"/>
+            </a:sp3d>
+          </a:bodyPr>
           <a:lstStyle>
-            <a:lvl1pPr algn="r">
-              <a:defRPr sz="4000" b="0" cap="all"/>
+            <a:lvl1pPr algn="l" rtl="0">
+              <a:spcBef>
+                <a:spcPct val="0"/>
+              </a:spcBef>
+              <a:buNone/>
+              <a:defRPr lang="en-US" sz="5600" b="1" cap="none" baseline="0" dirty="0">
+                <a:ln w="635">
+                  <a:noFill/>
+                </a:ln>
+                <a:solidFill>
+                  <a:schemeClr val="accent4">
+                    <a:tint val="90000"/>
+                    <a:satMod val="125000"/>
+                  </a:schemeClr>
+                </a:solidFill>
+                <a:effectLst>
+                  <a:outerShdw blurRad="38100" dist="25400" dir="5400000" algn="tl" rotWithShape="0">
+                    <a:srgbClr val="000000">
+                      <a:alpha val="43000"/>
+                    </a:srgbClr>
+                  </a:outerShdw>
+                </a:effectLst>
+                <a:latin typeface="+mj-lt"/>
+                <a:ea typeface="+mj-ea"/>
+                <a:cs typeface="+mj-cs"/>
+              </a:defRPr>
             </a:lvl1pPr>
           </a:lstStyle>
           <a:p>
             <a:r>
-              <a:rPr lang="en-US" dirty="0"/>
+              <a:rPr kumimoji="0" lang="en-US" smtClean="0"/>
               <a:t>Click to edit Master title style</a:t>
             </a:r>
+            <a:endParaRPr kumimoji="0" lang="en-US"/>
           </a:p>
         </p:txBody>
       </p:sp>
@@ -4983,35 +2861,22 @@
         </p:nvSpPr>
         <p:spPr>
           <a:xfrm>
-            <a:off x="1751011" y="4777381"/>
-            <a:ext cx="8686801" cy="860400"/>
+            <a:off x="707136" y="2704664"/>
+            <a:ext cx="10363200" cy="1509712"/>
           </a:xfrm>
         </p:spPr>
         <p:txBody>
-          <a:bodyPr anchor="t">
-            <a:normAutofit/>
-          </a:bodyPr>
+          <a:bodyPr lIns="45720" rIns="45720" anchor="t"/>
           <a:lstStyle>
-            <a:lvl1pPr marL="0" indent="0" algn="r">
+            <a:lvl1pPr marL="0" indent="0">
               <a:buNone/>
-              <a:defRPr sz="2000">
-                <a:gradFill flip="none" rotWithShape="1">
-                  <a:gsLst>
-                    <a:gs pos="0">
-                      <a:schemeClr val="tx1"/>
-                    </a:gs>
-                    <a:gs pos="100000">
-                      <a:schemeClr val="tx1">
-                        <a:lumMod val="75000"/>
-                      </a:schemeClr>
-                    </a:gs>
-                  </a:gsLst>
-                  <a:lin ang="5400000" scaled="0"/>
-                  <a:tileRect/>
-                </a:gradFill>
+              <a:defRPr sz="2200">
+                <a:solidFill>
+                  <a:schemeClr val="tx1"/>
+                </a:solidFill>
               </a:defRPr>
             </a:lvl1pPr>
-            <a:lvl2pPr marL="457200" indent="0">
+            <a:lvl2pPr>
               <a:buNone/>
               <a:defRPr sz="1800">
                 <a:solidFill>
@@ -5021,7 +2886,7 @@
                 </a:solidFill>
               </a:defRPr>
             </a:lvl2pPr>
-            <a:lvl3pPr marL="914400" indent="0">
+            <a:lvl3pPr>
               <a:buNone/>
               <a:defRPr sz="1600">
                 <a:solidFill>
@@ -5031,7 +2896,7 @@
                 </a:solidFill>
               </a:defRPr>
             </a:lvl3pPr>
-            <a:lvl4pPr marL="1371600" indent="0">
+            <a:lvl4pPr>
               <a:buNone/>
               <a:defRPr sz="1400">
                 <a:solidFill>
@@ -5041,7 +2906,7 @@
                 </a:solidFill>
               </a:defRPr>
             </a:lvl4pPr>
-            <a:lvl5pPr marL="1828800" indent="0">
+            <a:lvl5pPr>
               <a:buNone/>
               <a:defRPr sz="1400">
                 <a:solidFill>
@@ -5051,51 +2916,11 @@
                 </a:solidFill>
               </a:defRPr>
             </a:lvl5pPr>
-            <a:lvl6pPr marL="2286000" indent="0">
-              <a:buNone/>
-              <a:defRPr sz="1400">
-                <a:solidFill>
-                  <a:schemeClr val="tx1">
-                    <a:tint val="75000"/>
-                  </a:schemeClr>
-                </a:solidFill>
-              </a:defRPr>
-            </a:lvl6pPr>
-            <a:lvl7pPr marL="2743200" indent="0">
-              <a:buNone/>
-              <a:defRPr sz="1400">
-                <a:solidFill>
-                  <a:schemeClr val="tx1">
-                    <a:tint val="75000"/>
-                  </a:schemeClr>
-                </a:solidFill>
-              </a:defRPr>
-            </a:lvl7pPr>
-            <a:lvl8pPr marL="3200400" indent="0">
-              <a:buNone/>
-              <a:defRPr sz="1400">
-                <a:solidFill>
-                  <a:schemeClr val="tx1">
-                    <a:tint val="75000"/>
-                  </a:schemeClr>
-                </a:solidFill>
-              </a:defRPr>
-            </a:lvl8pPr>
-            <a:lvl9pPr marL="3657600" indent="0">
-              <a:buNone/>
-              <a:defRPr sz="1400">
-                <a:solidFill>
-                  <a:schemeClr val="tx1">
-                    <a:tint val="75000"/>
-                  </a:schemeClr>
-                </a:solidFill>
-              </a:defRPr>
-            </a:lvl9pPr>
           </a:lstStyle>
           <a:p>
-            <a:pPr lvl="0"/>
-            <a:r>
-              <a:rPr lang="en-US" dirty="0"/>
+            <a:pPr lvl="0" eaLnBrk="1" latinLnBrk="0" hangingPunct="1"/>
+            <a:r>
+              <a:rPr kumimoji="0" lang="en-US" smtClean="0"/>
               <a:t>Click to edit Master text styles</a:t>
             </a:r>
           </a:p>
@@ -5117,9 +2942,9 @@
           <a:lstStyle/>
           <a:p>
             <a:fld id="{B61BEF0D-F0BB-DE4B-95CE-6DB70DBA9567}" type="datetimeFigureOut">
-              <a:rPr lang="en-US" dirty="0"/>
+              <a:rPr lang="en-US" smtClean="0"/>
               <a:pPr/>
-              <a:t>2/15/2022</a:t>
+              <a:t>2/16/2022</a:t>
             </a:fld>
             <a:endParaRPr lang="en-US" dirty="0"/>
           </a:p>
@@ -5160,7 +2985,7 @@
           <a:lstStyle/>
           <a:p>
             <a:fld id="{D57F1E4F-1CFF-5643-939E-217C01CDF565}" type="slidenum">
-              <a:rPr lang="en-US" dirty="0"/>
+              <a:rPr lang="en-US" smtClean="0"/>
               <a:pPr/>
               <a:t>‹#›</a:t>
             </a:fld>
@@ -5169,14 +2994,9 @@
         </p:txBody>
       </p:sp>
     </p:spTree>
-    <p:extLst>
-      <p:ext uri="{BB962C8B-B14F-4D97-AF65-F5344CB8AC3E}">
-        <p14:creationId xmlns:p14="http://schemas.microsoft.com/office/powerpoint/2010/main" val="4018324336"/>
-      </p:ext>
-    </p:extLst>
   </p:cSld>
   <p:clrMapOvr>
-    <a:masterClrMapping/>
+    <a:overrideClrMapping bg1="dk1" tx1="lt1" bg2="dk2" tx2="lt2" accent1="accent1" accent2="accent2" accent3="accent3" accent4="accent4" accent5="accent5" accent6="accent6" hlink="hlink" folHlink="folHlink"/>
   </p:clrMapOvr>
 </p:sldLayout>
 </file>
@@ -5208,15 +3028,21 @@
             <p:ph type="title"/>
           </p:nvPr>
         </p:nvSpPr>
-        <p:spPr/>
+        <p:spPr>
+          <a:xfrm>
+            <a:off x="609600" y="704088"/>
+            <a:ext cx="10972800" cy="1143000"/>
+          </a:xfrm>
+        </p:spPr>
         <p:txBody>
           <a:bodyPr/>
           <a:lstStyle/>
           <a:p>
             <a:r>
-              <a:rPr lang="en-US" dirty="0"/>
+              <a:rPr kumimoji="0" lang="en-US" smtClean="0"/>
               <a:t>Click to edit Master title style</a:t>
             </a:r>
+            <a:endParaRPr kumimoji="0" lang="en-US"/>
           </a:p>
         </p:txBody>
       </p:sp>
@@ -5232,77 +3058,64 @@
         </p:nvSpPr>
         <p:spPr>
           <a:xfrm>
-            <a:off x="1141412" y="2666999"/>
-            <a:ext cx="4876800" cy="3124201"/>
+            <a:off x="609600" y="1920085"/>
+            <a:ext cx="5384800" cy="4434840"/>
           </a:xfrm>
         </p:spPr>
         <p:txBody>
-          <a:bodyPr>
-            <a:normAutofit/>
-          </a:bodyPr>
+          <a:bodyPr/>
           <a:lstStyle>
             <a:lvl1pPr>
-              <a:defRPr sz="1800"/>
+              <a:defRPr sz="2600"/>
             </a:lvl1pPr>
             <a:lvl2pPr>
-              <a:defRPr sz="1600"/>
+              <a:defRPr sz="2400"/>
             </a:lvl2pPr>
             <a:lvl3pPr>
-              <a:defRPr sz="1400"/>
+              <a:defRPr sz="2000"/>
             </a:lvl3pPr>
             <a:lvl4pPr>
-              <a:defRPr sz="1200"/>
+              <a:defRPr sz="1800"/>
             </a:lvl4pPr>
             <a:lvl5pPr>
-              <a:defRPr sz="1200"/>
+              <a:defRPr sz="1800"/>
             </a:lvl5pPr>
-            <a:lvl6pPr>
-              <a:defRPr sz="1200"/>
-            </a:lvl6pPr>
-            <a:lvl7pPr>
-              <a:defRPr sz="1200"/>
-            </a:lvl7pPr>
-            <a:lvl8pPr>
-              <a:defRPr sz="1200"/>
-            </a:lvl8pPr>
-            <a:lvl9pPr>
-              <a:defRPr sz="1200"/>
-            </a:lvl9pPr>
           </a:lstStyle>
           <a:p>
-            <a:pPr lvl="0"/>
-            <a:r>
-              <a:rPr lang="en-US" dirty="0"/>
+            <a:pPr lvl="0" eaLnBrk="1" latinLnBrk="0" hangingPunct="1"/>
+            <a:r>
+              <a:rPr lang="en-US" smtClean="0"/>
               <a:t>Click to edit Master text styles</a:t>
             </a:r>
           </a:p>
           <a:p>
-            <a:pPr lvl="1"/>
-            <a:r>
-              <a:rPr lang="en-US" dirty="0"/>
+            <a:pPr lvl="1" eaLnBrk="1" latinLnBrk="0" hangingPunct="1"/>
+            <a:r>
+              <a:rPr lang="en-US" smtClean="0"/>
               <a:t>Second level</a:t>
             </a:r>
           </a:p>
           <a:p>
-            <a:pPr lvl="2"/>
-            <a:r>
-              <a:rPr lang="en-US" dirty="0"/>
+            <a:pPr lvl="2" eaLnBrk="1" latinLnBrk="0" hangingPunct="1"/>
+            <a:r>
+              <a:rPr lang="en-US" smtClean="0"/>
               <a:t>Third level</a:t>
             </a:r>
           </a:p>
           <a:p>
-            <a:pPr lvl="3"/>
-            <a:r>
-              <a:rPr lang="en-US" dirty="0"/>
+            <a:pPr lvl="3" eaLnBrk="1" latinLnBrk="0" hangingPunct="1"/>
+            <a:r>
+              <a:rPr lang="en-US" smtClean="0"/>
               <a:t>Fourth level</a:t>
             </a:r>
           </a:p>
           <a:p>
-            <a:pPr lvl="4"/>
-            <a:r>
-              <a:rPr lang="en-US" dirty="0"/>
+            <a:pPr lvl="4" eaLnBrk="1" latinLnBrk="0" hangingPunct="1"/>
+            <a:r>
+              <a:rPr lang="en-US" smtClean="0"/>
               <a:t>Fifth level</a:t>
             </a:r>
+            <a:endParaRPr kumimoji="0" lang="en-US"/>
           </a:p>
         </p:txBody>
       </p:sp>
@@ -5318,77 +3131,64 @@
         </p:nvSpPr>
         <p:spPr>
           <a:xfrm>
-            <a:off x="6170612" y="2667000"/>
-            <a:ext cx="4876800" cy="3124200"/>
+            <a:off x="6197600" y="1920085"/>
+            <a:ext cx="5384800" cy="4434840"/>
           </a:xfrm>
         </p:spPr>
         <p:txBody>
-          <a:bodyPr>
-            <a:normAutofit/>
-          </a:bodyPr>
+          <a:bodyPr/>
           <a:lstStyle>
             <a:lvl1pPr>
-              <a:defRPr sz="1800"/>
+              <a:defRPr sz="2600"/>
             </a:lvl1pPr>
             <a:lvl2pPr>
-              <a:defRPr sz="1600"/>
+              <a:defRPr sz="2400"/>
             </a:lvl2pPr>
             <a:lvl3pPr>
-              <a:defRPr sz="1400"/>
+              <a:defRPr sz="2000"/>
             </a:lvl3pPr>
             <a:lvl4pPr>
-              <a:defRPr sz="1200"/>
+              <a:defRPr sz="1800"/>
             </a:lvl4pPr>
             <a:lvl5pPr>
-              <a:defRPr sz="1200"/>
+              <a:defRPr sz="1800"/>
             </a:lvl5pPr>
-            <a:lvl6pPr>
-              <a:defRPr sz="1200"/>
-            </a:lvl6pPr>
-            <a:lvl7pPr>
-              <a:defRPr sz="1200"/>
-            </a:lvl7pPr>
-            <a:lvl8pPr>
-              <a:defRPr sz="1200"/>
-            </a:lvl8pPr>
-            <a:lvl9pPr>
-              <a:defRPr sz="1200"/>
-            </a:lvl9pPr>
           </a:lstStyle>
           <a:p>
-            <a:pPr lvl="0"/>
-            <a:r>
-              <a:rPr lang="en-US" dirty="0"/>
+            <a:pPr lvl="0" eaLnBrk="1" latinLnBrk="0" hangingPunct="1"/>
+            <a:r>
+              <a:rPr lang="en-US" smtClean="0"/>
               <a:t>Click to edit Master text styles</a:t>
             </a:r>
           </a:p>
           <a:p>
-            <a:pPr lvl="1"/>
-            <a:r>
-              <a:rPr lang="en-US" dirty="0"/>
+            <a:pPr lvl="1" eaLnBrk="1" latinLnBrk="0" hangingPunct="1"/>
+            <a:r>
+              <a:rPr lang="en-US" smtClean="0"/>
               <a:t>Second level</a:t>
             </a:r>
           </a:p>
           <a:p>
-            <a:pPr lvl="2"/>
-            <a:r>
-              <a:rPr lang="en-US" dirty="0"/>
+            <a:pPr lvl="2" eaLnBrk="1" latinLnBrk="0" hangingPunct="1"/>
+            <a:r>
+              <a:rPr lang="en-US" smtClean="0"/>
               <a:t>Third level</a:t>
             </a:r>
           </a:p>
           <a:p>
-            <a:pPr lvl="3"/>
-            <a:r>
-              <a:rPr lang="en-US" dirty="0"/>
+            <a:pPr lvl="3" eaLnBrk="1" latinLnBrk="0" hangingPunct="1"/>
+            <a:r>
+              <a:rPr lang="en-US" smtClean="0"/>
               <a:t>Fourth level</a:t>
             </a:r>
           </a:p>
           <a:p>
-            <a:pPr lvl="4"/>
-            <a:r>
-              <a:rPr lang="en-US" dirty="0"/>
+            <a:pPr lvl="4" eaLnBrk="1" latinLnBrk="0" hangingPunct="1"/>
+            <a:r>
+              <a:rPr lang="en-US" smtClean="0"/>
               <a:t>Fifth level</a:t>
             </a:r>
+            <a:endParaRPr kumimoji="0" lang="en-US"/>
           </a:p>
         </p:txBody>
       </p:sp>
@@ -5408,9 +3208,9 @@
           <a:lstStyle/>
           <a:p>
             <a:fld id="{B61BEF0D-F0BB-DE4B-95CE-6DB70DBA9567}" type="datetimeFigureOut">
-              <a:rPr lang="en-US" dirty="0"/>
+              <a:rPr lang="en-US" smtClean="0"/>
               <a:pPr/>
-              <a:t>2/15/2022</a:t>
+              <a:t>2/16/2022</a:t>
             </a:fld>
             <a:endParaRPr lang="en-US" dirty="0"/>
           </a:p>
@@ -5451,7 +3251,7 @@
           <a:lstStyle/>
           <a:p>
             <a:fld id="{D57F1E4F-1CFF-5643-939E-217C01CDF565}" type="slidenum">
-              <a:rPr lang="en-US" dirty="0"/>
+              <a:rPr lang="en-US" smtClean="0"/>
               <a:pPr/>
               <a:t>‹#›</a:t>
             </a:fld>
@@ -5460,11 +3260,6 @@
         </p:txBody>
       </p:sp>
     </p:spTree>
-    <p:extLst>
-      <p:ext uri="{BB962C8B-B14F-4D97-AF65-F5344CB8AC3E}">
-        <p14:creationId xmlns:p14="http://schemas.microsoft.com/office/powerpoint/2010/main" val="1605615309"/>
-      </p:ext>
-    </p:extLst>
   </p:cSld>
   <p:clrMapOvr>
     <a:masterClrMapping/>
@@ -5499,9 +3294,14 @@
             <p:ph type="title"/>
           </p:nvPr>
         </p:nvSpPr>
-        <p:spPr/>
-        <p:txBody>
-          <a:bodyPr/>
+        <p:spPr>
+          <a:xfrm>
+            <a:off x="609600" y="704088"/>
+            <a:ext cx="10972800" cy="1143000"/>
+          </a:xfrm>
+        </p:spPr>
+        <p:txBody>
+          <a:bodyPr tIns="45720" anchor="b"/>
           <a:lstStyle>
             <a:lvl1pPr>
               <a:defRPr/>
@@ -5509,9 +3309,10 @@
           </a:lstStyle>
           <a:p>
             <a:r>
-              <a:rPr lang="en-US" dirty="0"/>
+              <a:rPr kumimoji="0" lang="en-US" smtClean="0"/>
               <a:t>Click to edit Master title style</a:t>
             </a:r>
+            <a:endParaRPr kumimoji="0" lang="en-US"/>
           </a:p>
         </p:txBody>
       </p:sp>
@@ -5527,56 +3328,45 @@
         </p:nvSpPr>
         <p:spPr>
           <a:xfrm>
-            <a:off x="1429280" y="2658533"/>
-            <a:ext cx="4588931" cy="576262"/>
+            <a:off x="609600" y="1855248"/>
+            <a:ext cx="5386917" cy="659352"/>
           </a:xfrm>
         </p:spPr>
         <p:txBody>
-          <a:bodyPr anchor="b">
+          <a:bodyPr lIns="45720" tIns="0" rIns="45720" bIns="0" anchor="ctr">
             <a:noAutofit/>
           </a:bodyPr>
           <a:lstStyle>
             <a:lvl1pPr marL="0" indent="0">
               <a:buNone/>
-              <a:defRPr sz="2800" b="0"/>
+              <a:defRPr sz="2400" b="1" cap="none" baseline="0">
+                <a:solidFill>
+                  <a:schemeClr val="tx2"/>
+                </a:solidFill>
+                <a:effectLst/>
+              </a:defRPr>
             </a:lvl1pPr>
-            <a:lvl2pPr marL="457200" indent="0">
+            <a:lvl2pPr>
               <a:buNone/>
               <a:defRPr sz="2000" b="1"/>
             </a:lvl2pPr>
-            <a:lvl3pPr marL="914400" indent="0">
+            <a:lvl3pPr>
               <a:buNone/>
               <a:defRPr sz="1800" b="1"/>
             </a:lvl3pPr>
-            <a:lvl4pPr marL="1371600" indent="0">
+            <a:lvl4pPr>
               <a:buNone/>
               <a:defRPr sz="1600" b="1"/>
             </a:lvl4pPr>
-            <a:lvl5pPr marL="1828800" indent="0">
+            <a:lvl5pPr>
               <a:buNone/>
               <a:defRPr sz="1600" b="1"/>
             </a:lvl5pPr>
-            <a:lvl6pPr marL="2286000" indent="0">
-              <a:buNone/>
-              <a:defRPr sz="1600" b="1"/>
-            </a:lvl6pPr>
-            <a:lvl7pPr marL="2743200" indent="0">
-              <a:buNone/>
-              <a:defRPr sz="1600" b="1"/>
-            </a:lvl7pPr>
-            <a:lvl8pPr marL="3200400" indent="0">
-              <a:buNone/>
-              <a:defRPr sz="1600" b="1"/>
-            </a:lvl8pPr>
-            <a:lvl9pPr marL="3657600" indent="0">
-              <a:buNone/>
-              <a:defRPr sz="1600" b="1"/>
-            </a:lvl9pPr>
           </a:lstStyle>
           <a:p>
-            <a:pPr lvl="0"/>
-            <a:r>
-              <a:rPr lang="en-US" dirty="0"/>
+            <a:pPr lvl="0" eaLnBrk="1" latinLnBrk="0" hangingPunct="1"/>
+            <a:r>
+              <a:rPr kumimoji="0" lang="en-US" smtClean="0"/>
               <a:t>Click to edit Master text styles</a:t>
             </a:r>
           </a:p>
@@ -5584,154 +3374,128 @@
       </p:sp>
       <p:sp>
         <p:nvSpPr>
-          <p:cNvPr id="4" name="Content Placeholder 3"/>
+          <p:cNvPr id="4" name="Text Placeholder 3"/>
           <p:cNvSpPr>
             <a:spLocks noGrp="1"/>
           </p:cNvSpPr>
           <p:nvPr>
-            <p:ph sz="half" idx="2"/>
+            <p:ph type="body" sz="half" idx="3"/>
           </p:nvPr>
         </p:nvSpPr>
         <p:spPr>
           <a:xfrm>
-            <a:off x="1141412" y="3243262"/>
-            <a:ext cx="4876800" cy="2547937"/>
+            <a:off x="6193368" y="1859758"/>
+            <a:ext cx="5389033" cy="654843"/>
           </a:xfrm>
         </p:spPr>
         <p:txBody>
-          <a:bodyPr anchor="t">
-            <a:normAutofit/>
-          </a:bodyPr>
-          <a:lstStyle>
-            <a:lvl1pPr>
-              <a:defRPr sz="1800"/>
-            </a:lvl1pPr>
-            <a:lvl2pPr>
-              <a:defRPr sz="1600"/>
-            </a:lvl2pPr>
-            <a:lvl3pPr>
-              <a:defRPr sz="1400"/>
-            </a:lvl3pPr>
-            <a:lvl4pPr>
-              <a:defRPr sz="1200"/>
-            </a:lvl4pPr>
-            <a:lvl5pPr>
-              <a:defRPr sz="1200"/>
-            </a:lvl5pPr>
-            <a:lvl6pPr>
-              <a:defRPr sz="1200"/>
-            </a:lvl6pPr>
-            <a:lvl7pPr>
-              <a:defRPr sz="1200"/>
-            </a:lvl7pPr>
-            <a:lvl8pPr>
-              <a:defRPr sz="1200"/>
-            </a:lvl8pPr>
-            <a:lvl9pPr>
-              <a:defRPr sz="1200"/>
-            </a:lvl9pPr>
-          </a:lstStyle>
-          <a:p>
-            <a:pPr lvl="0"/>
-            <a:r>
-              <a:rPr lang="en-US" dirty="0"/>
-              <a:t>Click to edit Master text styles</a:t>
-            </a:r>
-          </a:p>
-          <a:p>
-            <a:pPr lvl="1"/>
-            <a:r>
-              <a:rPr lang="en-US" dirty="0"/>
-              <a:t>Second level</a:t>
-            </a:r>
-          </a:p>
-          <a:p>
-            <a:pPr lvl="2"/>
-            <a:r>
-              <a:rPr lang="en-US" dirty="0"/>
-              <a:t>Third level</a:t>
-            </a:r>
-          </a:p>
-          <a:p>
-            <a:pPr lvl="3"/>
-            <a:r>
-              <a:rPr lang="en-US" dirty="0"/>
-              <a:t>Fourth level</a:t>
-            </a:r>
-          </a:p>
-          <a:p>
-            <a:pPr lvl="4"/>
-            <a:r>
-              <a:rPr lang="en-US" dirty="0"/>
-              <a:t>Fifth level</a:t>
-            </a:r>
-          </a:p>
-        </p:txBody>
-      </p:sp>
-      <p:sp>
-        <p:nvSpPr>
-          <p:cNvPr id="5" name="Text Placeholder 4"/>
-          <p:cNvSpPr>
-            <a:spLocks noGrp="1"/>
-          </p:cNvSpPr>
-          <p:nvPr>
-            <p:ph type="body" sz="quarter" idx="3"/>
-          </p:nvPr>
-        </p:nvSpPr>
-        <p:spPr>
-          <a:xfrm>
-            <a:off x="6443133" y="2667000"/>
-            <a:ext cx="4604280" cy="576262"/>
-          </a:xfrm>
-        </p:spPr>
-        <p:txBody>
-          <a:bodyPr anchor="b">
-            <a:noAutofit/>
-          </a:bodyPr>
+          <a:bodyPr lIns="45720" tIns="0" rIns="45720" bIns="0" anchor="ctr"/>
           <a:lstStyle>
             <a:lvl1pPr marL="0" indent="0">
               <a:buNone/>
-              <a:defRPr sz="2800" b="0"/>
+              <a:defRPr sz="2400" b="1" cap="none" baseline="0">
+                <a:solidFill>
+                  <a:schemeClr val="tx2"/>
+                </a:solidFill>
+                <a:effectLst/>
+              </a:defRPr>
             </a:lvl1pPr>
-            <a:lvl2pPr marL="457200" indent="0">
+            <a:lvl2pPr>
               <a:buNone/>
               <a:defRPr sz="2000" b="1"/>
             </a:lvl2pPr>
-            <a:lvl3pPr marL="914400" indent="0">
+            <a:lvl3pPr>
               <a:buNone/>
               <a:defRPr sz="1800" b="1"/>
             </a:lvl3pPr>
-            <a:lvl4pPr marL="1371600" indent="0">
+            <a:lvl4pPr>
               <a:buNone/>
               <a:defRPr sz="1600" b="1"/>
             </a:lvl4pPr>
-            <a:lvl5pPr marL="1828800" indent="0">
+            <a:lvl5pPr>
               <a:buNone/>
               <a:defRPr sz="1600" b="1"/>
             </a:lvl5pPr>
-            <a:lvl6pPr marL="2286000" indent="0">
-              <a:buNone/>
-              <a:defRPr sz="1600" b="1"/>
-            </a:lvl6pPr>
-            <a:lvl7pPr marL="2743200" indent="0">
-              <a:buNone/>
-              <a:defRPr sz="1600" b="1"/>
-            </a:lvl7pPr>
-            <a:lvl8pPr marL="3200400" indent="0">
-              <a:buNone/>
-              <a:defRPr sz="1600" b="1"/>
-            </a:lvl8pPr>
-            <a:lvl9pPr marL="3657600" indent="0">
-              <a:buNone/>
-              <a:defRPr sz="1600" b="1"/>
-            </a:lvl9pPr>
           </a:lstStyle>
           <a:p>
-            <a:pPr lvl="0"/>
-            <a:r>
-              <a:rPr lang="en-US" dirty="0"/>
+            <a:pPr lvl="0" eaLnBrk="1" latinLnBrk="0" hangingPunct="1"/>
+            <a:r>
+              <a:rPr kumimoji="0" lang="en-US" smtClean="0"/>
               <a:t>Click to edit Master text styles</a:t>
             </a:r>
+          </a:p>
+        </p:txBody>
+      </p:sp>
+      <p:sp>
+        <p:nvSpPr>
+          <p:cNvPr id="5" name="Content Placeholder 4"/>
+          <p:cNvSpPr>
+            <a:spLocks noGrp="1"/>
+          </p:cNvSpPr>
+          <p:nvPr>
+            <p:ph sz="quarter" idx="2"/>
+          </p:nvPr>
+        </p:nvSpPr>
+        <p:spPr>
+          <a:xfrm>
+            <a:off x="609600" y="2514600"/>
+            <a:ext cx="5386917" cy="3845720"/>
+          </a:xfrm>
+        </p:spPr>
+        <p:txBody>
+          <a:bodyPr tIns="0"/>
+          <a:lstStyle>
+            <a:lvl1pPr>
+              <a:defRPr sz="2200"/>
+            </a:lvl1pPr>
+            <a:lvl2pPr>
+              <a:defRPr sz="2000"/>
+            </a:lvl2pPr>
+            <a:lvl3pPr>
+              <a:defRPr sz="1800"/>
+            </a:lvl3pPr>
+            <a:lvl4pPr>
+              <a:defRPr sz="1600"/>
+            </a:lvl4pPr>
+            <a:lvl5pPr>
+              <a:defRPr sz="1600"/>
+            </a:lvl5pPr>
+          </a:lstStyle>
+          <a:p>
+            <a:pPr lvl="0" eaLnBrk="1" latinLnBrk="0" hangingPunct="1"/>
+            <a:r>
+              <a:rPr lang="en-US" smtClean="0"/>
+              <a:t>Click to edit Master text styles</a:t>
+            </a:r>
+          </a:p>
+          <a:p>
+            <a:pPr lvl="1" eaLnBrk="1" latinLnBrk="0" hangingPunct="1"/>
+            <a:r>
+              <a:rPr lang="en-US" smtClean="0"/>
+              <a:t>Second level</a:t>
+            </a:r>
+          </a:p>
+          <a:p>
+            <a:pPr lvl="2" eaLnBrk="1" latinLnBrk="0" hangingPunct="1"/>
+            <a:r>
+              <a:rPr lang="en-US" smtClean="0"/>
+              <a:t>Third level</a:t>
+            </a:r>
+          </a:p>
+          <a:p>
+            <a:pPr lvl="3" eaLnBrk="1" latinLnBrk="0" hangingPunct="1"/>
+            <a:r>
+              <a:rPr lang="en-US" smtClean="0"/>
+              <a:t>Fourth level</a:t>
+            </a:r>
+          </a:p>
+          <a:p>
+            <a:pPr lvl="4" eaLnBrk="1" latinLnBrk="0" hangingPunct="1"/>
+            <a:r>
+              <a:rPr lang="en-US" smtClean="0"/>
+              <a:t>Fifth level</a:t>
+            </a:r>
+            <a:endParaRPr kumimoji="0" lang="en-US"/>
           </a:p>
         </p:txBody>
       </p:sp>
@@ -5747,77 +3511,64 @@
         </p:nvSpPr>
         <p:spPr>
           <a:xfrm>
-            <a:off x="6170612" y="3243262"/>
-            <a:ext cx="4876801" cy="2547937"/>
+            <a:off x="6193368" y="2514600"/>
+            <a:ext cx="5389033" cy="3845720"/>
           </a:xfrm>
         </p:spPr>
         <p:txBody>
-          <a:bodyPr anchor="t">
-            <a:normAutofit/>
-          </a:bodyPr>
+          <a:bodyPr tIns="0"/>
           <a:lstStyle>
             <a:lvl1pPr>
-              <a:defRPr sz="1800"/>
+              <a:defRPr sz="2200"/>
             </a:lvl1pPr>
             <a:lvl2pPr>
-              <a:defRPr sz="1600"/>
+              <a:defRPr sz="2000"/>
             </a:lvl2pPr>
             <a:lvl3pPr>
-              <a:defRPr sz="1400"/>
+              <a:defRPr sz="1800"/>
             </a:lvl3pPr>
             <a:lvl4pPr>
-              <a:defRPr sz="1200"/>
+              <a:defRPr sz="1600"/>
             </a:lvl4pPr>
             <a:lvl5pPr>
-              <a:defRPr sz="1200"/>
+              <a:defRPr sz="1600"/>
             </a:lvl5pPr>
-            <a:lvl6pPr>
-              <a:defRPr sz="1200"/>
-            </a:lvl6pPr>
-            <a:lvl7pPr>
-              <a:defRPr sz="1200"/>
-            </a:lvl7pPr>
-            <a:lvl8pPr>
-              <a:defRPr sz="1200"/>
-            </a:lvl8pPr>
-            <a:lvl9pPr>
-              <a:defRPr sz="1200"/>
-            </a:lvl9pPr>
           </a:lstStyle>
           <a:p>
-            <a:pPr lvl="0"/>
-            <a:r>
-              <a:rPr lang="en-US" dirty="0"/>
+            <a:pPr lvl="0" eaLnBrk="1" latinLnBrk="0" hangingPunct="1"/>
+            <a:r>
+              <a:rPr lang="en-US" smtClean="0"/>
               <a:t>Click to edit Master text styles</a:t>
             </a:r>
           </a:p>
           <a:p>
-            <a:pPr lvl="1"/>
-            <a:r>
-              <a:rPr lang="en-US" dirty="0"/>
+            <a:pPr lvl="1" eaLnBrk="1" latinLnBrk="0" hangingPunct="1"/>
+            <a:r>
+              <a:rPr lang="en-US" smtClean="0"/>
               <a:t>Second level</a:t>
             </a:r>
           </a:p>
           <a:p>
-            <a:pPr lvl="2"/>
-            <a:r>
-              <a:rPr lang="en-US" dirty="0"/>
+            <a:pPr lvl="2" eaLnBrk="1" latinLnBrk="0" hangingPunct="1"/>
+            <a:r>
+              <a:rPr lang="en-US" smtClean="0"/>
               <a:t>Third level</a:t>
             </a:r>
           </a:p>
           <a:p>
-            <a:pPr lvl="3"/>
-            <a:r>
-              <a:rPr lang="en-US" dirty="0"/>
+            <a:pPr lvl="3" eaLnBrk="1" latinLnBrk="0" hangingPunct="1"/>
+            <a:r>
+              <a:rPr lang="en-US" smtClean="0"/>
               <a:t>Fourth level</a:t>
             </a:r>
           </a:p>
           <a:p>
-            <a:pPr lvl="4"/>
-            <a:r>
-              <a:rPr lang="en-US" dirty="0"/>
+            <a:pPr lvl="4" eaLnBrk="1" latinLnBrk="0" hangingPunct="1"/>
+            <a:r>
+              <a:rPr lang="en-US" smtClean="0"/>
               <a:t>Fifth level</a:t>
             </a:r>
+            <a:endParaRPr kumimoji="0" lang="en-US"/>
           </a:p>
         </p:txBody>
       </p:sp>
@@ -5837,9 +3588,9 @@
           <a:lstStyle/>
           <a:p>
             <a:fld id="{B61BEF0D-F0BB-DE4B-95CE-6DB70DBA9567}" type="datetimeFigureOut">
-              <a:rPr lang="en-US" dirty="0"/>
+              <a:rPr lang="en-US" smtClean="0"/>
               <a:pPr/>
-              <a:t>2/15/2022</a:t>
+              <a:t>2/16/2022</a:t>
             </a:fld>
             <a:endParaRPr lang="en-US" dirty="0"/>
           </a:p>
@@ -5880,7 +3631,7 @@
           <a:lstStyle/>
           <a:p>
             <a:fld id="{D57F1E4F-1CFF-5643-939E-217C01CDF565}" type="slidenum">
-              <a:rPr lang="en-US" dirty="0"/>
+              <a:rPr lang="en-US" smtClean="0"/>
               <a:pPr/>
               <a:t>‹#›</a:t>
             </a:fld>
@@ -5889,11 +3640,6 @@
         </p:txBody>
       </p:sp>
     </p:spTree>
-    <p:extLst>
-      <p:ext uri="{BB962C8B-B14F-4D97-AF65-F5344CB8AC3E}">
-        <p14:creationId xmlns:p14="http://schemas.microsoft.com/office/powerpoint/2010/main" val="86840038"/>
-      </p:ext>
-    </p:extLst>
   </p:cSld>
   <p:clrMapOvr>
     <a:masterClrMapping/>
@@ -5928,15 +3674,53 @@
             <p:ph type="title"/>
           </p:nvPr>
         </p:nvSpPr>
-        <p:spPr/>
-        <p:txBody>
-          <a:bodyPr/>
-          <a:lstStyle/>
-          <a:p>
-            <a:r>
-              <a:rPr lang="en-US" dirty="0"/>
+        <p:spPr>
+          <a:xfrm>
+            <a:off x="609600" y="704088"/>
+            <a:ext cx="11074400" cy="1143000"/>
+          </a:xfrm>
+        </p:spPr>
+        <p:txBody>
+          <a:bodyPr vert="horz" tIns="45720" bIns="0" anchor="b">
+            <a:normAutofit/>
+            <a:scene3d>
+              <a:camera prst="orthographicFront"/>
+              <a:lightRig rig="freezing" dir="t">
+                <a:rot lat="0" lon="0" rev="5640000"/>
+              </a:lightRig>
+            </a:scene3d>
+            <a:sp3d prstMaterial="flat">
+              <a:contourClr>
+                <a:schemeClr val="tx2"/>
+              </a:contourClr>
+            </a:sp3d>
+          </a:bodyPr>
+          <a:lstStyle>
+            <a:lvl1pPr algn="l" rtl="0">
+              <a:spcBef>
+                <a:spcPct val="0"/>
+              </a:spcBef>
+              <a:buNone/>
+              <a:defRPr sz="5000" b="0">
+                <a:ln>
+                  <a:noFill/>
+                </a:ln>
+                <a:solidFill>
+                  <a:schemeClr val="tx2"/>
+                </a:solidFill>
+                <a:effectLst/>
+                <a:latin typeface="+mj-lt"/>
+                <a:ea typeface="+mj-ea"/>
+                <a:cs typeface="+mj-cs"/>
+              </a:defRPr>
+            </a:lvl1pPr>
+          </a:lstStyle>
+          <a:p>
+            <a:r>
+              <a:rPr kumimoji="0" lang="en-US" smtClean="0"/>
               <a:t>Click to edit Master title style</a:t>
             </a:r>
+            <a:endParaRPr kumimoji="0" lang="en-US"/>
           </a:p>
         </p:txBody>
       </p:sp>
@@ -5956,9 +3740,9 @@
           <a:lstStyle/>
           <a:p>
             <a:fld id="{B61BEF0D-F0BB-DE4B-95CE-6DB70DBA9567}" type="datetimeFigureOut">
-              <a:rPr lang="en-US" dirty="0"/>
+              <a:rPr lang="en-US" smtClean="0"/>
               <a:pPr/>
-              <a:t>2/15/2022</a:t>
+              <a:t>2/16/2022</a:t>
             </a:fld>
             <a:endParaRPr lang="en-US" dirty="0"/>
           </a:p>
@@ -5999,7 +3783,7 @@
           <a:lstStyle/>
           <a:p>
             <a:fld id="{D57F1E4F-1CFF-5643-939E-217C01CDF565}" type="slidenum">
-              <a:rPr lang="en-US" dirty="0"/>
+              <a:rPr lang="en-US" smtClean="0"/>
               <a:pPr/>
               <a:t>‹#›</a:t>
             </a:fld>
@@ -6008,11 +3792,6 @@
         </p:txBody>
       </p:sp>
     </p:spTree>
-    <p:extLst>
-      <p:ext uri="{BB962C8B-B14F-4D97-AF65-F5344CB8AC3E}">
-        <p14:creationId xmlns:p14="http://schemas.microsoft.com/office/powerpoint/2010/main" val="686223577"/>
-      </p:ext>
-    </p:extLst>
   </p:cSld>
   <p:clrMapOvr>
     <a:masterClrMapping/>
@@ -6053,9 +3832,9 @@
           <a:lstStyle/>
           <a:p>
             <a:fld id="{B61BEF0D-F0BB-DE4B-95CE-6DB70DBA9567}" type="datetimeFigureOut">
-              <a:rPr lang="en-US" dirty="0"/>
+              <a:rPr lang="en-US" smtClean="0"/>
               <a:pPr/>
-              <a:t>2/15/2022</a:t>
+              <a:t>2/16/2022</a:t>
             </a:fld>
             <a:endParaRPr lang="en-US" dirty="0"/>
           </a:p>
@@ -6096,7 +3875,7 @@
           <a:lstStyle/>
           <a:p>
             <a:fld id="{D57F1E4F-1CFF-5643-939E-217C01CDF565}" type="slidenum">
-              <a:rPr lang="en-US" dirty="0"/>
+              <a:rPr lang="en-US" smtClean="0"/>
               <a:pPr/>
               <a:t>‹#›</a:t>
             </a:fld>
@@ -6105,11 +3884,6 @@
         </p:txBody>
       </p:sp>
     </p:spTree>
-    <p:extLst>
-      <p:ext uri="{BB962C8B-B14F-4D97-AF65-F5344CB8AC3E}">
-        <p14:creationId xmlns:p14="http://schemas.microsoft.com/office/powerpoint/2010/main" val="373079197"/>
-      </p:ext>
-    </p:extLst>
   </p:cSld>
   <p:clrMapOvr>
     <a:masterClrMapping/>
@@ -6146,177 +3920,162 @@
         </p:nvSpPr>
         <p:spPr>
           <a:xfrm>
-            <a:off x="1141411" y="1600200"/>
-            <a:ext cx="3549121" cy="1371600"/>
+            <a:off x="914400" y="514352"/>
+            <a:ext cx="3657600" cy="1162050"/>
           </a:xfrm>
         </p:spPr>
         <p:txBody>
-          <a:bodyPr anchor="b">
-            <a:normAutofit/>
+          <a:bodyPr lIns="0" anchor="b">
+            <a:noAutofit/>
           </a:bodyPr>
           <a:lstStyle>
-            <a:lvl1pPr algn="l">
-              <a:defRPr sz="2400" b="0"/>
+            <a:lvl1pPr algn="l" rtl="0">
+              <a:spcBef>
+                <a:spcPct val="0"/>
+              </a:spcBef>
+              <a:buNone/>
+              <a:defRPr sz="2600" b="0">
+                <a:ln>
+                  <a:noFill/>
+                </a:ln>
+                <a:solidFill>
+                  <a:schemeClr val="tx2"/>
+                </a:solidFill>
+                <a:effectLst/>
+                <a:latin typeface="+mj-lt"/>
+                <a:ea typeface="+mj-ea"/>
+                <a:cs typeface="+mj-cs"/>
+              </a:defRPr>
             </a:lvl1pPr>
           </a:lstStyle>
           <a:p>
             <a:r>
-              <a:rPr lang="en-US" dirty="0"/>
+              <a:rPr kumimoji="0" lang="en-US" smtClean="0"/>
               <a:t>Click to edit Master title style</a:t>
             </a:r>
-          </a:p>
-        </p:txBody>
-      </p:sp>
-      <p:sp>
-        <p:nvSpPr>
-          <p:cNvPr id="3" name="Content Placeholder 2"/>
+            <a:endParaRPr kumimoji="0" lang="en-US"/>
+          </a:p>
+        </p:txBody>
+      </p:sp>
+      <p:sp>
+        <p:nvSpPr>
+          <p:cNvPr id="3" name="Text Placeholder 2"/>
           <p:cNvSpPr>
             <a:spLocks noGrp="1"/>
           </p:cNvSpPr>
           <p:nvPr>
-            <p:ph idx="1"/>
+            <p:ph type="body" idx="2"/>
           </p:nvPr>
         </p:nvSpPr>
         <p:spPr>
           <a:xfrm>
-            <a:off x="5103812" y="609601"/>
-            <a:ext cx="5943601" cy="5181600"/>
+            <a:off x="914400" y="1676400"/>
+            <a:ext cx="3657600" cy="4572000"/>
           </a:xfrm>
         </p:spPr>
         <p:txBody>
-          <a:bodyPr anchor="ctr">
-            <a:normAutofit/>
-          </a:bodyPr>
+          <a:bodyPr lIns="18288" rIns="18288"/>
           <a:lstStyle>
-            <a:lvl1pPr>
-              <a:defRPr sz="2000"/>
+            <a:lvl1pPr marL="0" indent="0" algn="l">
+              <a:buNone/>
+              <a:defRPr sz="1400"/>
             </a:lvl1pPr>
-            <a:lvl2pPr>
-              <a:defRPr sz="1800"/>
-            </a:lvl2pPr>
-            <a:lvl3pPr>
-              <a:defRPr sz="1600"/>
-            </a:lvl3pPr>
-            <a:lvl4pPr>
-              <a:defRPr sz="1400"/>
-            </a:lvl4pPr>
-            <a:lvl5pPr>
-              <a:defRPr sz="1400"/>
-            </a:lvl5pPr>
-            <a:lvl6pPr>
-              <a:defRPr sz="1400"/>
-            </a:lvl6pPr>
-            <a:lvl7pPr>
-              <a:defRPr sz="1400"/>
-            </a:lvl7pPr>
-            <a:lvl8pPr>
-              <a:defRPr sz="1400"/>
-            </a:lvl8pPr>
-            <a:lvl9pPr>
-              <a:defRPr sz="1400"/>
-            </a:lvl9pPr>
-          </a:lstStyle>
-          <a:p>
-            <a:pPr lvl="0"/>
-            <a:r>
-              <a:rPr lang="en-US" dirty="0"/>
-              <a:t>Click to edit Master text styles</a:t>
-            </a:r>
-          </a:p>
-          <a:p>
-            <a:pPr lvl="1"/>
-            <a:r>
-              <a:rPr lang="en-US" dirty="0"/>
-              <a:t>Second level</a:t>
-            </a:r>
-          </a:p>
-          <a:p>
-            <a:pPr lvl="2"/>
-            <a:r>
-              <a:rPr lang="en-US" dirty="0"/>
-              <a:t>Third level</a:t>
-            </a:r>
-          </a:p>
-          <a:p>
-            <a:pPr lvl="3"/>
-            <a:r>
-              <a:rPr lang="en-US" dirty="0"/>
-              <a:t>Fourth level</a:t>
-            </a:r>
-          </a:p>
-          <a:p>
-            <a:pPr lvl="4"/>
-            <a:r>
-              <a:rPr lang="en-US" dirty="0"/>
-              <a:t>Fifth level</a:t>
-            </a:r>
-          </a:p>
-        </p:txBody>
-      </p:sp>
-      <p:sp>
-        <p:nvSpPr>
-          <p:cNvPr id="4" name="Text Placeholder 3"/>
-          <p:cNvSpPr>
-            <a:spLocks noGrp="1"/>
-          </p:cNvSpPr>
-          <p:nvPr>
-            <p:ph type="body" sz="half" idx="2"/>
-          </p:nvPr>
-        </p:nvSpPr>
-        <p:spPr>
-          <a:xfrm>
-            <a:off x="1141411" y="2971800"/>
-            <a:ext cx="3549121" cy="1828800"/>
-          </a:xfrm>
-        </p:spPr>
-        <p:txBody>
-          <a:bodyPr>
-            <a:normAutofit/>
-          </a:bodyPr>
-          <a:lstStyle>
-            <a:lvl1pPr marL="0" indent="0">
-              <a:buNone/>
-              <a:defRPr sz="1600"/>
-            </a:lvl1pPr>
-            <a:lvl2pPr marL="457200" indent="0">
+            <a:lvl2pPr indent="0" algn="l">
               <a:buNone/>
               <a:defRPr sz="1200"/>
             </a:lvl2pPr>
-            <a:lvl3pPr marL="914400" indent="0">
+            <a:lvl3pPr indent="0" algn="l">
               <a:buNone/>
               <a:defRPr sz="1000"/>
             </a:lvl3pPr>
-            <a:lvl4pPr marL="1371600" indent="0">
+            <a:lvl4pPr indent="0" algn="l">
               <a:buNone/>
               <a:defRPr sz="900"/>
             </a:lvl4pPr>
-            <a:lvl5pPr marL="1828800" indent="0">
+            <a:lvl5pPr indent="0" algn="l">
               <a:buNone/>
               <a:defRPr sz="900"/>
             </a:lvl5pPr>
-            <a:lvl6pPr marL="2286000" indent="0">
-              <a:buNone/>
-              <a:defRPr sz="900"/>
-            </a:lvl6pPr>
-            <a:lvl7pPr marL="2743200" indent="0">
-              <a:buNone/>
-              <a:defRPr sz="900"/>
-            </a:lvl7pPr>
-            <a:lvl8pPr marL="3200400" indent="0">
-              <a:buNone/>
-              <a:defRPr sz="900"/>
-            </a:lvl8pPr>
-            <a:lvl9pPr marL="3657600" indent="0">
-              <a:buNone/>
-              <a:defRPr sz="900"/>
-            </a:lvl9pPr>
           </a:lstStyle>
           <a:p>
-            <a:pPr lvl="0"/>
-            <a:r>
-              <a:rPr lang="en-US" dirty="0"/>
+            <a:pPr lvl="0" eaLnBrk="1" latinLnBrk="0" hangingPunct="1"/>
+            <a:r>
+              <a:rPr kumimoji="0" lang="en-US" smtClean="0"/>
               <a:t>Click to edit Master text styles</a:t>
             </a:r>
+          </a:p>
+        </p:txBody>
+      </p:sp>
+      <p:sp>
+        <p:nvSpPr>
+          <p:cNvPr id="4" name="Content Placeholder 3"/>
+          <p:cNvSpPr>
+            <a:spLocks noGrp="1"/>
+          </p:cNvSpPr>
+          <p:nvPr>
+            <p:ph sz="half" idx="1"/>
+          </p:nvPr>
+        </p:nvSpPr>
+        <p:spPr>
+          <a:xfrm>
+            <a:off x="4766733" y="1676400"/>
+            <a:ext cx="6815667" cy="4572000"/>
+          </a:xfrm>
+        </p:spPr>
+        <p:txBody>
+          <a:bodyPr tIns="0"/>
+          <a:lstStyle>
+            <a:lvl1pPr>
+              <a:defRPr sz="2800"/>
+            </a:lvl1pPr>
+            <a:lvl2pPr>
+              <a:defRPr sz="2600"/>
+            </a:lvl2pPr>
+            <a:lvl3pPr>
+              <a:defRPr sz="2400"/>
+            </a:lvl3pPr>
+            <a:lvl4pPr>
+              <a:defRPr sz="2000"/>
+            </a:lvl4pPr>
+            <a:lvl5pPr>
+              <a:defRPr sz="1800"/>
+            </a:lvl5pPr>
+          </a:lstStyle>
+          <a:p>
+            <a:pPr lvl="0" eaLnBrk="1" latinLnBrk="0" hangingPunct="1"/>
+            <a:r>
+              <a:rPr lang="en-US" smtClean="0"/>
+              <a:t>Click to edit Master text styles</a:t>
+            </a:r>
+          </a:p>
+          <a:p>
+            <a:pPr lvl="1" eaLnBrk="1" latinLnBrk="0" hangingPunct="1"/>
+            <a:r>
+              <a:rPr lang="en-US" smtClean="0"/>
+              <a:t>Second level</a:t>
+            </a:r>
+          </a:p>
+          <a:p>
+            <a:pPr lvl="2" eaLnBrk="1" latinLnBrk="0" hangingPunct="1"/>
+            <a:r>
+              <a:rPr lang="en-US" smtClean="0"/>
+              <a:t>Third level</a:t>
+            </a:r>
+          </a:p>
+          <a:p>
+            <a:pPr lvl="3" eaLnBrk="1" latinLnBrk="0" hangingPunct="1"/>
+            <a:r>
+              <a:rPr lang="en-US" smtClean="0"/>
+              <a:t>Fourth level</a:t>
+            </a:r>
+          </a:p>
+          <a:p>
+            <a:pPr lvl="4" eaLnBrk="1" latinLnBrk="0" hangingPunct="1"/>
+            <a:r>
+              <a:rPr lang="en-US" smtClean="0"/>
+              <a:t>Fifth level</a:t>
+            </a:r>
+            <a:endParaRPr kumimoji="0" lang="en-US"/>
           </a:p>
         </p:txBody>
       </p:sp>
@@ -6336,9 +4095,9 @@
           <a:lstStyle/>
           <a:p>
             <a:fld id="{B61BEF0D-F0BB-DE4B-95CE-6DB70DBA9567}" type="datetimeFigureOut">
-              <a:rPr lang="en-US" dirty="0"/>
+              <a:rPr lang="en-US" smtClean="0"/>
               <a:pPr/>
-              <a:t>2/15/2022</a:t>
+              <a:t>2/16/2022</a:t>
             </a:fld>
             <a:endParaRPr lang="en-US" dirty="0"/>
           </a:p>
@@ -6379,7 +4138,7 @@
           <a:lstStyle/>
           <a:p>
             <a:fld id="{D57F1E4F-1CFF-5643-939E-217C01CDF565}" type="slidenum">
-              <a:rPr lang="en-US" dirty="0"/>
+              <a:rPr lang="en-US" smtClean="0"/>
               <a:pPr/>
               <a:t>‹#›</a:t>
             </a:fld>
@@ -6388,11 +4147,6 @@
         </p:txBody>
       </p:sp>
     </p:spTree>
-    <p:extLst>
-      <p:ext uri="{BB962C8B-B14F-4D97-AF65-F5344CB8AC3E}">
-        <p14:creationId xmlns:p14="http://schemas.microsoft.com/office/powerpoint/2010/main" val="996967388"/>
-      </p:ext>
-    </p:extLst>
   </p:cSld>
   <p:clrMapOvr>
     <a:masterClrMapping/>
@@ -6401,7 +4155,7 @@
 </file>
 
 <file path=ppt/slideLayouts/slideLayout9.xml><?xml version="1.0" encoding="utf-8"?>
-<p:sldLayout xmlns:a="http://schemas.openxmlformats.org/drawingml/2006/main" xmlns:r="http://schemas.openxmlformats.org/officeDocument/2006/relationships" xmlns:p="http://schemas.openxmlformats.org/presentationml/2006/main" type="picTx" preserve="1">
+<p:sldLayout xmlns:a="http://schemas.openxmlformats.org/drawingml/2006/main" xmlns:r="http://schemas.openxmlformats.org/officeDocument/2006/relationships" xmlns:p="http://schemas.openxmlformats.org/presentationml/2006/main" showMasterSp="0" type="picTx" preserve="1">
   <p:cSld name="Picture with Caption">
     <p:spTree>
       <p:nvGrpSpPr>
@@ -6419,6 +4173,118 @@
       </p:grpSpPr>
       <p:sp>
         <p:nvSpPr>
+          <p:cNvPr id="9" name="Snip and Round Single Corner Rectangle 8"/>
+          <p:cNvSpPr/>
+          <p:nvPr/>
+        </p:nvSpPr>
+        <p:spPr>
+          <a:xfrm rot="420000" flipV="1">
+            <a:off x="4221004" y="1108077"/>
+            <a:ext cx="7010400" cy="4114800"/>
+          </a:xfrm>
+          <a:prstGeom prst="snipRoundRect">
+            <a:avLst>
+              <a:gd name="adj1" fmla="val 0"/>
+              <a:gd name="adj2" fmla="val 3646"/>
+            </a:avLst>
+          </a:prstGeom>
+          <a:solidFill>
+            <a:srgbClr val="FFFFFF"/>
+          </a:solidFill>
+          <a:ln w="3175" cap="rnd" cmpd="sng" algn="ctr">
+            <a:solidFill>
+              <a:srgbClr val="C0C0C0"/>
+            </a:solidFill>
+            <a:prstDash val="solid"/>
+          </a:ln>
+          <a:effectLst>
+            <a:outerShdw blurRad="63500" dist="38500" dir="7500000" sx="98500" sy="100080" kx="100000" algn="tl" rotWithShape="0">
+              <a:srgbClr val="000000">
+                <a:alpha val="25000"/>
+              </a:srgbClr>
+            </a:outerShdw>
+          </a:effectLst>
+        </p:spPr>
+        <p:style>
+          <a:lnRef idx="2">
+            <a:schemeClr val="accent1"/>
+          </a:lnRef>
+          <a:fillRef idx="1">
+            <a:schemeClr val="accent1"/>
+          </a:fillRef>
+          <a:effectRef idx="0">
+            <a:schemeClr val="accent1"/>
+          </a:effectRef>
+          <a:fontRef idx="minor">
+            <a:schemeClr val="lt1"/>
+          </a:fontRef>
+        </p:style>
+        <p:txBody>
+          <a:bodyPr rtlCol="0" anchor="ctr"/>
+          <a:lstStyle/>
+          <a:p>
+            <a:pPr algn="ctr" eaLnBrk="1" latinLnBrk="0" hangingPunct="1"/>
+            <a:endParaRPr kumimoji="0" lang="en-US"/>
+          </a:p>
+        </p:txBody>
+      </p:sp>
+      <p:sp>
+        <p:nvSpPr>
+          <p:cNvPr id="12" name="Right Triangle 11"/>
+          <p:cNvSpPr/>
+          <p:nvPr/>
+        </p:nvSpPr>
+        <p:spPr>
+          <a:xfrm rot="420000" flipV="1">
+            <a:off x="10672179" y="5359769"/>
+            <a:ext cx="207264" cy="155448"/>
+          </a:xfrm>
+          <a:prstGeom prst="rtTriangle">
+            <a:avLst/>
+          </a:prstGeom>
+          <a:solidFill>
+            <a:srgbClr val="FFFFFF"/>
+          </a:solidFill>
+          <a:ln w="12700" cap="flat" cmpd="sng" algn="ctr">
+            <a:solidFill>
+              <a:srgbClr val="FFFFFF"/>
+            </a:solidFill>
+            <a:prstDash val="solid"/>
+            <a:bevel/>
+          </a:ln>
+          <a:effectLst>
+            <a:outerShdw blurRad="19685" dist="6350" dir="12900000" algn="tl" rotWithShape="0">
+              <a:srgbClr val="000000">
+                <a:alpha val="47000"/>
+              </a:srgbClr>
+            </a:outerShdw>
+          </a:effectLst>
+        </p:spPr>
+        <p:style>
+          <a:lnRef idx="2">
+            <a:schemeClr val="accent1"/>
+          </a:lnRef>
+          <a:fillRef idx="1">
+            <a:schemeClr val="accent1"/>
+          </a:fillRef>
+          <a:effectRef idx="0">
+            <a:schemeClr val="accent1"/>
+          </a:effectRef>
+          <a:fontRef idx="minor">
+            <a:schemeClr val="lt1"/>
+          </a:fontRef>
+        </p:style>
+        <p:txBody>
+          <a:bodyPr rtlCol="0" anchor="ctr"/>
+          <a:lstStyle/>
+          <a:p>
+            <a:pPr algn="ctr" eaLnBrk="1" latinLnBrk="0" hangingPunct="1"/>
+            <a:endParaRPr kumimoji="0" lang="en-US"/>
+          </a:p>
+        </p:txBody>
+      </p:sp>
+      <p:sp>
+        <p:nvSpPr>
           <p:cNvPr id="2" name="Title 1"/>
           <p:cNvSpPr>
             <a:spLocks noGrp="1"/>
@@ -6429,110 +4295,28 @@
         </p:nvSpPr>
         <p:spPr>
           <a:xfrm>
-            <a:off x="1141411" y="1600200"/>
-            <a:ext cx="5334001" cy="1371600"/>
+            <a:off x="812800" y="1176997"/>
+            <a:ext cx="2950464" cy="1582621"/>
           </a:xfrm>
         </p:spPr>
         <p:txBody>
-          <a:bodyPr anchor="b">
-            <a:normAutofit/>
-          </a:bodyPr>
+          <a:bodyPr vert="horz" lIns="45720" tIns="45720" rIns="45720" bIns="45720" anchor="b"/>
           <a:lstStyle>
             <a:lvl1pPr algn="l">
-              <a:defRPr sz="2800" b="0"/>
+              <a:buNone/>
+              <a:defRPr sz="2000" b="1">
+                <a:solidFill>
+                  <a:schemeClr val="tx2"/>
+                </a:solidFill>
+              </a:defRPr>
             </a:lvl1pPr>
           </a:lstStyle>
           <a:p>
             <a:r>
-              <a:rPr lang="en-US" dirty="0"/>
+              <a:rPr kumimoji="0" lang="en-US" smtClean="0"/>
               <a:t>Click to edit Master title style</a:t>
             </a:r>
-          </a:p>
-        </p:txBody>
-      </p:sp>
-      <p:sp>
-        <p:nvSpPr>
-          <p:cNvPr id="14" name="Picture Placeholder 2"/>
-          <p:cNvSpPr>
-            <a:spLocks noGrp="1" noChangeAspect="1"/>
-          </p:cNvSpPr>
-          <p:nvPr>
-            <p:ph type="pic" idx="1"/>
-          </p:nvPr>
-        </p:nvSpPr>
-        <p:spPr>
-          <a:xfrm>
-            <a:off x="7433733" y="-18288"/>
-            <a:ext cx="3276599" cy="6903720"/>
-          </a:xfrm>
-          <a:ln w="38100">
-            <a:gradFill flip="none" rotWithShape="1">
-              <a:gsLst>
-                <a:gs pos="0">
-                  <a:schemeClr val="bg2"/>
-                </a:gs>
-                <a:gs pos="100000">
-                  <a:schemeClr val="bg2">
-                    <a:lumMod val="75000"/>
-                  </a:schemeClr>
-                </a:gs>
-              </a:gsLst>
-              <a:lin ang="5400000" scaled="0"/>
-              <a:tileRect/>
-            </a:gradFill>
-          </a:ln>
-          <a:effectLst>
-            <a:innerShdw blurRad="57150" dist="38100" dir="10800000">
-              <a:srgbClr val="000000">
-                <a:alpha val="70000"/>
-              </a:srgbClr>
-            </a:innerShdw>
-          </a:effectLst>
-        </p:spPr>
-        <p:txBody>
-          <a:bodyPr anchor="t">
-            <a:normAutofit/>
-          </a:bodyPr>
-          <a:lstStyle>
-            <a:lvl1pPr marL="0" indent="0" algn="ctr">
-              <a:buNone/>
-              <a:defRPr sz="1600"/>
-            </a:lvl1pPr>
-            <a:lvl2pPr marL="457200" indent="0">
-              <a:buNone/>
-              <a:defRPr sz="1600"/>
-            </a:lvl2pPr>
-            <a:lvl3pPr marL="914400" indent="0">
-              <a:buNone/>
-              <a:defRPr sz="1600"/>
-            </a:lvl3pPr>
-            <a:lvl4pPr marL="1371600" indent="0">
-              <a:buNone/>
-              <a:defRPr sz="1600"/>
-            </a:lvl4pPr>
-            <a:lvl5pPr marL="1828800" indent="0">
-              <a:buNone/>
-              <a:defRPr sz="1600"/>
-            </a:lvl5pPr>
-            <a:lvl6pPr marL="2286000" indent="0">
-              <a:buNone/>
-              <a:defRPr sz="1600"/>
-            </a:lvl6pPr>
-            <a:lvl7pPr marL="2743200" indent="0">
-              <a:buNone/>
-              <a:defRPr sz="1600"/>
-            </a:lvl7pPr>
-            <a:lvl8pPr marL="3200400" indent="0">
-              <a:buNone/>
-              <a:defRPr sz="1600"/>
-            </a:lvl8pPr>
-            <a:lvl9pPr marL="3657600" indent="0">
-              <a:buNone/>
-              <a:defRPr sz="1600"/>
-            </a:lvl9pPr>
-          </a:lstStyle>
-          <a:p>
-            <a:endParaRPr lang="en-US" dirty="0"/>
+            <a:endParaRPr kumimoji="0" lang="en-US"/>
           </a:p>
         </p:txBody>
       </p:sp>
@@ -6548,56 +4332,38 @@
         </p:nvSpPr>
         <p:spPr>
           <a:xfrm>
-            <a:off x="1141411" y="2971800"/>
-            <a:ext cx="5334001" cy="1828800"/>
+            <a:off x="812800" y="2828785"/>
+            <a:ext cx="2946400" cy="2179320"/>
           </a:xfrm>
         </p:spPr>
         <p:txBody>
-          <a:bodyPr>
-            <a:normAutofit/>
-          </a:bodyPr>
+          <a:bodyPr lIns="64008" rIns="45720" bIns="45720" anchor="t"/>
           <a:lstStyle>
-            <a:lvl1pPr marL="0" indent="0">
+            <a:lvl1pPr marL="0" indent="0" algn="l">
+              <a:spcBef>
+                <a:spcPts val="250"/>
+              </a:spcBef>
+              <a:buFontTx/>
               <a:buNone/>
-              <a:defRPr sz="1800"/>
+              <a:defRPr sz="1300"/>
             </a:lvl1pPr>
-            <a:lvl2pPr marL="457200" indent="0">
-              <a:buNone/>
+            <a:lvl2pPr>
               <a:defRPr sz="1200"/>
             </a:lvl2pPr>
-            <a:lvl3pPr marL="914400" indent="0">
-              <a:buNone/>
+            <a:lvl3pPr>
               <a:defRPr sz="1000"/>
             </a:lvl3pPr>
-            <a:lvl4pPr marL="1371600" indent="0">
-              <a:buNone/>
+            <a:lvl4pPr>
               <a:defRPr sz="900"/>
             </a:lvl4pPr>
-            <a:lvl5pPr marL="1828800" indent="0">
-              <a:buNone/>
+            <a:lvl5pPr>
               <a:defRPr sz="900"/>
             </a:lvl5pPr>
-            <a:lvl6pPr marL="2286000" indent="0">
-              <a:buNone/>
-              <a:defRPr sz="900"/>
-            </a:lvl6pPr>
-            <a:lvl7pPr marL="2743200" indent="0">
-              <a:buNone/>
-              <a:defRPr sz="900"/>
-            </a:lvl7pPr>
-            <a:lvl8pPr marL="3200400" indent="0">
-              <a:buNone/>
-              <a:defRPr sz="900"/>
-            </a:lvl8pPr>
-            <a:lvl9pPr marL="3657600" indent="0">
-              <a:buNone/>
-              <a:defRPr sz="900"/>
-            </a:lvl9pPr>
           </a:lstStyle>
           <a:p>
-            <a:pPr lvl="0"/>
-            <a:r>
-              <a:rPr lang="en-US" dirty="0"/>
+            <a:pPr lvl="0" eaLnBrk="1" latinLnBrk="0" hangingPunct="1"/>
+            <a:r>
+              <a:rPr kumimoji="0" lang="en-US" smtClean="0"/>
               <a:t>Click to edit Master text styles</a:t>
             </a:r>
           </a:p>
@@ -6613,20 +4379,15 @@
             <p:ph type="dt" sz="half" idx="10"/>
           </p:nvPr>
         </p:nvSpPr>
-        <p:spPr>
-          <a:xfrm>
-            <a:off x="6399212" y="5883275"/>
-            <a:ext cx="914400" cy="365125"/>
-          </a:xfrm>
-        </p:spPr>
+        <p:spPr/>
         <p:txBody>
           <a:bodyPr/>
           <a:lstStyle/>
           <a:p>
             <a:fld id="{B61BEF0D-F0BB-DE4B-95CE-6DB70DBA9567}" type="datetimeFigureOut">
-              <a:rPr lang="en-US" dirty="0"/>
+              <a:rPr lang="en-US" smtClean="0"/>
               <a:pPr/>
-              <a:t>2/15/2022</a:t>
+              <a:t>2/16/2022</a:t>
             </a:fld>
             <a:endParaRPr lang="en-US" dirty="0"/>
           </a:p>
@@ -6642,12 +4403,7 @@
             <p:ph type="ftr" sz="quarter" idx="11"/>
           </p:nvPr>
         </p:nvSpPr>
-        <p:spPr>
-          <a:xfrm>
-            <a:off x="1141412" y="5883275"/>
-            <a:ext cx="5105400" cy="365125"/>
-          </a:xfrm>
-        </p:spPr>
+        <p:spPr/>
         <p:txBody>
           <a:bodyPr/>
           <a:lstStyle/>
@@ -6668,8 +4424,8 @@
         </p:nvSpPr>
         <p:spPr>
           <a:xfrm>
-            <a:off x="10742612" y="5883275"/>
-            <a:ext cx="322567" cy="365125"/>
+            <a:off x="10769600" y="6356351"/>
+            <a:ext cx="812800" cy="365125"/>
           </a:xfrm>
         </p:spPr>
         <p:txBody>
@@ -6677,7 +4433,7 @@
           <a:lstStyle/>
           <a:p>
             <a:fld id="{D57F1E4F-1CFF-5643-939E-217C01CDF565}" type="slidenum">
-              <a:rPr lang="en-US" dirty="0"/>
+              <a:rPr lang="en-US" smtClean="0"/>
               <a:pPr/>
               <a:t>‹#›</a:t>
             </a:fld>
@@ -6685,12 +4441,309 @@
           </a:p>
         </p:txBody>
       </p:sp>
+      <p:sp>
+        <p:nvSpPr>
+          <p:cNvPr id="3" name="Picture Placeholder 2"/>
+          <p:cNvSpPr>
+            <a:spLocks noGrp="1"/>
+          </p:cNvSpPr>
+          <p:nvPr>
+            <p:ph type="pic" idx="1"/>
+          </p:nvPr>
+        </p:nvSpPr>
+        <p:spPr>
+          <a:xfrm rot="420000">
+            <a:off x="4647724" y="1199517"/>
+            <a:ext cx="6156960" cy="3931920"/>
+          </a:xfrm>
+          <a:prstGeom prst="rect">
+            <a:avLst/>
+          </a:prstGeom>
+          <a:solidFill>
+            <a:schemeClr val="bg2"/>
+          </a:solidFill>
+          <a:ln w="3000" cap="rnd">
+            <a:solidFill>
+              <a:srgbClr val="C0C0C0"/>
+            </a:solidFill>
+            <a:round/>
+          </a:ln>
+          <a:effectLst/>
+        </p:spPr>
+        <p:txBody>
+          <a:bodyPr/>
+          <a:lstStyle>
+            <a:lvl1pPr marL="0" indent="0">
+              <a:buNone/>
+              <a:defRPr sz="3200"/>
+            </a:lvl1pPr>
+          </a:lstStyle>
+          <a:p>
+            <a:r>
+              <a:rPr kumimoji="0" lang="en-US" smtClean="0"/>
+              <a:t>Click icon to add picture</a:t>
+            </a:r>
+            <a:endParaRPr kumimoji="0" lang="en-US" dirty="0"/>
+          </a:p>
+        </p:txBody>
+      </p:sp>
+      <p:sp>
+        <p:nvSpPr>
+          <p:cNvPr id="10" name="Freeform 9"/>
+          <p:cNvSpPr>
+            <a:spLocks/>
+          </p:cNvSpPr>
+          <p:nvPr/>
+        </p:nvSpPr>
+        <p:spPr bwMode="auto">
+          <a:xfrm flipV="1">
+            <a:off x="-12700" y="5816600"/>
+            <a:ext cx="12217400" cy="1041400"/>
+          </a:xfrm>
+          <a:custGeom>
+            <a:avLst>
+              <a:gd name="A1" fmla="val 0"/>
+              <a:gd name="A2" fmla="val 0"/>
+              <a:gd name="A3" fmla="val 0"/>
+              <a:gd name="A4" fmla="val 0"/>
+              <a:gd name="A5" fmla="val 0"/>
+              <a:gd name="A6" fmla="val 0"/>
+              <a:gd name="A7" fmla="val 0"/>
+              <a:gd name="A8" fmla="val 0"/>
+            </a:avLst>
+            <a:gdLst/>
+            <a:ahLst/>
+            <a:cxnLst>
+              <a:cxn ang="0">
+                <a:pos x="6" y="2"/>
+              </a:cxn>
+              <a:cxn ang="0">
+                <a:pos x="2542" y="0"/>
+              </a:cxn>
+              <a:cxn ang="0">
+                <a:pos x="4374" y="367"/>
+              </a:cxn>
+              <a:cxn ang="0">
+                <a:pos x="5766" y="55"/>
+              </a:cxn>
+              <a:cxn ang="0">
+                <a:pos x="5772" y="213"/>
+              </a:cxn>
+              <a:cxn ang="0">
+                <a:pos x="4302" y="439"/>
+              </a:cxn>
+              <a:cxn ang="0">
+                <a:pos x="1488" y="201"/>
+              </a:cxn>
+              <a:cxn ang="0">
+                <a:pos x="0" y="656"/>
+              </a:cxn>
+              <a:cxn ang="0">
+                <a:pos x="6" y="2"/>
+              </a:cxn>
+            </a:cxnLst>
+            <a:rect l="0" t="0" r="0" b="0"/>
+            <a:pathLst>
+              <a:path w="5772" h="656">
+                <a:moveTo>
+                  <a:pt x="6" y="2"/>
+                </a:moveTo>
+                <a:lnTo>
+                  <a:pt x="2542" y="0"/>
+                </a:lnTo>
+                <a:cubicBezTo>
+                  <a:pt x="2746" y="101"/>
+                  <a:pt x="3828" y="367"/>
+                  <a:pt x="4374" y="367"/>
+                </a:cubicBezTo>
+                <a:cubicBezTo>
+                  <a:pt x="4920" y="367"/>
+                  <a:pt x="5526" y="152"/>
+                  <a:pt x="5766" y="55"/>
+                </a:cubicBezTo>
+                <a:lnTo>
+                  <a:pt x="5772" y="213"/>
+                </a:lnTo>
+                <a:cubicBezTo>
+                  <a:pt x="5670" y="257"/>
+                  <a:pt x="5016" y="441"/>
+                  <a:pt x="4302" y="439"/>
+                </a:cubicBezTo>
+                <a:cubicBezTo>
+                  <a:pt x="3588" y="437"/>
+                  <a:pt x="2205" y="165"/>
+                  <a:pt x="1488" y="201"/>
+                </a:cubicBezTo>
+                <a:cubicBezTo>
+                  <a:pt x="750" y="209"/>
+                  <a:pt x="270" y="482"/>
+                  <a:pt x="0" y="656"/>
+                </a:cubicBezTo>
+                <a:lnTo>
+                  <a:pt x="6" y="2"/>
+                </a:lnTo>
+                <a:close/>
+              </a:path>
+            </a:pathLst>
+          </a:custGeom>
+          <a:gradFill>
+            <a:gsLst>
+              <a:gs pos="0">
+                <a:schemeClr val="accent2">
+                  <a:shade val="50000"/>
+                  <a:alpha val="45000"/>
+                  <a:satMod val="120000"/>
+                </a:schemeClr>
+              </a:gs>
+              <a:gs pos="100000">
+                <a:schemeClr val="accent3">
+                  <a:shade val="80000"/>
+                  <a:alpha val="55000"/>
+                  <a:satMod val="155000"/>
+                </a:schemeClr>
+              </a:gs>
+            </a:gsLst>
+            <a:lin ang="5400000" scaled="1"/>
+          </a:gradFill>
+          <a:ln w="9525" cap="flat" cmpd="sng" algn="ctr">
+            <a:noFill/>
+            <a:prstDash val="solid"/>
+            <a:round/>
+            <a:headEnd type="none" w="med" len="med"/>
+            <a:tailEnd type="none" w="med" len="med"/>
+          </a:ln>
+          <a:effectLst/>
+        </p:spPr>
+        <p:txBody>
+          <a:bodyPr vert="horz" wrap="square" lIns="91440" tIns="45720" rIns="91440" bIns="45720" anchor="t" compatLnSpc="1"/>
+          <a:lstStyle/>
+          <a:p>
+            <a:pPr marL="0" algn="l" rtl="0" eaLnBrk="1" latinLnBrk="0" hangingPunct="1"/>
+            <a:endParaRPr kumimoji="0" lang="en-US">
+              <a:solidFill>
+                <a:schemeClr val="tx1"/>
+              </a:solidFill>
+              <a:latin typeface="+mn-lt"/>
+              <a:ea typeface="+mn-ea"/>
+              <a:cs typeface="+mn-cs"/>
+            </a:endParaRPr>
+          </a:p>
+        </p:txBody>
+      </p:sp>
+      <p:sp>
+        <p:nvSpPr>
+          <p:cNvPr id="11" name="Freeform 10"/>
+          <p:cNvSpPr>
+            <a:spLocks/>
+          </p:cNvSpPr>
+          <p:nvPr/>
+        </p:nvSpPr>
+        <p:spPr bwMode="auto">
+          <a:xfrm flipV="1">
+            <a:off x="5842000" y="6219826"/>
+            <a:ext cx="6350000" cy="638175"/>
+          </a:xfrm>
+          <a:custGeom>
+            <a:avLst>
+              <a:gd name="A1" fmla="val 0"/>
+              <a:gd name="A2" fmla="val 0"/>
+              <a:gd name="A3" fmla="val 0"/>
+              <a:gd name="A4" fmla="val 0"/>
+              <a:gd name="A5" fmla="val 0"/>
+              <a:gd name="A6" fmla="val 0"/>
+              <a:gd name="A7" fmla="val 0"/>
+              <a:gd name="A8" fmla="val 0"/>
+            </a:avLst>
+            <a:gdLst/>
+            <a:ahLst/>
+            <a:cxnLst>
+              <a:cxn ang="0">
+                <a:pos x="0" y="0"/>
+              </a:cxn>
+              <a:cxn ang="0">
+                <a:pos x="1668" y="564"/>
+              </a:cxn>
+              <a:cxn ang="0">
+                <a:pos x="3000" y="186"/>
+              </a:cxn>
+              <a:cxn ang="0">
+                <a:pos x="3000" y="6"/>
+              </a:cxn>
+              <a:cxn ang="0">
+                <a:pos x="0" y="0"/>
+              </a:cxn>
+            </a:cxnLst>
+            <a:rect l="0" t="0" r="0" b="0"/>
+            <a:pathLst>
+              <a:path w="3000" h="595">
+                <a:moveTo>
+                  <a:pt x="0" y="0"/>
+                </a:moveTo>
+                <a:cubicBezTo>
+                  <a:pt x="174" y="102"/>
+                  <a:pt x="1168" y="533"/>
+                  <a:pt x="1668" y="564"/>
+                </a:cubicBezTo>
+                <a:cubicBezTo>
+                  <a:pt x="2168" y="595"/>
+                  <a:pt x="2778" y="279"/>
+                  <a:pt x="3000" y="186"/>
+                </a:cubicBezTo>
+                <a:lnTo>
+                  <a:pt x="3000" y="6"/>
+                </a:lnTo>
+                <a:lnTo>
+                  <a:pt x="0" y="0"/>
+                </a:lnTo>
+                <a:close/>
+              </a:path>
+            </a:pathLst>
+          </a:custGeom>
+          <a:gradFill>
+            <a:gsLst>
+              <a:gs pos="0">
+                <a:schemeClr val="accent3">
+                  <a:shade val="50000"/>
+                  <a:alpha val="30000"/>
+                  <a:satMod val="130000"/>
+                </a:schemeClr>
+              </a:gs>
+              <a:gs pos="80000">
+                <a:schemeClr val="accent2">
+                  <a:shade val="75000"/>
+                  <a:alpha val="45000"/>
+                  <a:satMod val="140000"/>
+                </a:schemeClr>
+              </a:gs>
+            </a:gsLst>
+            <a:lin ang="5400000" scaled="1"/>
+          </a:gradFill>
+          <a:ln w="9525" cap="flat" cmpd="sng" algn="ctr">
+            <a:noFill/>
+            <a:prstDash val="solid"/>
+            <a:round/>
+            <a:headEnd type="none" w="med" len="med"/>
+            <a:tailEnd type="none" w="med" len="med"/>
+          </a:ln>
+          <a:effectLst/>
+        </p:spPr>
+        <p:txBody>
+          <a:bodyPr vert="horz" wrap="square" lIns="91440" tIns="45720" rIns="91440" bIns="45720" anchor="t" compatLnSpc="1"/>
+          <a:lstStyle/>
+          <a:p>
+            <a:pPr marL="0" algn="l" rtl="0" eaLnBrk="1" latinLnBrk="0" hangingPunct="1"/>
+            <a:endParaRPr kumimoji="0" lang="en-US">
+              <a:solidFill>
+                <a:schemeClr val="tx1"/>
+              </a:solidFill>
+              <a:latin typeface="+mn-lt"/>
+              <a:ea typeface="+mn-ea"/>
+              <a:cs typeface="+mn-cs"/>
+            </a:endParaRPr>
+          </a:p>
+        </p:txBody>
+      </p:sp>
     </p:spTree>
-    <p:extLst>
-      <p:ext uri="{BB962C8B-B14F-4D97-AF65-F5344CB8AC3E}">
-        <p14:creationId xmlns:p14="http://schemas.microsoft.com/office/powerpoint/2010/main" val="1074024821"/>
-      </p:ext>
-    </p:extLst>
   </p:cSld>
   <p:clrMapOvr>
     <a:masterClrMapping/>
@@ -6703,7 +4756,7 @@
   <p:cSld>
     <p:bg>
       <p:bgRef idx="1003">
-        <a:schemeClr val="bg2"/>
+        <a:schemeClr val="bg1"/>
       </p:bgRef>
     </p:bg>
     <p:spTree>
@@ -6722,7 +4775,263 @@
       </p:grpSpPr>
       <p:sp>
         <p:nvSpPr>
-          <p:cNvPr id="2" name="Title Placeholder 1"/>
+          <p:cNvPr id="7" name="Freeform 6"/>
+          <p:cNvSpPr>
+            <a:spLocks/>
+          </p:cNvSpPr>
+          <p:nvPr/>
+        </p:nvSpPr>
+        <p:spPr bwMode="auto">
+          <a:xfrm>
+            <a:off x="-12700" y="-7144"/>
+            <a:ext cx="12217400" cy="1041400"/>
+          </a:xfrm>
+          <a:custGeom>
+            <a:avLst>
+              <a:gd name="A1" fmla="val 0"/>
+              <a:gd name="A2" fmla="val 0"/>
+              <a:gd name="A3" fmla="val 0"/>
+              <a:gd name="A4" fmla="val 0"/>
+              <a:gd name="A5" fmla="val 0"/>
+              <a:gd name="A6" fmla="val 0"/>
+              <a:gd name="A7" fmla="val 0"/>
+              <a:gd name="A8" fmla="val 0"/>
+            </a:avLst>
+            <a:gdLst/>
+            <a:ahLst/>
+            <a:cxnLst>
+              <a:cxn ang="0">
+                <a:pos x="6" y="2"/>
+              </a:cxn>
+              <a:cxn ang="0">
+                <a:pos x="2542" y="0"/>
+              </a:cxn>
+              <a:cxn ang="0">
+                <a:pos x="4374" y="367"/>
+              </a:cxn>
+              <a:cxn ang="0">
+                <a:pos x="5766" y="55"/>
+              </a:cxn>
+              <a:cxn ang="0">
+                <a:pos x="5772" y="213"/>
+              </a:cxn>
+              <a:cxn ang="0">
+                <a:pos x="4302" y="439"/>
+              </a:cxn>
+              <a:cxn ang="0">
+                <a:pos x="1488" y="201"/>
+              </a:cxn>
+              <a:cxn ang="0">
+                <a:pos x="0" y="656"/>
+              </a:cxn>
+              <a:cxn ang="0">
+                <a:pos x="6" y="2"/>
+              </a:cxn>
+            </a:cxnLst>
+            <a:rect l="0" t="0" r="0" b="0"/>
+            <a:pathLst>
+              <a:path w="5772" h="656">
+                <a:moveTo>
+                  <a:pt x="6" y="2"/>
+                </a:moveTo>
+                <a:lnTo>
+                  <a:pt x="2542" y="0"/>
+                </a:lnTo>
+                <a:cubicBezTo>
+                  <a:pt x="2746" y="101"/>
+                  <a:pt x="3828" y="367"/>
+                  <a:pt x="4374" y="367"/>
+                </a:cubicBezTo>
+                <a:cubicBezTo>
+                  <a:pt x="4920" y="367"/>
+                  <a:pt x="5526" y="152"/>
+                  <a:pt x="5766" y="55"/>
+                </a:cubicBezTo>
+                <a:lnTo>
+                  <a:pt x="5772" y="213"/>
+                </a:lnTo>
+                <a:cubicBezTo>
+                  <a:pt x="5670" y="257"/>
+                  <a:pt x="5016" y="441"/>
+                  <a:pt x="4302" y="439"/>
+                </a:cubicBezTo>
+                <a:cubicBezTo>
+                  <a:pt x="3588" y="437"/>
+                  <a:pt x="2205" y="165"/>
+                  <a:pt x="1488" y="201"/>
+                </a:cubicBezTo>
+                <a:cubicBezTo>
+                  <a:pt x="750" y="209"/>
+                  <a:pt x="270" y="482"/>
+                  <a:pt x="0" y="656"/>
+                </a:cubicBezTo>
+                <a:lnTo>
+                  <a:pt x="6" y="2"/>
+                </a:lnTo>
+                <a:close/>
+              </a:path>
+            </a:pathLst>
+          </a:custGeom>
+          <a:gradFill>
+            <a:gsLst>
+              <a:gs pos="0">
+                <a:schemeClr val="accent2">
+                  <a:shade val="50000"/>
+                  <a:alpha val="45000"/>
+                  <a:satMod val="120000"/>
+                </a:schemeClr>
+              </a:gs>
+              <a:gs pos="100000">
+                <a:schemeClr val="accent3">
+                  <a:shade val="80000"/>
+                  <a:alpha val="55000"/>
+                  <a:satMod val="155000"/>
+                </a:schemeClr>
+              </a:gs>
+            </a:gsLst>
+            <a:lin ang="5400000" scaled="1"/>
+          </a:gradFill>
+          <a:ln w="9525" cap="flat" cmpd="sng" algn="ctr">
+            <a:noFill/>
+            <a:prstDash val="solid"/>
+            <a:round/>
+            <a:headEnd type="none" w="med" len="med"/>
+            <a:tailEnd type="none" w="med" len="med"/>
+          </a:ln>
+          <a:effectLst/>
+        </p:spPr>
+        <p:txBody>
+          <a:bodyPr vert="horz" wrap="square" lIns="91440" tIns="45720" rIns="91440" bIns="45720" anchor="t" compatLnSpc="1"/>
+          <a:lstStyle/>
+          <a:p>
+            <a:pPr marL="0" algn="l" rtl="0" eaLnBrk="1" latinLnBrk="0" hangingPunct="1"/>
+            <a:endParaRPr kumimoji="0" lang="en-US">
+              <a:solidFill>
+                <a:schemeClr val="tx1"/>
+              </a:solidFill>
+              <a:latin typeface="+mn-lt"/>
+              <a:ea typeface="+mn-ea"/>
+              <a:cs typeface="+mn-cs"/>
+            </a:endParaRPr>
+          </a:p>
+        </p:txBody>
+      </p:sp>
+      <p:sp>
+        <p:nvSpPr>
+          <p:cNvPr id="8" name="Freeform 7"/>
+          <p:cNvSpPr>
+            <a:spLocks/>
+          </p:cNvSpPr>
+          <p:nvPr/>
+        </p:nvSpPr>
+        <p:spPr bwMode="auto">
+          <a:xfrm>
+            <a:off x="5842000" y="-7144"/>
+            <a:ext cx="6350000" cy="638175"/>
+          </a:xfrm>
+          <a:custGeom>
+            <a:avLst>
+              <a:gd name="A1" fmla="val 0"/>
+              <a:gd name="A2" fmla="val 0"/>
+              <a:gd name="A3" fmla="val 0"/>
+              <a:gd name="A4" fmla="val 0"/>
+              <a:gd name="A5" fmla="val 0"/>
+              <a:gd name="A6" fmla="val 0"/>
+              <a:gd name="A7" fmla="val 0"/>
+              <a:gd name="A8" fmla="val 0"/>
+            </a:avLst>
+            <a:gdLst/>
+            <a:ahLst/>
+            <a:cxnLst>
+              <a:cxn ang="0">
+                <a:pos x="0" y="0"/>
+              </a:cxn>
+              <a:cxn ang="0">
+                <a:pos x="1668" y="564"/>
+              </a:cxn>
+              <a:cxn ang="0">
+                <a:pos x="3000" y="186"/>
+              </a:cxn>
+              <a:cxn ang="0">
+                <a:pos x="3000" y="6"/>
+              </a:cxn>
+              <a:cxn ang="0">
+                <a:pos x="0" y="0"/>
+              </a:cxn>
+            </a:cxnLst>
+            <a:rect l="0" t="0" r="0" b="0"/>
+            <a:pathLst>
+              <a:path w="3000" h="595">
+                <a:moveTo>
+                  <a:pt x="0" y="0"/>
+                </a:moveTo>
+                <a:cubicBezTo>
+                  <a:pt x="174" y="102"/>
+                  <a:pt x="1168" y="533"/>
+                  <a:pt x="1668" y="564"/>
+                </a:cubicBezTo>
+                <a:cubicBezTo>
+                  <a:pt x="2168" y="595"/>
+                  <a:pt x="2778" y="279"/>
+                  <a:pt x="3000" y="186"/>
+                </a:cubicBezTo>
+                <a:lnTo>
+                  <a:pt x="3000" y="6"/>
+                </a:lnTo>
+                <a:lnTo>
+                  <a:pt x="0" y="0"/>
+                </a:lnTo>
+                <a:close/>
+              </a:path>
+            </a:pathLst>
+          </a:custGeom>
+          <a:gradFill>
+            <a:gsLst>
+              <a:gs pos="0">
+                <a:schemeClr val="accent3">
+                  <a:shade val="50000"/>
+                  <a:alpha val="30000"/>
+                  <a:satMod val="130000"/>
+                </a:schemeClr>
+              </a:gs>
+              <a:gs pos="80000">
+                <a:schemeClr val="accent2">
+                  <a:shade val="75000"/>
+                  <a:alpha val="45000"/>
+                  <a:satMod val="140000"/>
+                </a:schemeClr>
+              </a:gs>
+            </a:gsLst>
+            <a:lin ang="5400000" scaled="1"/>
+          </a:gradFill>
+          <a:ln w="9525" cap="flat" cmpd="sng" algn="ctr">
+            <a:noFill/>
+            <a:prstDash val="solid"/>
+            <a:round/>
+            <a:headEnd type="none" w="med" len="med"/>
+            <a:tailEnd type="none" w="med" len="med"/>
+          </a:ln>
+          <a:effectLst/>
+        </p:spPr>
+        <p:txBody>
+          <a:bodyPr vert="horz" wrap="square" lIns="91440" tIns="45720" rIns="91440" bIns="45720" anchor="t" compatLnSpc="1"/>
+          <a:lstStyle/>
+          <a:p>
+            <a:pPr marL="0" algn="l" rtl="0" eaLnBrk="1" latinLnBrk="0" hangingPunct="1"/>
+            <a:endParaRPr kumimoji="0" lang="en-US">
+              <a:solidFill>
+                <a:schemeClr val="tx1"/>
+              </a:solidFill>
+              <a:latin typeface="+mn-lt"/>
+              <a:ea typeface="+mn-ea"/>
+              <a:cs typeface="+mn-cs"/>
+            </a:endParaRPr>
+          </a:p>
+        </p:txBody>
+      </p:sp>
+      <p:sp>
+        <p:nvSpPr>
+          <p:cNvPr id="9" name="Title Placeholder 8"/>
           <p:cNvSpPr>
             <a:spLocks noGrp="1"/>
           </p:cNvSpPr>
@@ -6732,29 +5041,30 @@
         </p:nvSpPr>
         <p:spPr>
           <a:xfrm>
-            <a:off x="1141413" y="609600"/>
-            <a:ext cx="9905998" cy="1905000"/>
+            <a:off x="609600" y="704088"/>
+            <a:ext cx="10972800" cy="1143000"/>
           </a:xfrm>
           <a:prstGeom prst="rect">
             <a:avLst/>
           </a:prstGeom>
         </p:spPr>
         <p:txBody>
-          <a:bodyPr vert="horz" lIns="91440" tIns="45720" rIns="91440" bIns="45720" rtlCol="0" anchor="ctr">
+          <a:bodyPr vert="horz" lIns="0" rIns="0" bIns="0" anchor="b">
             <a:normAutofit/>
           </a:bodyPr>
           <a:lstStyle/>
           <a:p>
             <a:r>
-              <a:rPr lang="en-US" dirty="0"/>
+              <a:rPr kumimoji="0" lang="en-US" smtClean="0"/>
               <a:t>Click to edit Master title style</a:t>
             </a:r>
-          </a:p>
-        </p:txBody>
-      </p:sp>
-      <p:sp>
-        <p:nvSpPr>
-          <p:cNvPr id="3" name="Text Placeholder 2"/>
+            <a:endParaRPr kumimoji="0" lang="en-US"/>
+          </a:p>
+        </p:txBody>
+      </p:sp>
+      <p:sp>
+        <p:nvSpPr>
+          <p:cNvPr id="30" name="Text Placeholder 29"/>
           <p:cNvSpPr>
             <a:spLocks noGrp="1"/>
           </p:cNvSpPr>
@@ -6764,86 +5074,59 @@
         </p:nvSpPr>
         <p:spPr>
           <a:xfrm>
-            <a:off x="1141413" y="2666999"/>
-            <a:ext cx="9905998" cy="3124201"/>
+            <a:off x="609600" y="1935480"/>
+            <a:ext cx="10972800" cy="4389120"/>
           </a:xfrm>
           <a:prstGeom prst="rect">
             <a:avLst/>
           </a:prstGeom>
         </p:spPr>
         <p:txBody>
-          <a:bodyPr vert="horz" lIns="91440" tIns="45720" rIns="91440" bIns="45720" rtlCol="0" anchor="ctr">
+          <a:bodyPr vert="horz">
             <a:normAutofit/>
           </a:bodyPr>
           <a:lstStyle/>
           <a:p>
-            <a:pPr lvl="0"/>
-            <a:r>
-              <a:rPr lang="en-US" dirty="0"/>
+            <a:pPr lvl="0" eaLnBrk="1" latinLnBrk="0" hangingPunct="1"/>
+            <a:r>
+              <a:rPr kumimoji="0" lang="en-US" smtClean="0"/>
               <a:t>Click to edit Master text styles</a:t>
             </a:r>
           </a:p>
           <a:p>
-            <a:pPr lvl="1"/>
-            <a:r>
-              <a:rPr lang="en-US" dirty="0"/>
+            <a:pPr lvl="1" eaLnBrk="1" latinLnBrk="0" hangingPunct="1"/>
+            <a:r>
+              <a:rPr kumimoji="0" lang="en-US" smtClean="0"/>
               <a:t>Second level</a:t>
             </a:r>
           </a:p>
           <a:p>
-            <a:pPr lvl="2"/>
-            <a:r>
-              <a:rPr lang="en-US" dirty="0"/>
+            <a:pPr lvl="2" eaLnBrk="1" latinLnBrk="0" hangingPunct="1"/>
+            <a:r>
+              <a:rPr kumimoji="0" lang="en-US" smtClean="0"/>
               <a:t>Third level</a:t>
             </a:r>
           </a:p>
           <a:p>
-            <a:pPr lvl="3"/>
-            <a:r>
-              <a:rPr lang="en-US" dirty="0"/>
+            <a:pPr lvl="3" eaLnBrk="1" latinLnBrk="0" hangingPunct="1"/>
+            <a:r>
+              <a:rPr kumimoji="0" lang="en-US" smtClean="0"/>
               <a:t>Fourth level</a:t>
             </a:r>
           </a:p>
           <a:p>
-            <a:pPr lvl="4"/>
-            <a:r>
-              <a:rPr lang="en-US" dirty="0"/>
+            <a:pPr lvl="4" eaLnBrk="1" latinLnBrk="0" hangingPunct="1"/>
+            <a:r>
+              <a:rPr kumimoji="0" lang="en-US" smtClean="0"/>
               <a:t>Fifth level</a:t>
             </a:r>
-          </a:p>
-          <a:p>
-            <a:pPr lvl="5"/>
-            <a:r>
-              <a:rPr lang="en-US" dirty="0"/>
-              <a:t>Six</a:t>
-            </a:r>
-          </a:p>
-          <a:p>
-            <a:pPr lvl="6"/>
-            <a:r>
-              <a:rPr lang="en-US" dirty="0"/>
-              <a:t>Seven</a:t>
-            </a:r>
-          </a:p>
-          <a:p>
-            <a:pPr lvl="7"/>
-            <a:r>
-              <a:rPr lang="en-US" dirty="0"/>
-              <a:t>Eight</a:t>
-            </a:r>
-          </a:p>
-          <a:p>
-            <a:pPr lvl="8"/>
-            <a:r>
-              <a:rPr lang="en-US" dirty="0"/>
-              <a:t>nine</a:t>
-            </a:r>
-          </a:p>
-        </p:txBody>
-      </p:sp>
-      <p:sp>
-        <p:nvSpPr>
-          <p:cNvPr id="4" name="Date Placeholder 3"/>
+            <a:endParaRPr kumimoji="0" lang="en-US"/>
+          </a:p>
+        </p:txBody>
+      </p:sp>
+      <p:sp>
+        <p:nvSpPr>
+          <p:cNvPr id="10" name="Date Placeholder 9"/>
           <p:cNvSpPr>
             <a:spLocks noGrp="1"/>
           </p:cNvSpPr>
@@ -6853,39 +5136,31 @@
         </p:nvSpPr>
         <p:spPr>
           <a:xfrm>
-            <a:off x="8837612" y="5883275"/>
-            <a:ext cx="1600200" cy="365125"/>
+            <a:off x="609600" y="6356351"/>
+            <a:ext cx="2844800" cy="365125"/>
           </a:xfrm>
           <a:prstGeom prst="rect">
             <a:avLst/>
           </a:prstGeom>
         </p:spPr>
         <p:txBody>
-          <a:bodyPr vert="horz" lIns="91440" tIns="45720" rIns="91440" bIns="45720" rtlCol="0" anchor="ctr"/>
+          <a:bodyPr vert="horz" lIns="0" tIns="0" rIns="0" bIns="0" anchor="b"/>
           <a:lstStyle>
-            <a:lvl1pPr algn="r">
-              <a:defRPr sz="900" b="1" i="0">
+            <a:lvl1pPr algn="l" eaLnBrk="1" latinLnBrk="0" hangingPunct="1">
+              <a:defRPr kumimoji="0" sz="1200">
                 <a:solidFill>
-                  <a:schemeClr val="tx1">
-                    <a:lumMod val="75000"/>
+                  <a:schemeClr val="tx2">
+                    <a:shade val="90000"/>
                   </a:schemeClr>
                 </a:solidFill>
-                <a:effectLst>
-                  <a:outerShdw blurRad="50800" dist="38100" dir="2700000" algn="tl" rotWithShape="0">
-                    <a:srgbClr val="000000">
-                      <a:alpha val="43000"/>
-                    </a:srgbClr>
-                  </a:outerShdw>
-                </a:effectLst>
-                <a:latin typeface="+mn-lt"/>
               </a:defRPr>
             </a:lvl1pPr>
           </a:lstStyle>
           <a:p>
             <a:fld id="{B61BEF0D-F0BB-DE4B-95CE-6DB70DBA9567}" type="datetimeFigureOut">
-              <a:rPr lang="en-US" dirty="0"/>
+              <a:rPr lang="en-US" smtClean="0"/>
               <a:pPr/>
-              <a:t>2/15/2022</a:t>
+              <a:t>2/16/2022</a:t>
             </a:fld>
             <a:endParaRPr lang="en-US" dirty="0"/>
           </a:p>
@@ -6893,7 +5168,7 @@
       </p:sp>
       <p:sp>
         <p:nvSpPr>
-          <p:cNvPr id="5" name="Footer Placeholder 4"/>
+          <p:cNvPr id="22" name="Footer Placeholder 21"/>
           <p:cNvSpPr>
             <a:spLocks noGrp="1"/>
           </p:cNvSpPr>
@@ -6903,31 +5178,23 @@
         </p:nvSpPr>
         <p:spPr>
           <a:xfrm>
-            <a:off x="1141412" y="5883275"/>
-            <a:ext cx="7543800" cy="365125"/>
+            <a:off x="3556000" y="6356351"/>
+            <a:ext cx="4470400" cy="365125"/>
           </a:xfrm>
           <a:prstGeom prst="rect">
             <a:avLst/>
           </a:prstGeom>
         </p:spPr>
         <p:txBody>
-          <a:bodyPr vert="horz" lIns="91440" tIns="45720" rIns="91440" bIns="45720" rtlCol="0" anchor="ctr"/>
+          <a:bodyPr vert="horz" lIns="0" tIns="0" rIns="0" bIns="0" anchor="b"/>
           <a:lstStyle>
-            <a:lvl1pPr algn="l">
-              <a:defRPr sz="900" b="1" i="0">
+            <a:lvl1pPr algn="l" eaLnBrk="1" latinLnBrk="0" hangingPunct="1">
+              <a:defRPr kumimoji="0" sz="1200">
                 <a:solidFill>
-                  <a:schemeClr val="tx1">
-                    <a:lumMod val="75000"/>
+                  <a:schemeClr val="tx2">
+                    <a:shade val="90000"/>
                   </a:schemeClr>
                 </a:solidFill>
-                <a:effectLst>
-                  <a:outerShdw blurRad="50800" dist="38100" dir="2700000" algn="tl" rotWithShape="0">
-                    <a:srgbClr val="000000">
-                      <a:alpha val="43000"/>
-                    </a:srgbClr>
-                  </a:outerShdw>
-                </a:effectLst>
-                <a:latin typeface="+mn-lt"/>
               </a:defRPr>
             </a:lvl1pPr>
           </a:lstStyle>
@@ -6938,7 +5205,7 @@
       </p:sp>
       <p:sp>
         <p:nvSpPr>
-          <p:cNvPr id="6" name="Slide Number Placeholder 5"/>
+          <p:cNvPr id="18" name="Slide Number Placeholder 17"/>
           <p:cNvSpPr>
             <a:spLocks noGrp="1"/>
           </p:cNvSpPr>
@@ -6948,37 +5215,29 @@
         </p:nvSpPr>
         <p:spPr>
           <a:xfrm>
-            <a:off x="10514012" y="5883275"/>
-            <a:ext cx="551167" cy="365125"/>
+            <a:off x="10566400" y="6356351"/>
+            <a:ext cx="1016000" cy="365125"/>
           </a:xfrm>
           <a:prstGeom prst="rect">
             <a:avLst/>
           </a:prstGeom>
         </p:spPr>
         <p:txBody>
-          <a:bodyPr vert="horz" lIns="91440" tIns="45720" rIns="91440" bIns="45720" rtlCol="0" anchor="ctr"/>
+          <a:bodyPr vert="horz" lIns="0" tIns="0" rIns="0" bIns="0" anchor="b"/>
           <a:lstStyle>
-            <a:lvl1pPr algn="r">
-              <a:defRPr sz="900" b="1" i="0">
+            <a:lvl1pPr algn="r" eaLnBrk="1" latinLnBrk="0" hangingPunct="1">
+              <a:defRPr kumimoji="0" sz="1200">
                 <a:solidFill>
-                  <a:schemeClr val="tx1">
-                    <a:lumMod val="75000"/>
+                  <a:schemeClr val="tx2">
+                    <a:shade val="90000"/>
                   </a:schemeClr>
                 </a:solidFill>
-                <a:effectLst>
-                  <a:outerShdw blurRad="50800" dist="38100" dir="2700000" algn="tl" rotWithShape="0">
-                    <a:srgbClr val="000000">
-                      <a:alpha val="43000"/>
-                    </a:srgbClr>
-                  </a:outerShdw>
-                </a:effectLst>
-                <a:latin typeface="+mn-lt"/>
               </a:defRPr>
             </a:lvl1pPr>
           </a:lstStyle>
           <a:p>
             <a:fld id="{D57F1E4F-1CFF-5643-939E-217C01CDF565}" type="slidenum">
-              <a:rPr lang="en-US" dirty="0"/>
+              <a:rPr lang="en-US" smtClean="0"/>
               <a:pPr/>
               <a:t>‹#›</a:t>
             </a:fld>
@@ -6986,565 +5245,269 @@
           </a:p>
         </p:txBody>
       </p:sp>
+      <p:grpSp>
+        <p:nvGrpSpPr>
+          <p:cNvPr id="2" name="Group 1"/>
+          <p:cNvGrpSpPr/>
+          <p:nvPr/>
+        </p:nvGrpSpPr>
+        <p:grpSpPr>
+          <a:xfrm>
+            <a:off x="-25356" y="202408"/>
+            <a:ext cx="12240731" cy="649224"/>
+            <a:chOff x="-19045" y="216550"/>
+            <a:chExt cx="9180548" cy="649224"/>
+          </a:xfrm>
+        </p:grpSpPr>
+        <p:sp>
+          <p:nvSpPr>
+            <p:cNvPr id="12" name="Freeform 11"/>
+            <p:cNvSpPr>
+              <a:spLocks/>
+            </p:cNvSpPr>
+            <p:nvPr/>
+          </p:nvSpPr>
+          <p:spPr bwMode="auto">
+            <a:xfrm rot="21435692">
+              <a:off x="-19045" y="216550"/>
+              <a:ext cx="9163050" cy="649224"/>
+            </a:xfrm>
+            <a:custGeom>
+              <a:avLst>
+                <a:gd name="A1" fmla="val 0"/>
+                <a:gd name="A2" fmla="val 0"/>
+                <a:gd name="A3" fmla="val 0"/>
+                <a:gd name="A4" fmla="val 0"/>
+                <a:gd name="A5" fmla="val 0"/>
+                <a:gd name="A6" fmla="val 0"/>
+                <a:gd name="A7" fmla="val 0"/>
+                <a:gd name="A8" fmla="val 0"/>
+              </a:avLst>
+              <a:gdLst/>
+              <a:ahLst/>
+              <a:cxnLst>
+                <a:cxn ang="0">
+                  <a:pos x="0" y="966"/>
+                </a:cxn>
+                <a:cxn ang="0">
+                  <a:pos x="1608" y="282"/>
+                </a:cxn>
+                <a:cxn ang="0">
+                  <a:pos x="4110" y="1008"/>
+                </a:cxn>
+                <a:cxn ang="0">
+                  <a:pos x="5772" y="0"/>
+                </a:cxn>
+              </a:cxnLst>
+              <a:rect l="0" t="0" r="0" b="0"/>
+              <a:pathLst>
+                <a:path w="5772" h="1055">
+                  <a:moveTo>
+                    <a:pt x="0" y="966"/>
+                  </a:moveTo>
+                  <a:cubicBezTo>
+                    <a:pt x="282" y="738"/>
+                    <a:pt x="923" y="275"/>
+                    <a:pt x="1608" y="282"/>
+                  </a:cubicBezTo>
+                  <a:cubicBezTo>
+                    <a:pt x="2293" y="289"/>
+                    <a:pt x="3416" y="1055"/>
+                    <a:pt x="4110" y="1008"/>
+                  </a:cubicBezTo>
+                  <a:cubicBezTo>
+                    <a:pt x="4804" y="961"/>
+                    <a:pt x="5426" y="210"/>
+                    <a:pt x="5772" y="0"/>
+                  </a:cubicBezTo>
+                </a:path>
+              </a:pathLst>
+            </a:custGeom>
+            <a:noFill/>
+            <a:ln w="10795" cap="flat" cmpd="sng" algn="ctr">
+              <a:gradFill>
+                <a:gsLst>
+                  <a:gs pos="74000">
+                    <a:schemeClr val="accent3">
+                      <a:shade val="75000"/>
+                    </a:schemeClr>
+                  </a:gs>
+                  <a:gs pos="86000">
+                    <a:schemeClr val="tx1">
+                      <a:alpha val="29000"/>
+                    </a:schemeClr>
+                  </a:gs>
+                  <a:gs pos="16000">
+                    <a:schemeClr val="accent2">
+                      <a:shade val="75000"/>
+                      <a:alpha val="56000"/>
+                    </a:schemeClr>
+                  </a:gs>
+                </a:gsLst>
+                <a:lin ang="5400000" scaled="1"/>
+              </a:gradFill>
+              <a:prstDash val="solid"/>
+              <a:round/>
+              <a:headEnd type="none" w="med" len="med"/>
+              <a:tailEnd type="none" w="med" len="med"/>
+            </a:ln>
+            <a:effectLst/>
+          </p:spPr>
+          <p:txBody>
+            <a:bodyPr vert="horz" wrap="square" lIns="91440" tIns="45720" rIns="91440" bIns="45720" anchor="t" compatLnSpc="1"/>
+            <a:lstStyle/>
+            <a:p>
+              <a:endParaRPr kumimoji="0" lang="en-US"/>
+            </a:p>
+          </p:txBody>
+        </p:sp>
+        <p:sp>
+          <p:nvSpPr>
+            <p:cNvPr id="13" name="Freeform 12"/>
+            <p:cNvSpPr>
+              <a:spLocks/>
+            </p:cNvSpPr>
+            <p:nvPr/>
+          </p:nvSpPr>
+          <p:spPr bwMode="auto">
+            <a:xfrm rot="21435692">
+              <a:off x="-14309" y="290003"/>
+              <a:ext cx="9175812" cy="530352"/>
+            </a:xfrm>
+            <a:custGeom>
+              <a:avLst>
+                <a:gd name="A1" fmla="val 0"/>
+                <a:gd name="A2" fmla="val 0"/>
+                <a:gd name="A3" fmla="val 0"/>
+                <a:gd name="A4" fmla="val 0"/>
+                <a:gd name="A5" fmla="val 0"/>
+                <a:gd name="A6" fmla="val 0"/>
+                <a:gd name="A7" fmla="val 0"/>
+                <a:gd name="A8" fmla="val 0"/>
+              </a:avLst>
+              <a:gdLst/>
+              <a:ahLst/>
+              <a:cxnLst>
+                <a:cxn ang="0">
+                  <a:pos x="0" y="732"/>
+                </a:cxn>
+                <a:cxn ang="0">
+                  <a:pos x="1638" y="228"/>
+                </a:cxn>
+                <a:cxn ang="0">
+                  <a:pos x="4122" y="816"/>
+                </a:cxn>
+                <a:cxn ang="0">
+                  <a:pos x="5766" y="0"/>
+                </a:cxn>
+              </a:cxnLst>
+              <a:rect l="0" t="0" r="0" b="0"/>
+              <a:pathLst>
+                <a:path w="5766" h="854">
+                  <a:moveTo>
+                    <a:pt x="0" y="732"/>
+                  </a:moveTo>
+                  <a:cubicBezTo>
+                    <a:pt x="273" y="647"/>
+                    <a:pt x="951" y="214"/>
+                    <a:pt x="1638" y="228"/>
+                  </a:cubicBezTo>
+                  <a:cubicBezTo>
+                    <a:pt x="2325" y="242"/>
+                    <a:pt x="3434" y="854"/>
+                    <a:pt x="4122" y="816"/>
+                  </a:cubicBezTo>
+                  <a:cubicBezTo>
+                    <a:pt x="4810" y="778"/>
+                    <a:pt x="5424" y="170"/>
+                    <a:pt x="5766" y="0"/>
+                  </a:cubicBezTo>
+                </a:path>
+              </a:pathLst>
+            </a:custGeom>
+            <a:noFill/>
+            <a:ln w="9525" cap="flat" cmpd="sng" algn="ctr">
+              <a:gradFill>
+                <a:gsLst>
+                  <a:gs pos="74000">
+                    <a:schemeClr val="accent4"/>
+                  </a:gs>
+                  <a:gs pos="44000">
+                    <a:schemeClr val="accent1"/>
+                  </a:gs>
+                  <a:gs pos="33000">
+                    <a:schemeClr val="accent2">
+                      <a:alpha val="56000"/>
+                    </a:schemeClr>
+                  </a:gs>
+                </a:gsLst>
+                <a:lin ang="5400000" scaled="1"/>
+              </a:gradFill>
+              <a:prstDash val="solid"/>
+              <a:round/>
+              <a:headEnd type="none" w="med" len="med"/>
+              <a:tailEnd type="none" w="med" len="med"/>
+            </a:ln>
+            <a:effectLst/>
+          </p:spPr>
+          <p:txBody>
+            <a:bodyPr vert="horz" wrap="square" lIns="91440" tIns="45720" rIns="91440" bIns="45720" anchor="t" compatLnSpc="1"/>
+            <a:lstStyle/>
+            <a:p>
+              <a:endParaRPr kumimoji="0" lang="en-US"/>
+            </a:p>
+          </p:txBody>
+        </p:sp>
+      </p:grpSp>
     </p:spTree>
-    <p:extLst>
-      <p:ext uri="{BB962C8B-B14F-4D97-AF65-F5344CB8AC3E}">
-        <p14:creationId xmlns:p14="http://schemas.microsoft.com/office/powerpoint/2010/main" val="477241683"/>
-      </p:ext>
-    </p:extLst>
   </p:cSld>
-  <p:clrMap bg1="dk1" tx1="lt1" bg2="dk2" tx2="lt2" accent1="accent1" accent2="accent2" accent3="accent3" accent4="accent4" accent5="accent5" accent6="accent6" hlink="hlink" folHlink="folHlink"/>
+  <p:clrMap bg1="lt1" tx1="dk1" bg2="lt2" tx2="dk2" accent1="accent1" accent2="accent2" accent3="accent3" accent4="accent4" accent5="accent5" accent6="accent6" hlink="hlink" folHlink="folHlink"/>
   <p:sldLayoutIdLst>
-    <p:sldLayoutId id="2147483853" r:id="rId1"/>
-    <p:sldLayoutId id="2147483854" r:id="rId2"/>
-    <p:sldLayoutId id="2147483855" r:id="rId3"/>
-    <p:sldLayoutId id="2147483856" r:id="rId4"/>
-    <p:sldLayoutId id="2147483857" r:id="rId5"/>
-    <p:sldLayoutId id="2147483858" r:id="rId6"/>
-    <p:sldLayoutId id="2147483859" r:id="rId7"/>
-    <p:sldLayoutId id="2147483860" r:id="rId8"/>
-    <p:sldLayoutId id="2147483861" r:id="rId9"/>
-    <p:sldLayoutId id="2147483862" r:id="rId10"/>
-    <p:sldLayoutId id="2147483863" r:id="rId11"/>
-    <p:sldLayoutId id="2147483864" r:id="rId12"/>
-    <p:sldLayoutId id="2147483865" r:id="rId13"/>
-    <p:sldLayoutId id="2147483866" r:id="rId14"/>
-    <p:sldLayoutId id="2147483867" r:id="rId15"/>
-    <p:sldLayoutId id="2147483868" r:id="rId16"/>
-    <p:sldLayoutId id="2147483869" r:id="rId17"/>
+    <p:sldLayoutId id="2147483871" r:id="rId1"/>
+    <p:sldLayoutId id="2147483872" r:id="rId2"/>
+    <p:sldLayoutId id="2147483873" r:id="rId3"/>
+    <p:sldLayoutId id="2147483874" r:id="rId4"/>
+    <p:sldLayoutId id="2147483875" r:id="rId5"/>
+    <p:sldLayoutId id="2147483876" r:id="rId6"/>
+    <p:sldLayoutId id="2147483877" r:id="rId7"/>
+    <p:sldLayoutId id="2147483878" r:id="rId8"/>
+    <p:sldLayoutId id="2147483879" r:id="rId9"/>
+    <p:sldLayoutId id="2147483880" r:id="rId10"/>
+    <p:sldLayoutId id="2147483881" r:id="rId11"/>
   </p:sldLayoutIdLst>
   <p:txStyles>
     <p:titleStyle>
-      <a:lvl1pPr algn="l" defTabSz="457200" rtl="0" eaLnBrk="1" latinLnBrk="0" hangingPunct="1">
+      <a:lvl1pPr algn="l" rtl="0" eaLnBrk="1" latinLnBrk="0" hangingPunct="1">
         <a:spcBef>
           <a:spcPct val="0"/>
         </a:spcBef>
         <a:buNone/>
-        <a:defRPr sz="3200" kern="1200" cap="all">
-          <a:ln w="3175" cmpd="sng">
+        <a:defRPr kumimoji="0" sz="5000" b="0" kern="1200">
+          <a:ln>
             <a:noFill/>
           </a:ln>
-          <a:gradFill flip="none" rotWithShape="1">
-            <a:gsLst>
-              <a:gs pos="0">
-                <a:schemeClr val="tx1"/>
-              </a:gs>
-              <a:gs pos="100000">
-                <a:schemeClr val="tx1">
-                  <a:lumMod val="65000"/>
-                </a:schemeClr>
-              </a:gs>
-            </a:gsLst>
-            <a:lin ang="5580000" scaled="0"/>
-            <a:tileRect/>
-          </a:gradFill>
-          <a:effectLst>
-            <a:glow rad="38100">
-              <a:schemeClr val="bg1">
-                <a:lumMod val="65000"/>
-                <a:lumOff val="35000"/>
-                <a:alpha val="40000"/>
-              </a:schemeClr>
-            </a:glow>
-            <a:outerShdw blurRad="28575" dist="38100" dir="14040000" algn="tl" rotWithShape="0">
-              <a:srgbClr val="000000">
-                <a:alpha val="25000"/>
-              </a:srgbClr>
-            </a:outerShdw>
-          </a:effectLst>
+          <a:solidFill>
+            <a:schemeClr val="tx2"/>
+          </a:solidFill>
+          <a:effectLst/>
           <a:latin typeface="+mj-lt"/>
           <a:ea typeface="+mj-ea"/>
           <a:cs typeface="+mj-cs"/>
         </a:defRPr>
       </a:lvl1pPr>
-      <a:lvl2pPr eaLnBrk="1" hangingPunct="1">
-        <a:defRPr>
-          <a:solidFill>
-            <a:schemeClr val="tx2"/>
-          </a:solidFill>
-        </a:defRPr>
-      </a:lvl2pPr>
-      <a:lvl3pPr eaLnBrk="1" hangingPunct="1">
-        <a:defRPr>
-          <a:solidFill>
-            <a:schemeClr val="tx2"/>
-          </a:solidFill>
-        </a:defRPr>
-      </a:lvl3pPr>
-      <a:lvl4pPr eaLnBrk="1" hangingPunct="1">
-        <a:defRPr>
-          <a:solidFill>
-            <a:schemeClr val="tx2"/>
-          </a:solidFill>
-        </a:defRPr>
-      </a:lvl4pPr>
-      <a:lvl5pPr eaLnBrk="1" hangingPunct="1">
-        <a:defRPr>
-          <a:solidFill>
-            <a:schemeClr val="tx2"/>
-          </a:solidFill>
-        </a:defRPr>
-      </a:lvl5pPr>
-      <a:lvl6pPr eaLnBrk="1" hangingPunct="1">
-        <a:defRPr>
-          <a:solidFill>
-            <a:schemeClr val="tx2"/>
-          </a:solidFill>
-        </a:defRPr>
-      </a:lvl6pPr>
-      <a:lvl7pPr eaLnBrk="1" hangingPunct="1">
-        <a:defRPr>
-          <a:solidFill>
-            <a:schemeClr val="tx2"/>
-          </a:solidFill>
-        </a:defRPr>
-      </a:lvl7pPr>
-      <a:lvl8pPr eaLnBrk="1" hangingPunct="1">
-        <a:defRPr>
-          <a:solidFill>
-            <a:schemeClr val="tx2"/>
-          </a:solidFill>
-        </a:defRPr>
-      </a:lvl8pPr>
-      <a:lvl9pPr eaLnBrk="1" hangingPunct="1">
-        <a:defRPr>
-          <a:solidFill>
-            <a:schemeClr val="tx2"/>
-          </a:solidFill>
-        </a:defRPr>
-      </a:lvl9pPr>
     </p:titleStyle>
     <p:bodyStyle>
-      <a:lvl1pPr marL="285750" indent="-285750" algn="l" defTabSz="457200" rtl="0" eaLnBrk="1" latinLnBrk="0" hangingPunct="1">
+      <a:lvl1pPr marL="274320" indent="-274320" algn="l" rtl="0" eaLnBrk="1" latinLnBrk="0" hangingPunct="1">
         <a:spcBef>
           <a:spcPct val="20000"/>
         </a:spcBef>
-        <a:spcAft>
-          <a:spcPts val="600"/>
-        </a:spcAft>
         <a:buClr>
-          <a:schemeClr val="tx1"/>
+          <a:schemeClr val="accent3"/>
         </a:buClr>
-        <a:buSzPct val="100000"/>
-        <a:buFont typeface="Arial"/>
-        <a:buChar char="•"/>
-        <a:defRPr sz="2000" kern="1200" cap="small">
-          <a:gradFill flip="none" rotWithShape="1">
-            <a:gsLst>
-              <a:gs pos="0">
-                <a:schemeClr val="tx1"/>
-              </a:gs>
-              <a:gs pos="100000">
-                <a:schemeClr val="tx1">
-                  <a:lumMod val="75000"/>
-                </a:schemeClr>
-              </a:gs>
-            </a:gsLst>
-            <a:lin ang="5580000" scaled="0"/>
-            <a:tileRect/>
-          </a:gradFill>
-          <a:effectLst>
-            <a:glow rad="38100">
-              <a:schemeClr val="bg1">
-                <a:lumMod val="50000"/>
-                <a:lumOff val="50000"/>
-                <a:alpha val="20000"/>
-              </a:schemeClr>
-            </a:glow>
-            <a:outerShdw blurRad="44450" dist="12700" dir="13860000" algn="tl" rotWithShape="0">
-              <a:srgbClr val="000000">
-                <a:alpha val="20000"/>
-              </a:srgbClr>
-            </a:outerShdw>
-          </a:effectLst>
-          <a:latin typeface="+mn-lt"/>
-          <a:ea typeface="+mn-ea"/>
-          <a:cs typeface="+mn-cs"/>
-        </a:defRPr>
-      </a:lvl1pPr>
-      <a:lvl2pPr marL="742950" indent="-285750" algn="l" defTabSz="457200" rtl="0" eaLnBrk="1" latinLnBrk="0" hangingPunct="1">
-        <a:spcBef>
-          <a:spcPct val="20000"/>
-        </a:spcBef>
-        <a:spcAft>
-          <a:spcPts val="600"/>
-        </a:spcAft>
-        <a:buClr>
-          <a:schemeClr val="tx1"/>
-        </a:buClr>
-        <a:buSzPct val="100000"/>
-        <a:buFont typeface="Arial"/>
-        <a:buChar char="•"/>
-        <a:defRPr sz="1800" kern="1200" cap="small">
-          <a:gradFill flip="none" rotWithShape="1">
-            <a:gsLst>
-              <a:gs pos="0">
-                <a:schemeClr val="tx1"/>
-              </a:gs>
-              <a:gs pos="100000">
-                <a:schemeClr val="tx1">
-                  <a:lumMod val="75000"/>
-                </a:schemeClr>
-              </a:gs>
-            </a:gsLst>
-            <a:lin ang="5580000" scaled="0"/>
-            <a:tileRect/>
-          </a:gradFill>
-          <a:effectLst>
-            <a:glow rad="38100">
-              <a:schemeClr val="bg1">
-                <a:lumMod val="50000"/>
-                <a:lumOff val="50000"/>
-                <a:alpha val="20000"/>
-              </a:schemeClr>
-            </a:glow>
-            <a:outerShdw blurRad="44450" dist="12700" dir="13860000" algn="tl" rotWithShape="0">
-              <a:srgbClr val="000000">
-                <a:alpha val="20000"/>
-              </a:srgbClr>
-            </a:outerShdw>
-          </a:effectLst>
-          <a:latin typeface="+mn-lt"/>
-          <a:ea typeface="+mn-ea"/>
-          <a:cs typeface="+mn-cs"/>
-        </a:defRPr>
-      </a:lvl2pPr>
-      <a:lvl3pPr marL="1200150" indent="-285750" algn="l" defTabSz="457200" rtl="0" eaLnBrk="1" latinLnBrk="0" hangingPunct="1">
-        <a:spcBef>
-          <a:spcPct val="20000"/>
-        </a:spcBef>
-        <a:spcAft>
-          <a:spcPts val="600"/>
-        </a:spcAft>
-        <a:buClr>
-          <a:schemeClr val="tx1"/>
-        </a:buClr>
-        <a:buSzPct val="100000"/>
-        <a:buFont typeface="Arial"/>
-        <a:buChar char="•"/>
-        <a:defRPr sz="1600" kern="1200" cap="small">
-          <a:gradFill flip="none" rotWithShape="1">
-            <a:gsLst>
-              <a:gs pos="0">
-                <a:schemeClr val="tx1"/>
-              </a:gs>
-              <a:gs pos="100000">
-                <a:schemeClr val="tx1">
-                  <a:lumMod val="75000"/>
-                </a:schemeClr>
-              </a:gs>
-            </a:gsLst>
-            <a:lin ang="5580000" scaled="0"/>
-            <a:tileRect/>
-          </a:gradFill>
-          <a:effectLst>
-            <a:glow rad="38100">
-              <a:schemeClr val="bg1">
-                <a:lumMod val="50000"/>
-                <a:lumOff val="50000"/>
-                <a:alpha val="20000"/>
-              </a:schemeClr>
-            </a:glow>
-            <a:outerShdw blurRad="44450" dist="12700" dir="13860000" algn="tl" rotWithShape="0">
-              <a:srgbClr val="000000">
-                <a:alpha val="20000"/>
-              </a:srgbClr>
-            </a:outerShdw>
-          </a:effectLst>
-          <a:latin typeface="+mn-lt"/>
-          <a:ea typeface="+mn-ea"/>
-          <a:cs typeface="+mn-cs"/>
-        </a:defRPr>
-      </a:lvl3pPr>
-      <a:lvl4pPr marL="1543050" indent="-171450" algn="l" defTabSz="457200" rtl="0" eaLnBrk="1" latinLnBrk="0" hangingPunct="1">
-        <a:spcBef>
-          <a:spcPct val="20000"/>
-        </a:spcBef>
-        <a:spcAft>
-          <a:spcPts val="600"/>
-        </a:spcAft>
-        <a:buClr>
-          <a:schemeClr val="tx1"/>
-        </a:buClr>
-        <a:buSzPct val="100000"/>
-        <a:buFont typeface="Arial"/>
-        <a:buChar char="•"/>
-        <a:defRPr sz="1400" kern="1200" cap="small">
-          <a:gradFill flip="none" rotWithShape="1">
-            <a:gsLst>
-              <a:gs pos="0">
-                <a:schemeClr val="tx1"/>
-              </a:gs>
-              <a:gs pos="100000">
-                <a:schemeClr val="tx1">
-                  <a:lumMod val="75000"/>
-                </a:schemeClr>
-              </a:gs>
-            </a:gsLst>
-            <a:lin ang="5580000" scaled="0"/>
-            <a:tileRect/>
-          </a:gradFill>
-          <a:effectLst>
-            <a:glow rad="38100">
-              <a:schemeClr val="bg1">
-                <a:lumMod val="50000"/>
-                <a:lumOff val="50000"/>
-                <a:alpha val="20000"/>
-              </a:schemeClr>
-            </a:glow>
-            <a:outerShdw blurRad="44450" dist="12700" dir="13860000" algn="tl" rotWithShape="0">
-              <a:srgbClr val="000000">
-                <a:alpha val="20000"/>
-              </a:srgbClr>
-            </a:outerShdw>
-          </a:effectLst>
-          <a:latin typeface="+mn-lt"/>
-          <a:ea typeface="+mn-ea"/>
-          <a:cs typeface="+mn-cs"/>
-        </a:defRPr>
-      </a:lvl4pPr>
-      <a:lvl5pPr marL="2000250" indent="-171450" algn="l" defTabSz="457200" rtl="0" eaLnBrk="1" latinLnBrk="0" hangingPunct="1">
-        <a:spcBef>
-          <a:spcPct val="20000"/>
-        </a:spcBef>
-        <a:spcAft>
-          <a:spcPts val="600"/>
-        </a:spcAft>
-        <a:buClr>
-          <a:schemeClr val="tx1"/>
-        </a:buClr>
-        <a:buSzPct val="100000"/>
-        <a:buFont typeface="Arial"/>
-        <a:buChar char="•"/>
-        <a:defRPr sz="1400" kern="1200" cap="small">
-          <a:gradFill flip="none" rotWithShape="1">
-            <a:gsLst>
-              <a:gs pos="0">
-                <a:schemeClr val="tx1"/>
-              </a:gs>
-              <a:gs pos="100000">
-                <a:schemeClr val="tx1">
-                  <a:lumMod val="75000"/>
-                </a:schemeClr>
-              </a:gs>
-            </a:gsLst>
-            <a:lin ang="5580000" scaled="0"/>
-            <a:tileRect/>
-          </a:gradFill>
-          <a:effectLst>
-            <a:glow rad="38100">
-              <a:schemeClr val="bg1">
-                <a:lumMod val="50000"/>
-                <a:lumOff val="50000"/>
-                <a:alpha val="20000"/>
-              </a:schemeClr>
-            </a:glow>
-            <a:outerShdw blurRad="44450" dist="12700" dir="13860000" algn="tl" rotWithShape="0">
-              <a:srgbClr val="000000">
-                <a:alpha val="20000"/>
-              </a:srgbClr>
-            </a:outerShdw>
-          </a:effectLst>
-          <a:latin typeface="+mn-lt"/>
-          <a:ea typeface="+mn-ea"/>
-          <a:cs typeface="+mn-cs"/>
-        </a:defRPr>
-      </a:lvl5pPr>
-      <a:lvl6pPr marL="2514600" indent="-228600" algn="l" defTabSz="457200" rtl="0" eaLnBrk="1" latinLnBrk="0" hangingPunct="1">
-        <a:spcBef>
-          <a:spcPct val="20000"/>
-        </a:spcBef>
-        <a:spcAft>
-          <a:spcPts val="600"/>
-        </a:spcAft>
-        <a:buClr>
-          <a:schemeClr val="tx1"/>
-        </a:buClr>
-        <a:buSzPct val="100000"/>
-        <a:buFont typeface="Arial"/>
-        <a:buChar char="•"/>
-        <a:defRPr sz="1200" kern="1200" cap="small">
-          <a:gradFill flip="none" rotWithShape="1">
-            <a:gsLst>
-              <a:gs pos="0">
-                <a:schemeClr val="tx1"/>
-              </a:gs>
-              <a:gs pos="100000">
-                <a:schemeClr val="tx1">
-                  <a:lumMod val="75000"/>
-                </a:schemeClr>
-              </a:gs>
-            </a:gsLst>
-            <a:lin ang="5580000" scaled="0"/>
-            <a:tileRect/>
-          </a:gradFill>
-          <a:effectLst>
-            <a:glow rad="38100">
-              <a:schemeClr val="bg1">
-                <a:lumMod val="50000"/>
-                <a:lumOff val="50000"/>
-                <a:alpha val="20000"/>
-              </a:schemeClr>
-            </a:glow>
-            <a:outerShdw blurRad="44450" dist="12700" dir="13860000" algn="tl" rotWithShape="0">
-              <a:srgbClr val="000000">
-                <a:alpha val="20000"/>
-              </a:srgbClr>
-            </a:outerShdw>
-          </a:effectLst>
-          <a:latin typeface="+mn-lt"/>
-          <a:ea typeface="+mn-ea"/>
-          <a:cs typeface="+mn-cs"/>
-        </a:defRPr>
-      </a:lvl6pPr>
-      <a:lvl7pPr marL="2971800" indent="-228600" algn="l" defTabSz="457200" rtl="0" eaLnBrk="1" latinLnBrk="0" hangingPunct="1">
-        <a:spcBef>
-          <a:spcPct val="20000"/>
-        </a:spcBef>
-        <a:spcAft>
-          <a:spcPts val="600"/>
-        </a:spcAft>
-        <a:buClr>
-          <a:schemeClr val="tx1"/>
-        </a:buClr>
-        <a:buSzPct val="100000"/>
-        <a:buFont typeface="Arial"/>
-        <a:buChar char="•"/>
-        <a:defRPr sz="1200" kern="1200" cap="small">
-          <a:gradFill flip="none" rotWithShape="1">
-            <a:gsLst>
-              <a:gs pos="0">
-                <a:schemeClr val="tx1"/>
-              </a:gs>
-              <a:gs pos="100000">
-                <a:schemeClr val="tx1">
-                  <a:lumMod val="75000"/>
-                </a:schemeClr>
-              </a:gs>
-            </a:gsLst>
-            <a:lin ang="5580000" scaled="0"/>
-            <a:tileRect/>
-          </a:gradFill>
-          <a:effectLst>
-            <a:glow rad="38100">
-              <a:schemeClr val="bg1">
-                <a:lumMod val="50000"/>
-                <a:lumOff val="50000"/>
-                <a:alpha val="20000"/>
-              </a:schemeClr>
-            </a:glow>
-            <a:outerShdw blurRad="44450" dist="12700" dir="13860000" algn="tl" rotWithShape="0">
-              <a:srgbClr val="000000">
-                <a:alpha val="20000"/>
-              </a:srgbClr>
-            </a:outerShdw>
-          </a:effectLst>
-          <a:latin typeface="+mn-lt"/>
-          <a:ea typeface="+mn-ea"/>
-          <a:cs typeface="+mn-cs"/>
-        </a:defRPr>
-      </a:lvl7pPr>
-      <a:lvl8pPr marL="3429000" indent="-228600" algn="l" defTabSz="457200" rtl="0" eaLnBrk="1" latinLnBrk="0" hangingPunct="1">
-        <a:spcBef>
-          <a:spcPct val="20000"/>
-        </a:spcBef>
-        <a:spcAft>
-          <a:spcPts val="600"/>
-        </a:spcAft>
-        <a:buClr>
-          <a:schemeClr val="tx1"/>
-        </a:buClr>
-        <a:buSzPct val="100000"/>
-        <a:buFont typeface="Arial"/>
-        <a:buChar char="•"/>
-        <a:defRPr sz="1200" kern="1200" cap="small">
-          <a:gradFill flip="none" rotWithShape="1">
-            <a:gsLst>
-              <a:gs pos="0">
-                <a:schemeClr val="tx1"/>
-              </a:gs>
-              <a:gs pos="100000">
-                <a:schemeClr val="tx1">
-                  <a:lumMod val="75000"/>
-                </a:schemeClr>
-              </a:gs>
-            </a:gsLst>
-            <a:lin ang="5580000" scaled="0"/>
-            <a:tileRect/>
-          </a:gradFill>
-          <a:effectLst>
-            <a:glow rad="38100">
-              <a:schemeClr val="bg1">
-                <a:lumMod val="50000"/>
-                <a:lumOff val="50000"/>
-                <a:alpha val="20000"/>
-              </a:schemeClr>
-            </a:glow>
-            <a:outerShdw blurRad="44450" dist="12700" dir="13860000" algn="tl" rotWithShape="0">
-              <a:srgbClr val="000000">
-                <a:alpha val="20000"/>
-              </a:srgbClr>
-            </a:outerShdw>
-          </a:effectLst>
-          <a:latin typeface="+mn-lt"/>
-          <a:ea typeface="+mn-ea"/>
-          <a:cs typeface="+mn-cs"/>
-        </a:defRPr>
-      </a:lvl8pPr>
-      <a:lvl9pPr marL="3886200" indent="-228600" algn="l" defTabSz="457200" rtl="0" eaLnBrk="1" latinLnBrk="0" hangingPunct="1">
-        <a:spcBef>
-          <a:spcPct val="20000"/>
-        </a:spcBef>
-        <a:spcAft>
-          <a:spcPts val="600"/>
-        </a:spcAft>
-        <a:buClr>
-          <a:schemeClr val="tx1"/>
-        </a:buClr>
-        <a:buSzPct val="100000"/>
-        <a:buFont typeface="Arial"/>
-        <a:buChar char="•"/>
-        <a:defRPr sz="1200" kern="1200" cap="small">
-          <a:gradFill flip="none" rotWithShape="1">
-            <a:gsLst>
-              <a:gs pos="0">
-                <a:schemeClr val="tx1"/>
-              </a:gs>
-              <a:gs pos="100000">
-                <a:schemeClr val="tx1">
-                  <a:lumMod val="75000"/>
-                </a:schemeClr>
-              </a:gs>
-            </a:gsLst>
-            <a:lin ang="5580000" scaled="0"/>
-            <a:tileRect/>
-          </a:gradFill>
-          <a:effectLst>
-            <a:glow rad="38100">
-              <a:schemeClr val="bg1">
-                <a:lumMod val="50000"/>
-                <a:lumOff val="50000"/>
-                <a:alpha val="20000"/>
-              </a:schemeClr>
-            </a:glow>
-            <a:outerShdw blurRad="44450" dist="12700" dir="13860000" algn="tl" rotWithShape="0">
-              <a:srgbClr val="000000">
-                <a:alpha val="20000"/>
-              </a:srgbClr>
-            </a:outerShdw>
-          </a:effectLst>
-          <a:latin typeface="+mn-lt"/>
-          <a:ea typeface="+mn-ea"/>
-          <a:cs typeface="+mn-cs"/>
-        </a:defRPr>
-      </a:lvl9pPr>
-    </p:bodyStyle>
-    <p:otherStyle>
-      <a:defPPr>
-        <a:defRPr lang="en-US"/>
-      </a:defPPr>
-      <a:lvl1pPr marL="0" algn="l" defTabSz="457200" rtl="0" eaLnBrk="1" latinLnBrk="0" hangingPunct="1">
-        <a:defRPr sz="1800" kern="1200">
+        <a:buSzPct val="95000"/>
+        <a:buFont typeface="Wingdings 2"/>
+        <a:buChar char=""/>
+        <a:defRPr kumimoji="0" sz="2600" kern="1200">
           <a:solidFill>
             <a:schemeClr val="tx1"/>
           </a:solidFill>
@@ -7553,8 +5516,17 @@
           <a:cs typeface="+mn-cs"/>
         </a:defRPr>
       </a:lvl1pPr>
-      <a:lvl2pPr marL="457200" algn="l" defTabSz="457200" rtl="0" eaLnBrk="1" latinLnBrk="0" hangingPunct="1">
-        <a:defRPr sz="1800" kern="1200">
+      <a:lvl2pPr marL="640080" indent="-246888" algn="l" rtl="0" eaLnBrk="1" latinLnBrk="0" hangingPunct="1">
+        <a:spcBef>
+          <a:spcPct val="20000"/>
+        </a:spcBef>
+        <a:buClr>
+          <a:schemeClr val="accent1"/>
+        </a:buClr>
+        <a:buSzPct val="85000"/>
+        <a:buFont typeface="Wingdings 2"/>
+        <a:buChar char=""/>
+        <a:defRPr kumimoji="0" sz="2400" kern="1200">
           <a:solidFill>
             <a:schemeClr val="tx1"/>
           </a:solidFill>
@@ -7563,8 +5535,17 @@
           <a:cs typeface="+mn-cs"/>
         </a:defRPr>
       </a:lvl2pPr>
-      <a:lvl3pPr marL="914400" algn="l" defTabSz="457200" rtl="0" eaLnBrk="1" latinLnBrk="0" hangingPunct="1">
-        <a:defRPr sz="1800" kern="1200">
+      <a:lvl3pPr marL="914400" indent="-246888" algn="l" rtl="0" eaLnBrk="1" latinLnBrk="0" hangingPunct="1">
+        <a:spcBef>
+          <a:spcPct val="20000"/>
+        </a:spcBef>
+        <a:buClr>
+          <a:schemeClr val="accent2"/>
+        </a:buClr>
+        <a:buSzPct val="70000"/>
+        <a:buFont typeface="Wingdings 2"/>
+        <a:buChar char=""/>
+        <a:defRPr kumimoji="0" sz="2100" kern="1200">
           <a:solidFill>
             <a:schemeClr val="tx1"/>
           </a:solidFill>
@@ -7573,8 +5554,17 @@
           <a:cs typeface="+mn-cs"/>
         </a:defRPr>
       </a:lvl3pPr>
-      <a:lvl4pPr marL="1371600" algn="l" defTabSz="457200" rtl="0" eaLnBrk="1" latinLnBrk="0" hangingPunct="1">
-        <a:defRPr sz="1800" kern="1200">
+      <a:lvl4pPr marL="1188720" indent="-210312" algn="l" rtl="0" eaLnBrk="1" latinLnBrk="0" hangingPunct="1">
+        <a:spcBef>
+          <a:spcPct val="20000"/>
+        </a:spcBef>
+        <a:buClr>
+          <a:schemeClr val="accent3"/>
+        </a:buClr>
+        <a:buSzPct val="65000"/>
+        <a:buFont typeface="Wingdings 2"/>
+        <a:buChar char=""/>
+        <a:defRPr kumimoji="0" sz="2000" kern="1200">
           <a:solidFill>
             <a:schemeClr val="tx1"/>
           </a:solidFill>
@@ -7583,8 +5573,17 @@
           <a:cs typeface="+mn-cs"/>
         </a:defRPr>
       </a:lvl4pPr>
-      <a:lvl5pPr marL="1828800" algn="l" defTabSz="457200" rtl="0" eaLnBrk="1" latinLnBrk="0" hangingPunct="1">
-        <a:defRPr sz="1800" kern="1200">
+      <a:lvl5pPr marL="1463040" indent="-210312" algn="l" rtl="0" eaLnBrk="1" latinLnBrk="0" hangingPunct="1">
+        <a:spcBef>
+          <a:spcPct val="20000"/>
+        </a:spcBef>
+        <a:buClr>
+          <a:schemeClr val="accent4"/>
+        </a:buClr>
+        <a:buSzPct val="65000"/>
+        <a:buFont typeface="Wingdings 2"/>
+        <a:buChar char=""/>
+        <a:defRPr kumimoji="0" sz="2000" kern="1200">
           <a:solidFill>
             <a:schemeClr val="tx1"/>
           </a:solidFill>
@@ -7593,8 +5592,17 @@
           <a:cs typeface="+mn-cs"/>
         </a:defRPr>
       </a:lvl5pPr>
-      <a:lvl6pPr marL="2286000" algn="l" defTabSz="457200" rtl="0" eaLnBrk="1" latinLnBrk="0" hangingPunct="1">
-        <a:defRPr sz="1800" kern="1200">
+      <a:lvl6pPr marL="1737360" indent="-210312" algn="l" rtl="0" eaLnBrk="1" latinLnBrk="0" hangingPunct="1">
+        <a:spcBef>
+          <a:spcPct val="20000"/>
+        </a:spcBef>
+        <a:buClr>
+          <a:schemeClr val="accent5"/>
+        </a:buClr>
+        <a:buSzPct val="80000"/>
+        <a:buFont typeface="Wingdings 2"/>
+        <a:buChar char=""/>
+        <a:defRPr kumimoji="0" sz="1800" kern="1200">
           <a:solidFill>
             <a:schemeClr val="tx1"/>
           </a:solidFill>
@@ -7603,8 +5611,17 @@
           <a:cs typeface="+mn-cs"/>
         </a:defRPr>
       </a:lvl6pPr>
-      <a:lvl7pPr marL="2743200" algn="l" defTabSz="457200" rtl="0" eaLnBrk="1" latinLnBrk="0" hangingPunct="1">
-        <a:defRPr sz="1800" kern="1200">
+      <a:lvl7pPr marL="1920240" indent="-182880" algn="l" rtl="0" eaLnBrk="1" latinLnBrk="0" hangingPunct="1">
+        <a:spcBef>
+          <a:spcPct val="20000"/>
+        </a:spcBef>
+        <a:buClr>
+          <a:schemeClr val="accent6"/>
+        </a:buClr>
+        <a:buSzPct val="80000"/>
+        <a:buFont typeface="Wingdings 2"/>
+        <a:buChar char=""/>
+        <a:defRPr kumimoji="0" sz="1600" kern="1200" baseline="0">
           <a:solidFill>
             <a:schemeClr val="tx1"/>
           </a:solidFill>
@@ -7613,8 +5630,15 @@
           <a:cs typeface="+mn-cs"/>
         </a:defRPr>
       </a:lvl7pPr>
-      <a:lvl8pPr marL="3200400" algn="l" defTabSz="457200" rtl="0" eaLnBrk="1" latinLnBrk="0" hangingPunct="1">
-        <a:defRPr sz="1800" kern="1200">
+      <a:lvl8pPr marL="2194560" indent="-182880" algn="l" rtl="0" eaLnBrk="1" latinLnBrk="0" hangingPunct="1">
+        <a:spcBef>
+          <a:spcPct val="20000"/>
+        </a:spcBef>
+        <a:buClr>
+          <a:schemeClr val="tx2"/>
+        </a:buClr>
+        <a:buChar char="•"/>
+        <a:defRPr kumimoji="0" sz="1600" kern="1200">
           <a:solidFill>
             <a:schemeClr val="tx1"/>
           </a:solidFill>
@@ -7623,8 +5647,108 @@
           <a:cs typeface="+mn-cs"/>
         </a:defRPr>
       </a:lvl8pPr>
-      <a:lvl9pPr marL="3657600" algn="l" defTabSz="457200" rtl="0" eaLnBrk="1" latinLnBrk="0" hangingPunct="1">
-        <a:defRPr sz="1800" kern="1200">
+      <a:lvl9pPr marL="2468880" indent="-182880" algn="l" rtl="0" eaLnBrk="1" latinLnBrk="0" hangingPunct="1">
+        <a:spcBef>
+          <a:spcPct val="20000"/>
+        </a:spcBef>
+        <a:buClr>
+          <a:schemeClr val="tx2"/>
+        </a:buClr>
+        <a:buFontTx/>
+        <a:buChar char="•"/>
+        <a:defRPr kumimoji="0" sz="1400" kern="1200" baseline="0">
+          <a:solidFill>
+            <a:schemeClr val="tx1"/>
+          </a:solidFill>
+          <a:latin typeface="+mn-lt"/>
+          <a:ea typeface="+mn-ea"/>
+          <a:cs typeface="+mn-cs"/>
+        </a:defRPr>
+      </a:lvl9pPr>
+    </p:bodyStyle>
+    <p:otherStyle>
+      <a:lvl1pPr marL="0" algn="l" rtl="0" eaLnBrk="1" latinLnBrk="0" hangingPunct="1">
+        <a:defRPr kumimoji="0" kern="1200">
+          <a:solidFill>
+            <a:schemeClr val="tx1"/>
+          </a:solidFill>
+          <a:latin typeface="+mn-lt"/>
+          <a:ea typeface="+mn-ea"/>
+          <a:cs typeface="+mn-cs"/>
+        </a:defRPr>
+      </a:lvl1pPr>
+      <a:lvl2pPr marL="457200" algn="l" rtl="0" eaLnBrk="1" latinLnBrk="0" hangingPunct="1">
+        <a:defRPr kumimoji="0" kern="1200">
+          <a:solidFill>
+            <a:schemeClr val="tx1"/>
+          </a:solidFill>
+          <a:latin typeface="+mn-lt"/>
+          <a:ea typeface="+mn-ea"/>
+          <a:cs typeface="+mn-cs"/>
+        </a:defRPr>
+      </a:lvl2pPr>
+      <a:lvl3pPr marL="914400" algn="l" rtl="0" eaLnBrk="1" latinLnBrk="0" hangingPunct="1">
+        <a:defRPr kumimoji="0" kern="1200">
+          <a:solidFill>
+            <a:schemeClr val="tx1"/>
+          </a:solidFill>
+          <a:latin typeface="+mn-lt"/>
+          <a:ea typeface="+mn-ea"/>
+          <a:cs typeface="+mn-cs"/>
+        </a:defRPr>
+      </a:lvl3pPr>
+      <a:lvl4pPr marL="1371600" algn="l" rtl="0" eaLnBrk="1" latinLnBrk="0" hangingPunct="1">
+        <a:defRPr kumimoji="0" kern="1200">
+          <a:solidFill>
+            <a:schemeClr val="tx1"/>
+          </a:solidFill>
+          <a:latin typeface="+mn-lt"/>
+          <a:ea typeface="+mn-ea"/>
+          <a:cs typeface="+mn-cs"/>
+        </a:defRPr>
+      </a:lvl4pPr>
+      <a:lvl5pPr marL="1828800" algn="l" rtl="0" eaLnBrk="1" latinLnBrk="0" hangingPunct="1">
+        <a:defRPr kumimoji="0" kern="1200">
+          <a:solidFill>
+            <a:schemeClr val="tx1"/>
+          </a:solidFill>
+          <a:latin typeface="+mn-lt"/>
+          <a:ea typeface="+mn-ea"/>
+          <a:cs typeface="+mn-cs"/>
+        </a:defRPr>
+      </a:lvl5pPr>
+      <a:lvl6pPr marL="2286000" algn="l" rtl="0" eaLnBrk="1" latinLnBrk="0" hangingPunct="1">
+        <a:defRPr kumimoji="0" kern="1200">
+          <a:solidFill>
+            <a:schemeClr val="tx1"/>
+          </a:solidFill>
+          <a:latin typeface="+mn-lt"/>
+          <a:ea typeface="+mn-ea"/>
+          <a:cs typeface="+mn-cs"/>
+        </a:defRPr>
+      </a:lvl6pPr>
+      <a:lvl7pPr marL="2743200" algn="l" rtl="0" eaLnBrk="1" latinLnBrk="0" hangingPunct="1">
+        <a:defRPr kumimoji="0" kern="1200">
+          <a:solidFill>
+            <a:schemeClr val="tx1"/>
+          </a:solidFill>
+          <a:latin typeface="+mn-lt"/>
+          <a:ea typeface="+mn-ea"/>
+          <a:cs typeface="+mn-cs"/>
+        </a:defRPr>
+      </a:lvl7pPr>
+      <a:lvl8pPr marL="3200400" algn="l" rtl="0" eaLnBrk="1" latinLnBrk="0" hangingPunct="1">
+        <a:defRPr kumimoji="0" kern="1200">
+          <a:solidFill>
+            <a:schemeClr val="tx1"/>
+          </a:solidFill>
+          <a:latin typeface="+mn-lt"/>
+          <a:ea typeface="+mn-ea"/>
+          <a:cs typeface="+mn-cs"/>
+        </a:defRPr>
+      </a:lvl8pPr>
+      <a:lvl9pPr marL="3657600" algn="l" rtl="0" eaLnBrk="1" latinLnBrk="0" hangingPunct="1">
+        <a:defRPr kumimoji="0" kern="1200">
           <a:solidFill>
             <a:schemeClr val="tx1"/>
           </a:solidFill>
@@ -7852,7 +5976,7 @@
     </p:spTree>
     <p:extLst>
       <p:ext uri="{BB962C8B-B14F-4D97-AF65-F5344CB8AC3E}">
-        <p14:creationId xmlns:p14="http://schemas.microsoft.com/office/powerpoint/2010/main" val="109857222"/>
+        <p14:creationId xmlns:p14="http://schemas.microsoft.com/office/powerpoint/2010/main" xmlns="" val="109857222"/>
       </p:ext>
     </p:extLst>
   </p:cSld>
@@ -7884,7 +6008,7 @@
           <p:cNvPr id="2" name="Title 1">
             <a:extLst>
               <a:ext uri="{FF2B5EF4-FFF2-40B4-BE49-F238E27FC236}">
-                <a16:creationId xmlns:a16="http://schemas.microsoft.com/office/drawing/2014/main" id="{1E41FC46-95A2-4B99-9543-7335BCCFF0D5}"/>
+                <a16:creationId xmlns:a16="http://schemas.microsoft.com/office/drawing/2014/main" xmlns="" id="{1E41FC46-95A2-4B99-9543-7335BCCFF0D5}"/>
               </a:ext>
             </a:extLst>
           </p:cNvPr>
@@ -7927,7 +6051,7 @@
           <p:cNvPr id="3" name="Content Placeholder 2">
             <a:extLst>
               <a:ext uri="{FF2B5EF4-FFF2-40B4-BE49-F238E27FC236}">
-                <a16:creationId xmlns:a16="http://schemas.microsoft.com/office/drawing/2014/main" id="{94F961F6-8832-435A-A2B8-E32EC0DA108D}"/>
+                <a16:creationId xmlns:a16="http://schemas.microsoft.com/office/drawing/2014/main" xmlns="" id="{94F961F6-8832-435A-A2B8-E32EC0DA108D}"/>
               </a:ext>
             </a:extLst>
           </p:cNvPr>
@@ -8025,7 +6149,7 @@
     </p:spTree>
     <p:extLst>
       <p:ext uri="{BB962C8B-B14F-4D97-AF65-F5344CB8AC3E}">
-        <p14:creationId xmlns:p14="http://schemas.microsoft.com/office/powerpoint/2010/main" val="1721459844"/>
+        <p14:creationId xmlns:p14="http://schemas.microsoft.com/office/powerpoint/2010/main" xmlns="" val="1721459844"/>
       </p:ext>
     </p:extLst>
   </p:cSld>
@@ -8057,7 +6181,7 @@
           <p:cNvPr id="3" name="Content Placeholder 2">
             <a:extLst>
               <a:ext uri="{FF2B5EF4-FFF2-40B4-BE49-F238E27FC236}">
-                <a16:creationId xmlns:a16="http://schemas.microsoft.com/office/drawing/2014/main" id="{F4681477-EA90-4872-AF7A-BDF1A54D38C0}"/>
+                <a16:creationId xmlns:a16="http://schemas.microsoft.com/office/drawing/2014/main" xmlns="" id="{F4681477-EA90-4872-AF7A-BDF1A54D38C0}"/>
               </a:ext>
             </a:extLst>
           </p:cNvPr>
@@ -8232,7 +6356,7 @@
     </p:spTree>
     <p:extLst>
       <p:ext uri="{BB962C8B-B14F-4D97-AF65-F5344CB8AC3E}">
-        <p14:creationId xmlns:p14="http://schemas.microsoft.com/office/powerpoint/2010/main" val="3811451903"/>
+        <p14:creationId xmlns:p14="http://schemas.microsoft.com/office/powerpoint/2010/main" xmlns="" val="3811451903"/>
       </p:ext>
     </p:extLst>
   </p:cSld>
@@ -8264,7 +6388,7 @@
           <p:cNvPr id="2" name="Title 1">
             <a:extLst>
               <a:ext uri="{FF2B5EF4-FFF2-40B4-BE49-F238E27FC236}">
-                <a16:creationId xmlns:a16="http://schemas.microsoft.com/office/drawing/2014/main" id="{D4DA58F3-3D60-4D43-B95B-631AA0941C6E}"/>
+                <a16:creationId xmlns:a16="http://schemas.microsoft.com/office/drawing/2014/main" xmlns="" id="{D4DA58F3-3D60-4D43-B95B-631AA0941C6E}"/>
               </a:ext>
             </a:extLst>
           </p:cNvPr>
@@ -8308,7 +6432,7 @@
           <p:cNvPr id="5" name="Picture 5" descr="Diagram&#10;&#10;Description automatically generated">
             <a:extLst>
               <a:ext uri="{FF2B5EF4-FFF2-40B4-BE49-F238E27FC236}">
-                <a16:creationId xmlns:a16="http://schemas.microsoft.com/office/drawing/2014/main" id="{FA5F2CC8-E231-4787-8C2C-F1CBA90C60EF}"/>
+                <a16:creationId xmlns:a16="http://schemas.microsoft.com/office/drawing/2014/main" xmlns="" id="{FA5F2CC8-E231-4787-8C2C-F1CBA90C60EF}"/>
               </a:ext>
             </a:extLst>
           </p:cNvPr>
@@ -8338,7 +6462,7 @@
           <p:cNvPr id="6" name="Picture 6">
             <a:extLst>
               <a:ext uri="{FF2B5EF4-FFF2-40B4-BE49-F238E27FC236}">
-                <a16:creationId xmlns:a16="http://schemas.microsoft.com/office/drawing/2014/main" id="{9F07164D-9609-49DE-AE83-50E74C5D9BD9}"/>
+                <a16:creationId xmlns:a16="http://schemas.microsoft.com/office/drawing/2014/main" xmlns="" id="{9F07164D-9609-49DE-AE83-50E74C5D9BD9}"/>
               </a:ext>
             </a:extLst>
           </p:cNvPr>
@@ -8368,7 +6492,7 @@
           <p:cNvPr id="7" name="Picture 7">
             <a:extLst>
               <a:ext uri="{FF2B5EF4-FFF2-40B4-BE49-F238E27FC236}">
-                <a16:creationId xmlns:a16="http://schemas.microsoft.com/office/drawing/2014/main" id="{F1E40400-E076-4F1E-B806-4B5000865C06}"/>
+                <a16:creationId xmlns:a16="http://schemas.microsoft.com/office/drawing/2014/main" xmlns="" id="{F1E40400-E076-4F1E-B806-4B5000865C06}"/>
               </a:ext>
             </a:extLst>
           </p:cNvPr>
@@ -8378,7 +6502,7 @@
           <p:nvPr/>
         </p:nvPicPr>
         <p:blipFill>
-          <a:blip r:embed="rId4"/>
+          <a:blip r:embed="rId4" cstate="print"/>
           <a:stretch>
             <a:fillRect/>
           </a:stretch>
@@ -8398,7 +6522,7 @@
           <p:cNvPr id="8" name="Picture 8" descr="Graphical user interface, application&#10;&#10;Description automatically generated">
             <a:extLst>
               <a:ext uri="{FF2B5EF4-FFF2-40B4-BE49-F238E27FC236}">
-                <a16:creationId xmlns:a16="http://schemas.microsoft.com/office/drawing/2014/main" id="{A43A8133-5E45-4C4A-A615-F3FEE3952B2F}"/>
+                <a16:creationId xmlns:a16="http://schemas.microsoft.com/office/drawing/2014/main" xmlns="" id="{A43A8133-5E45-4C4A-A615-F3FEE3952B2F}"/>
               </a:ext>
             </a:extLst>
           </p:cNvPr>
@@ -8426,7 +6550,7 @@
     </p:spTree>
     <p:extLst>
       <p:ext uri="{BB962C8B-B14F-4D97-AF65-F5344CB8AC3E}">
-        <p14:creationId xmlns:p14="http://schemas.microsoft.com/office/powerpoint/2010/main" val="2598317942"/>
+        <p14:creationId xmlns:p14="http://schemas.microsoft.com/office/powerpoint/2010/main" xmlns="" val="2598317942"/>
       </p:ext>
     </p:extLst>
   </p:cSld>
@@ -8458,7 +6582,7 @@
           <p:cNvPr id="5" name="Content Placeholder 4">
             <a:extLst>
               <a:ext uri="{FF2B5EF4-FFF2-40B4-BE49-F238E27FC236}">
-                <a16:creationId xmlns:a16="http://schemas.microsoft.com/office/drawing/2014/main" id="{0A5754CB-2535-4286-AECD-0BD945A11E69}"/>
+                <a16:creationId xmlns:a16="http://schemas.microsoft.com/office/drawing/2014/main" xmlns="" id="{0A5754CB-2535-4286-AECD-0BD945A11E69}"/>
               </a:ext>
             </a:extLst>
           </p:cNvPr>
@@ -8510,7 +6634,7 @@
     </p:spTree>
     <p:extLst>
       <p:ext uri="{BB962C8B-B14F-4D97-AF65-F5344CB8AC3E}">
-        <p14:creationId xmlns:p14="http://schemas.microsoft.com/office/powerpoint/2010/main" val="3306842633"/>
+        <p14:creationId xmlns:p14="http://schemas.microsoft.com/office/powerpoint/2010/main" xmlns="" val="3306842633"/>
       </p:ext>
     </p:extLst>
   </p:cSld>
@@ -8521,9 +6645,9 @@
 </file>
 
 <file path=ppt/theme/theme1.xml><?xml version="1.0" encoding="utf-8"?>
-<a:theme xmlns:a="http://schemas.openxmlformats.org/drawingml/2006/main" name="Mesh">
+<a:theme xmlns:a="http://schemas.openxmlformats.org/drawingml/2006/main" name="Flow">
   <a:themeElements>
-    <a:clrScheme name="Mesh">
+    <a:clrScheme name="Flow">
       <a:dk1>
         <a:sysClr val="windowText" lastClr="000000"/>
       </a:dk1>
@@ -8531,48 +6655,48 @@
         <a:sysClr val="window" lastClr="FFFFFF"/>
       </a:lt1>
       <a:dk2>
-        <a:srgbClr val="363D46"/>
+        <a:srgbClr val="04617B"/>
       </a:dk2>
       <a:lt2>
-        <a:srgbClr val="EBEBEB"/>
+        <a:srgbClr val="DBF5F9"/>
       </a:lt2>
       <a:accent1>
-        <a:srgbClr val="6F6F6F"/>
+        <a:srgbClr val="0F6FC6"/>
       </a:accent1>
       <a:accent2>
-        <a:srgbClr val="BFBFA5"/>
+        <a:srgbClr val="009DD9"/>
       </a:accent2>
       <a:accent3>
-        <a:srgbClr val="DCD084"/>
+        <a:srgbClr val="0BD0D9"/>
       </a:accent3>
       <a:accent4>
-        <a:srgbClr val="E7BF5F"/>
+        <a:srgbClr val="10CF9B"/>
       </a:accent4>
       <a:accent5>
-        <a:srgbClr val="E9A039"/>
+        <a:srgbClr val="7CCA62"/>
       </a:accent5>
       <a:accent6>
-        <a:srgbClr val="CF7133"/>
+        <a:srgbClr val="A5C249"/>
       </a:accent6>
       <a:hlink>
-        <a:srgbClr val="F28943"/>
+        <a:srgbClr val="E2D700"/>
       </a:hlink>
       <a:folHlink>
-        <a:srgbClr val="F1B76C"/>
+        <a:srgbClr val="85DFD0"/>
       </a:folHlink>
     </a:clrScheme>
-    <a:fontScheme name="Mesh">
+    <a:fontScheme name="Flow">
       <a:majorFont>
-        <a:latin typeface="Century Gothic" panose="020B0502020202020204"/>
+        <a:latin typeface="Calibri"/>
         <a:ea typeface=""/>
         <a:cs typeface=""/>
-        <a:font script="Jpan" typeface="ＭＳ ゴシック"/>
-        <a:font script="Hang" typeface="맑은 고딕"/>
-        <a:font script="Hans" typeface="宋体"/>
-        <a:font script="Hant" typeface="新細明體"/>
-        <a:font script="Arab" typeface="Tahoma"/>
-        <a:font script="Hebr" typeface="Gisha"/>
-        <a:font script="Thai" typeface="DilleniaUPC"/>
+        <a:font script="Jpan" typeface="ＭＳ Ｐゴシック"/>
+        <a:font script="Hang" typeface="HY중고딕"/>
+        <a:font script="Hans" typeface="隶书"/>
+        <a:font script="Hant" typeface="微軟正黑體"/>
+        <a:font script="Arab" typeface="Traditional Arabic"/>
+        <a:font script="Hebr" typeface="Arial"/>
+        <a:font script="Thai" typeface="Cordia New"/>
         <a:font script="Ethi" typeface="Nyala"/>
         <a:font script="Beng" typeface="Vrinda"/>
         <a:font script="Gujr" typeface="Shruti"/>
@@ -8593,25 +6717,24 @@
         <a:font script="Laoo" typeface="DokChampa"/>
         <a:font script="Sinh" typeface="Iskoola Pota"/>
         <a:font script="Mong" typeface="Mongolian Baiti"/>
-        <a:font script="Viet" typeface="Tahoma"/>
+        <a:font script="Viet" typeface="Arial"/>
         <a:font script="Uigh" typeface="Microsoft Uighur"/>
-        <a:font script="Geor" typeface="Sylfaen"/>
       </a:majorFont>
       <a:minorFont>
-        <a:latin typeface="Century Gothic" panose="020B0502020202020204"/>
+        <a:latin typeface="Constantia"/>
         <a:ea typeface=""/>
         <a:cs typeface=""/>
-        <a:font script="Jpan" typeface="ＭＳ ゴシック"/>
-        <a:font script="Hang" typeface="맑은 고딕"/>
+        <a:font script="Jpan" typeface="HGP明朝E"/>
+        <a:font script="Hang" typeface="HY신명조"/>
         <a:font script="Hans" typeface="宋体"/>
         <a:font script="Hant" typeface="新細明體"/>
-        <a:font script="Arab" typeface="Tahoma"/>
-        <a:font script="Hebr" typeface="Gisha"/>
-        <a:font script="Thai" typeface="DilleniaUPC"/>
+        <a:font script="Arab" typeface="Majalla UI"/>
+        <a:font script="Hebr" typeface="David"/>
+        <a:font script="Thai" typeface="Browallia New"/>
         <a:font script="Ethi" typeface="Nyala"/>
         <a:font script="Beng" typeface="Vrinda"/>
         <a:font script="Gujr" typeface="Shruti"/>
-        <a:font script="Khmr" typeface="DaunPenh"/>
+        <a:font script="Khmr" typeface="MoolBoran"/>
         <a:font script="Knda" typeface="Tunga"/>
         <a:font script="Guru" typeface="Raavi"/>
         <a:font script="Cans" typeface="Euphemia"/>
@@ -8628,12 +6751,11 @@
         <a:font script="Laoo" typeface="DokChampa"/>
         <a:font script="Sinh" typeface="Iskoola Pota"/>
         <a:font script="Mong" typeface="Mongolian Baiti"/>
-        <a:font script="Viet" typeface="Verdana"/>
+        <a:font script="Viet" typeface="Times New Roman"/>
         <a:font script="Uigh" typeface="Microsoft Uighur"/>
-        <a:font script="Geor" typeface="Sylfaen"/>
       </a:minorFont>
     </a:fontScheme>
-    <a:fmtScheme name="Mesh">
+    <a:fmtScheme name="Flow">
       <a:fillStyleLst>
         <a:solidFill>
           <a:schemeClr val="phClr"/>
@@ -8642,50 +6764,77 @@
           <a:gsLst>
             <a:gs pos="0">
               <a:schemeClr val="phClr">
-                <a:tint val="60000"/>
-                <a:lumMod val="110000"/>
+                <a:tint val="70000"/>
+                <a:satMod val="130000"/>
+              </a:schemeClr>
+            </a:gs>
+            <a:gs pos="43000">
+              <a:schemeClr val="phClr">
+                <a:tint val="44000"/>
+                <a:satMod val="165000"/>
+              </a:schemeClr>
+            </a:gs>
+            <a:gs pos="93000">
+              <a:schemeClr val="phClr">
+                <a:tint val="15000"/>
+                <a:satMod val="165000"/>
               </a:schemeClr>
             </a:gs>
             <a:gs pos="100000">
               <a:schemeClr val="phClr">
-                <a:tint val="82000"/>
+                <a:tint val="5000"/>
+                <a:satMod val="250000"/>
               </a:schemeClr>
             </a:gs>
           </a:gsLst>
-          <a:lin ang="5400000" scaled="0"/>
+          <a:path path="circle">
+            <a:fillToRect l="50000" t="130000" r="50000" b="-30000"/>
+          </a:path>
         </a:gradFill>
         <a:gradFill rotWithShape="1">
           <a:gsLst>
             <a:gs pos="0">
               <a:schemeClr val="phClr">
-                <a:tint val="96000"/>
-                <a:lumMod val="104000"/>
+                <a:tint val="98000"/>
+                <a:shade val="25000"/>
+                <a:satMod val="250000"/>
+              </a:schemeClr>
+            </a:gs>
+            <a:gs pos="68000">
+              <a:schemeClr val="phClr">
+                <a:tint val="86000"/>
+                <a:satMod val="115000"/>
               </a:schemeClr>
             </a:gs>
             <a:gs pos="100000">
               <a:schemeClr val="phClr">
-                <a:shade val="84000"/>
-                <a:lumMod val="84000"/>
+                <a:tint val="50000"/>
+                <a:satMod val="150000"/>
               </a:schemeClr>
             </a:gs>
           </a:gsLst>
-          <a:lin ang="5400000" scaled="0"/>
+          <a:path path="circle">
+            <a:fillToRect l="50000" t="130000" r="50000" b="-30000"/>
+          </a:path>
         </a:gradFill>
       </a:fillStyleLst>
       <a:lnStyleLst>
-        <a:ln w="9525" cap="rnd" cmpd="sng" algn="ctr">
+        <a:ln w="9525" cap="flat" cmpd="sng" algn="ctr">
+          <a:solidFill>
+            <a:schemeClr val="phClr">
+              <a:shade val="50000"/>
+              <a:satMod val="103000"/>
+            </a:schemeClr>
+          </a:solidFill>
+          <a:prstDash val="solid"/>
+        </a:ln>
+        <a:ln w="25400" cap="flat" cmpd="sng" algn="ctr">
           <a:solidFill>
             <a:schemeClr val="phClr"/>
           </a:solidFill>
           <a:prstDash val="solid"/>
         </a:ln>
-        <a:ln w="19050" cap="rnd" cmpd="sng" algn="ctr">
-          <a:solidFill>
-            <a:schemeClr val="phClr"/>
-          </a:solidFill>
-          <a:prstDash val="solid"/>
-        </a:ln>
-        <a:ln w="25400" cap="rnd" cmpd="sng" algn="ctr">
+        <a:ln w="38100" cap="flat" cmpd="sng" algn="ctr">
           <a:solidFill>
             <a:schemeClr val="phClr"/>
           </a:solidFill>
@@ -8694,33 +6843,47 @@
       </a:lnStyleLst>
       <a:effectStyleLst>
         <a:effectStyle>
-          <a:effectLst/>
-        </a:effectStyle>
-        <a:effectStyle>
           <a:effectLst>
-            <a:innerShdw blurRad="50800" dist="25400" dir="13500000">
-              <a:srgbClr val="000000">
-                <a:alpha val="55000"/>
-              </a:srgbClr>
-            </a:innerShdw>
+            <a:outerShdw blurRad="57150" dist="38100" dir="5400000" algn="ctr" rotWithShape="0">
+              <a:schemeClr val="phClr">
+                <a:shade val="9000"/>
+                <a:satMod val="105000"/>
+                <a:alpha val="48000"/>
+              </a:schemeClr>
+            </a:outerShdw>
           </a:effectLst>
         </a:effectStyle>
         <a:effectStyle>
           <a:effectLst>
-            <a:outerShdw blurRad="50800" dist="38100" dir="5400000" rotWithShape="0">
-              <a:srgbClr val="000000">
-                <a:alpha val="60000"/>
-              </a:srgbClr>
+            <a:outerShdw blurRad="57150" dist="38100" dir="5400000" algn="ctr" rotWithShape="0">
+              <a:schemeClr val="phClr">
+                <a:shade val="9000"/>
+                <a:satMod val="105000"/>
+                <a:alpha val="48000"/>
+              </a:schemeClr>
+            </a:outerShdw>
+          </a:effectLst>
+        </a:effectStyle>
+        <a:effectStyle>
+          <a:effectLst>
+            <a:outerShdw blurRad="57150" dist="38100" dir="5400000" algn="ctr" rotWithShape="0">
+              <a:schemeClr val="phClr">
+                <a:shade val="9000"/>
+                <a:satMod val="105000"/>
+                <a:alpha val="48000"/>
+              </a:schemeClr>
             </a:outerShdw>
           </a:effectLst>
           <a:scene3d>
-            <a:camera prst="orthographicFront">
+            <a:camera prst="orthographicFront" fov="0">
               <a:rot lat="0" lon="0" rev="0"/>
             </a:camera>
-            <a:lightRig rig="threePt" dir="tl"/>
+            <a:lightRig rig="glow" dir="tl">
+              <a:rot lat="0" lon="0" rev="900000"/>
+            </a:lightRig>
           </a:scene3d>
-          <a:sp3d>
-            <a:bevelT w="25400" h="25400" prst="slope"/>
+          <a:sp3d prstMaterial="powder">
+            <a:bevelT w="25400" h="38100"/>
           </a:sp3d>
         </a:effectStyle>
       </a:effectStyleLst>
@@ -8732,46 +6895,46 @@
           <a:gsLst>
             <a:gs pos="0">
               <a:schemeClr val="phClr">
-                <a:tint val="90000"/>
-                <a:lumMod val="110000"/>
+                <a:tint val="80000"/>
+                <a:satMod val="400000"/>
+              </a:schemeClr>
+            </a:gs>
+            <a:gs pos="25000">
+              <a:schemeClr val="phClr">
+                <a:tint val="83000"/>
+                <a:satMod val="320000"/>
               </a:schemeClr>
             </a:gs>
             <a:gs pos="100000">
               <a:schemeClr val="phClr">
-                <a:shade val="64000"/>
-                <a:lumMod val="98000"/>
+                <a:shade val="15000"/>
+                <a:satMod val="320000"/>
               </a:schemeClr>
             </a:gs>
           </a:gsLst>
-          <a:lin ang="5400000" scaled="0"/>
+          <a:path path="circle">
+            <a:fillToRect l="10000" t="110000" r="10000" b="100000"/>
+          </a:path>
         </a:gradFill>
-        <a:blipFill rotWithShape="1">
+        <a:blipFill>
           <a:blip xmlns:r="http://schemas.openxmlformats.org/officeDocument/2006/relationships" r:embed="rId1">
             <a:duotone>
               <a:schemeClr val="phClr">
-                <a:shade val="28000"/>
-                <a:satMod val="94000"/>
-                <a:lumMod val="20000"/>
+                <a:shade val="90000"/>
+                <a:satMod val="150000"/>
               </a:schemeClr>
               <a:schemeClr val="phClr">
-                <a:tint val="94000"/>
-                <a:shade val="84000"/>
-                <a:satMod val="148000"/>
-                <a:lumMod val="114000"/>
+                <a:tint val="88000"/>
+                <a:satMod val="150000"/>
               </a:schemeClr>
             </a:duotone>
           </a:blip>
-          <a:stretch/>
+          <a:tile tx="0" ty="0" sx="65000" sy="65000" flip="none" algn="tl"/>
         </a:blipFill>
       </a:bgFillStyleLst>
     </a:fmtScheme>
   </a:themeElements>
   <a:objectDefaults/>
   <a:extraClrSchemeLst/>
-  <a:extLst>
-    <a:ext uri="{05A4C25C-085E-4340-85A3-A5531E510DB2}">
-      <thm15:themeFamily xmlns:thm15="http://schemas.microsoft.com/office/thememl/2012/main" name="Mesh" id="{789EC3FE-34FD-429C-9918-760025E6C145}" vid="{B8BE45C0-8141-4D58-8C71-A009BC26FBBB}"/>
-    </a:ext>
-  </a:extLst>
 </a:theme>
 </file>